--- a/templates/ncd_fdhsc_ci/LSC-CSI-WEEK-2.pptx
+++ b/templates/ncd_fdhsc_ci/LSC-CSI-WEEK-2.pptx
@@ -24,12 +24,10 @@
     <p:sldId id="289" r:id="rId18"/>
     <p:sldId id="290" r:id="rId19"/>
     <p:sldId id="292" r:id="rId20"/>
-    <p:sldId id="277" r:id="rId21"/>
-    <p:sldId id="295" r:id="rId22"/>
-    <p:sldId id="296" r:id="rId23"/>
-    <p:sldId id="297" r:id="rId24"/>
-    <p:sldId id="278" r:id="rId25"/>
-    <p:sldId id="279" r:id="rId26"/>
+    <p:sldId id="295" r:id="rId21"/>
+    <p:sldId id="296" r:id="rId22"/>
+    <p:sldId id="297" r:id="rId23"/>
+    <p:sldId id="279" r:id="rId24"/>
   </p:sldIdLst>
   <p:sldSz cx="12192000" cy="6858000"/>
   <p:notesSz cx="6858000" cy="9144000"/>
@@ -285,9 +283,9 @@
           <a:p>
             <a:fld id="{BD360C71-3997-4451-AA86-558EDCD6C8D9}" type="datetime1">
               <a:rPr lang="en-GB" smtClean="0"/>
-              <a:t>05/02/2021</a:t>
+              <a:t>28/09/2023</a:t>
             </a:fld>
-            <a:endParaRPr lang="en-GB"/>
+            <a:endParaRPr lang="en-GB" dirty="0"/>
           </a:p>
         </p:txBody>
       </p:sp>
@@ -313,7 +311,7 @@
           <a:lstStyle/>
           <a:p>
             <a:r>
-              <a:rPr lang="en-GB"/>
+              <a:rPr lang="en-GB" dirty="0"/>
               <a:t>Created by Tayo Alebiosu</a:t>
             </a:r>
           </a:p>
@@ -344,7 +342,7 @@
               <a:rPr lang="en-GB" smtClean="0"/>
               <a:t>‹#›</a:t>
             </a:fld>
-            <a:endParaRPr lang="en-GB"/>
+            <a:endParaRPr lang="en-GB" dirty="0"/>
           </a:p>
         </p:txBody>
       </p:sp>
@@ -488,9 +486,9 @@
           <a:p>
             <a:fld id="{F0D40A17-C863-4ADD-9F4D-DB275C62FD2C}" type="datetime1">
               <a:rPr lang="en-GB" smtClean="0"/>
-              <a:t>05/02/2021</a:t>
+              <a:t>28/09/2023</a:t>
             </a:fld>
-            <a:endParaRPr lang="en-GB"/>
+            <a:endParaRPr lang="en-GB" dirty="0"/>
           </a:p>
         </p:txBody>
       </p:sp>
@@ -516,7 +514,7 @@
           <a:lstStyle/>
           <a:p>
             <a:r>
-              <a:rPr lang="en-GB"/>
+              <a:rPr lang="en-GB" dirty="0"/>
               <a:t>Created by Tayo Alebiosu</a:t>
             </a:r>
           </a:p>
@@ -547,7 +545,7 @@
               <a:rPr lang="en-GB" smtClean="0"/>
               <a:t>‹#›</a:t>
             </a:fld>
-            <a:endParaRPr lang="en-GB"/>
+            <a:endParaRPr lang="en-GB" dirty="0"/>
           </a:p>
         </p:txBody>
       </p:sp>
@@ -701,9 +699,9 @@
           <a:p>
             <a:fld id="{4B057954-FDD6-4FA1-82FD-29A945DE25C4}" type="datetime1">
               <a:rPr lang="en-GB" smtClean="0"/>
-              <a:t>05/02/2021</a:t>
+              <a:t>28/09/2023</a:t>
             </a:fld>
-            <a:endParaRPr lang="en-GB"/>
+            <a:endParaRPr lang="en-GB" dirty="0"/>
           </a:p>
         </p:txBody>
       </p:sp>
@@ -729,7 +727,7 @@
           <a:lstStyle/>
           <a:p>
             <a:r>
-              <a:rPr lang="en-GB"/>
+              <a:rPr lang="en-GB" dirty="0"/>
               <a:t>Created by Tayo Alebiosu</a:t>
             </a:r>
           </a:p>
@@ -760,7 +758,7 @@
               <a:rPr lang="en-GB" smtClean="0"/>
               <a:t>‹#›</a:t>
             </a:fld>
-            <a:endParaRPr lang="en-GB"/>
+            <a:endParaRPr lang="en-GB" dirty="0"/>
           </a:p>
         </p:txBody>
       </p:sp>
@@ -904,9 +902,9 @@
           <a:p>
             <a:fld id="{E73710E7-2C9B-40D2-9606-FB642BCDE5C3}" type="datetime1">
               <a:rPr lang="en-GB" smtClean="0"/>
-              <a:t>05/02/2021</a:t>
+              <a:t>28/09/2023</a:t>
             </a:fld>
-            <a:endParaRPr lang="en-GB"/>
+            <a:endParaRPr lang="en-GB" dirty="0"/>
           </a:p>
         </p:txBody>
       </p:sp>
@@ -932,7 +930,7 @@
           <a:lstStyle/>
           <a:p>
             <a:r>
-              <a:rPr lang="en-GB"/>
+              <a:rPr lang="en-GB" dirty="0"/>
               <a:t>Created by Tayo Alebiosu</a:t>
             </a:r>
           </a:p>
@@ -963,7 +961,7 @@
               <a:rPr lang="en-GB" smtClean="0"/>
               <a:t>‹#›</a:t>
             </a:fld>
-            <a:endParaRPr lang="en-GB"/>
+            <a:endParaRPr lang="en-GB" dirty="0"/>
           </a:p>
         </p:txBody>
       </p:sp>
@@ -1183,9 +1181,9 @@
           <a:p>
             <a:fld id="{96367103-8908-4C7B-A62F-0A3B3596E8D4}" type="datetime1">
               <a:rPr lang="en-GB" smtClean="0"/>
-              <a:t>05/02/2021</a:t>
+              <a:t>28/09/2023</a:t>
             </a:fld>
-            <a:endParaRPr lang="en-GB"/>
+            <a:endParaRPr lang="en-GB" dirty="0"/>
           </a:p>
         </p:txBody>
       </p:sp>
@@ -1211,7 +1209,7 @@
           <a:lstStyle/>
           <a:p>
             <a:r>
-              <a:rPr lang="en-GB"/>
+              <a:rPr lang="en-GB" dirty="0"/>
               <a:t>Created by Tayo Alebiosu</a:t>
             </a:r>
           </a:p>
@@ -1242,7 +1240,7 @@
               <a:rPr lang="en-GB" smtClean="0"/>
               <a:t>‹#›</a:t>
             </a:fld>
-            <a:endParaRPr lang="en-GB"/>
+            <a:endParaRPr lang="en-GB" dirty="0"/>
           </a:p>
         </p:txBody>
       </p:sp>
@@ -1454,9 +1452,9 @@
           <a:p>
             <a:fld id="{2D1A6A03-7440-410D-9986-F54A307C979D}" type="datetime1">
               <a:rPr lang="en-GB" smtClean="0"/>
-              <a:t>05/02/2021</a:t>
+              <a:t>28/09/2023</a:t>
             </a:fld>
-            <a:endParaRPr lang="en-GB"/>
+            <a:endParaRPr lang="en-GB" dirty="0"/>
           </a:p>
         </p:txBody>
       </p:sp>
@@ -1482,7 +1480,7 @@
           <a:lstStyle/>
           <a:p>
             <a:r>
-              <a:rPr lang="en-GB"/>
+              <a:rPr lang="en-GB" dirty="0"/>
               <a:t>Created by Tayo Alebiosu</a:t>
             </a:r>
           </a:p>
@@ -1513,7 +1511,7 @@
               <a:rPr lang="en-GB" smtClean="0"/>
               <a:t>‹#›</a:t>
             </a:fld>
-            <a:endParaRPr lang="en-GB"/>
+            <a:endParaRPr lang="en-GB" dirty="0"/>
           </a:p>
         </p:txBody>
       </p:sp>
@@ -1872,9 +1870,9 @@
           <a:p>
             <a:fld id="{53367323-CE41-4E9C-BC27-6A4BB6DD3E91}" type="datetime1">
               <a:rPr lang="en-GB" smtClean="0"/>
-              <a:t>05/02/2021</a:t>
+              <a:t>28/09/2023</a:t>
             </a:fld>
-            <a:endParaRPr lang="en-GB"/>
+            <a:endParaRPr lang="en-GB" dirty="0"/>
           </a:p>
         </p:txBody>
       </p:sp>
@@ -1900,7 +1898,7 @@
           <a:lstStyle/>
           <a:p>
             <a:r>
-              <a:rPr lang="en-GB"/>
+              <a:rPr lang="en-GB" dirty="0"/>
               <a:t>Created by Tayo Alebiosu</a:t>
             </a:r>
           </a:p>
@@ -1931,7 +1929,7 @@
               <a:rPr lang="en-GB" smtClean="0"/>
               <a:t>‹#›</a:t>
             </a:fld>
-            <a:endParaRPr lang="en-GB"/>
+            <a:endParaRPr lang="en-GB" dirty="0"/>
           </a:p>
         </p:txBody>
       </p:sp>
@@ -2017,9 +2015,9 @@
           <a:p>
             <a:fld id="{3D22D66F-422B-4D49-A1F1-AE72DAFDF005}" type="datetime1">
               <a:rPr lang="en-GB" smtClean="0"/>
-              <a:t>05/02/2021</a:t>
+              <a:t>28/09/2023</a:t>
             </a:fld>
-            <a:endParaRPr lang="en-GB"/>
+            <a:endParaRPr lang="en-GB" dirty="0"/>
           </a:p>
         </p:txBody>
       </p:sp>
@@ -2045,7 +2043,7 @@
           <a:lstStyle/>
           <a:p>
             <a:r>
-              <a:rPr lang="en-GB"/>
+              <a:rPr lang="en-GB" dirty="0"/>
               <a:t>Created by Tayo Alebiosu</a:t>
             </a:r>
           </a:p>
@@ -2076,7 +2074,7 @@
               <a:rPr lang="en-GB" smtClean="0"/>
               <a:t>‹#›</a:t>
             </a:fld>
-            <a:endParaRPr lang="en-GB"/>
+            <a:endParaRPr lang="en-GB" dirty="0"/>
           </a:p>
         </p:txBody>
       </p:sp>
@@ -2133,9 +2131,9 @@
           <a:p>
             <a:fld id="{32C38CE8-1000-4E73-925E-0BF4E83CA016}" type="datetime1">
               <a:rPr lang="en-GB" smtClean="0"/>
-              <a:t>05/02/2021</a:t>
+              <a:t>28/09/2023</a:t>
             </a:fld>
-            <a:endParaRPr lang="en-GB"/>
+            <a:endParaRPr lang="en-GB" dirty="0"/>
           </a:p>
         </p:txBody>
       </p:sp>
@@ -2161,7 +2159,7 @@
           <a:lstStyle/>
           <a:p>
             <a:r>
-              <a:rPr lang="en-GB"/>
+              <a:rPr lang="en-GB" dirty="0"/>
               <a:t>Created by Tayo Alebiosu</a:t>
             </a:r>
           </a:p>
@@ -2192,7 +2190,7 @@
               <a:rPr lang="en-GB" smtClean="0"/>
               <a:t>‹#›</a:t>
             </a:fld>
-            <a:endParaRPr lang="en-GB"/>
+            <a:endParaRPr lang="en-GB" dirty="0"/>
           </a:p>
         </p:txBody>
       </p:sp>
@@ -2449,9 +2447,9 @@
           <a:p>
             <a:fld id="{5664D85A-3316-4935-A7BF-1D60ACAF104B}" type="datetime1">
               <a:rPr lang="en-GB" smtClean="0"/>
-              <a:t>05/02/2021</a:t>
+              <a:t>28/09/2023</a:t>
             </a:fld>
-            <a:endParaRPr lang="en-GB"/>
+            <a:endParaRPr lang="en-GB" dirty="0"/>
           </a:p>
         </p:txBody>
       </p:sp>
@@ -2477,7 +2475,7 @@
           <a:lstStyle/>
           <a:p>
             <a:r>
-              <a:rPr lang="en-GB"/>
+              <a:rPr lang="en-GB" dirty="0"/>
               <a:t>Created by Tayo Alebiosu</a:t>
             </a:r>
           </a:p>
@@ -2508,7 +2506,7 @@
               <a:rPr lang="en-GB" smtClean="0"/>
               <a:t>‹#›</a:t>
             </a:fld>
-            <a:endParaRPr lang="en-GB"/>
+            <a:endParaRPr lang="en-GB" dirty="0"/>
           </a:p>
         </p:txBody>
       </p:sp>
@@ -2643,7 +2641,7 @@
             </a:lvl9pPr>
           </a:lstStyle>
           <a:p>
-            <a:endParaRPr lang="en-GB"/>
+            <a:endParaRPr lang="en-GB" dirty="0"/>
           </a:p>
         </p:txBody>
       </p:sp>
@@ -2741,9 +2739,9 @@
           <a:p>
             <a:fld id="{81F71611-8F40-499E-A40F-1AC319CBE1E8}" type="datetime1">
               <a:rPr lang="en-GB" smtClean="0"/>
-              <a:t>05/02/2021</a:t>
+              <a:t>28/09/2023</a:t>
             </a:fld>
-            <a:endParaRPr lang="en-GB"/>
+            <a:endParaRPr lang="en-GB" dirty="0"/>
           </a:p>
         </p:txBody>
       </p:sp>
@@ -2769,7 +2767,7 @@
           <a:lstStyle/>
           <a:p>
             <a:r>
-              <a:rPr lang="en-GB"/>
+              <a:rPr lang="en-GB" dirty="0"/>
               <a:t>Created by Tayo Alebiosu</a:t>
             </a:r>
           </a:p>
@@ -2800,7 +2798,7 @@
               <a:rPr lang="en-GB" smtClean="0"/>
               <a:t>‹#›</a:t>
             </a:fld>
-            <a:endParaRPr lang="en-GB"/>
+            <a:endParaRPr lang="en-GB" dirty="0"/>
           </a:p>
         </p:txBody>
       </p:sp>
@@ -2987,9 +2985,9 @@
           <a:p>
             <a:fld id="{3DAEBBF5-D6FB-4F30-B6DD-396A167A13CD}" type="datetime1">
               <a:rPr lang="en-GB" smtClean="0"/>
-              <a:t>05/02/2021</a:t>
+              <a:t>28/09/2023</a:t>
             </a:fld>
-            <a:endParaRPr lang="en-GB"/>
+            <a:endParaRPr lang="en-GB" dirty="0"/>
           </a:p>
         </p:txBody>
       </p:sp>
@@ -3033,7 +3031,7 @@
           </a:lstStyle>
           <a:p>
             <a:r>
-              <a:rPr lang="en-GB"/>
+              <a:rPr lang="en-GB" dirty="0"/>
               <a:t>Created by Tayo Alebiosu</a:t>
             </a:r>
           </a:p>
@@ -3082,7 +3080,7 @@
               <a:rPr lang="en-GB" smtClean="0"/>
               <a:t>‹#›</a:t>
             </a:fld>
-            <a:endParaRPr lang="en-GB"/>
+            <a:endParaRPr lang="en-GB" dirty="0"/>
           </a:p>
         </p:txBody>
       </p:sp>
@@ -3453,7 +3451,7 @@
                 <a16:creationId xmlns:a16="http://schemas.microsoft.com/office/drawing/2014/main" id="{87CC2527-562A-4F69-B487-4371E5B243E7}"/>
               </a:ext>
               <a:ext uri="{C183D7F6-B498-43B3-948B-1728B52AA6E4}">
-                <adec:decorative xmlns:adec="http://schemas.microsoft.com/office/drawing/2017/decorative" val="1"/>
+                <adec:decorative xmlns:adec="http://schemas.microsoft.com/office/drawing/2017/decorative" xmlns="" val="1"/>
               </a:ext>
             </a:extLst>
           </p:cNvPr>
@@ -3591,7 +3589,7 @@
               <a:tabLst/>
               <a:defRPr/>
             </a:pPr>
-            <a:endParaRPr kumimoji="0" lang="en-US" sz="1600" b="0" i="0" u="none" strike="noStrike" kern="1200" cap="all" spc="0" normalizeH="0" baseline="0" noProof="0">
+            <a:endParaRPr kumimoji="0" lang="en-US" sz="1600" b="0" i="0" u="none" strike="noStrike" kern="1200" cap="all" spc="0" normalizeH="0" baseline="0" noProof="0" dirty="0">
               <a:ln>
                 <a:noFill/>
               </a:ln>
@@ -3636,7 +3634,7 @@
           </a:bodyPr>
           <a:lstStyle/>
           <a:p>
-            <a:endParaRPr lang="en-GB" sz="4000"/>
+            <a:endParaRPr lang="en-GB" sz="4000" dirty="0"/>
           </a:p>
         </p:txBody>
       </p:sp>
@@ -3668,7 +3666,7 @@
           </a:bodyPr>
           <a:lstStyle/>
           <a:p>
-            <a:endParaRPr lang="en-GB" sz="2000"/>
+            <a:endParaRPr lang="en-GB" sz="2000" dirty="0"/>
           </a:p>
         </p:txBody>
       </p:sp>
@@ -3680,7 +3678,7 @@
                 <a16:creationId xmlns:a16="http://schemas.microsoft.com/office/drawing/2014/main" id="{BCDAEC91-5BCE-4B55-9CC0-43EF94CB734B}"/>
               </a:ext>
               <a:ext uri="{C183D7F6-B498-43B3-948B-1728B52AA6E4}">
-                <adec:decorative xmlns:adec="http://schemas.microsoft.com/office/drawing/2017/decorative" val="1"/>
+                <adec:decorative xmlns:adec="http://schemas.microsoft.com/office/drawing/2017/decorative" xmlns="" val="1"/>
               </a:ext>
             </a:extLst>
           </p:cNvPr>
@@ -4747,8 +4745,62 @@
                 <a:ea typeface="+mn-ea"/>
                 <a:cs typeface="+mn-cs"/>
               </a:rPr>
-              <a:t>Created by Tayo Alebiosu</a:t>
-            </a:r>
+              <a:t>Created by Tayo </a:t>
+            </a:r>
+            <a:r>
+              <a:rPr kumimoji="0" lang="en-GB" sz="1200" b="0" i="0" u="none" strike="noStrike" kern="1200" cap="none" spc="0" normalizeH="0" baseline="0" noProof="0" dirty="0" smtClean="0">
+                <a:ln>
+                  <a:noFill/>
+                </a:ln>
+                <a:solidFill>
+                  <a:prstClr val="black">
+                    <a:tint val="75000"/>
+                  </a:prstClr>
+                </a:solidFill>
+                <a:effectLst/>
+                <a:uLnTx/>
+                <a:uFillTx/>
+                <a:latin typeface="Calibri" panose="020F0502020204030204"/>
+                <a:ea typeface="+mn-ea"/>
+                <a:cs typeface="+mn-cs"/>
+              </a:rPr>
+              <a:t>Alebiosu/edited by</a:t>
+            </a:r>
+            <a:r>
+              <a:rPr kumimoji="0" lang="en-GB" sz="1200" b="0" i="0" u="none" strike="noStrike" kern="1200" cap="none" spc="0" normalizeH="0" noProof="0" dirty="0" smtClean="0">
+                <a:ln>
+                  <a:noFill/>
+                </a:ln>
+                <a:solidFill>
+                  <a:prstClr val="black">
+                    <a:tint val="75000"/>
+                  </a:prstClr>
+                </a:solidFill>
+                <a:effectLst/>
+                <a:uLnTx/>
+                <a:uFillTx/>
+                <a:latin typeface="Calibri" panose="020F0502020204030204"/>
+                <a:ea typeface="+mn-ea"/>
+                <a:cs typeface="+mn-cs"/>
+              </a:rPr>
+              <a:t> Dr Chijioke Agomo</a:t>
+            </a:r>
+            <a:endParaRPr kumimoji="0" lang="en-GB" sz="1200" b="0" i="0" u="none" strike="noStrike" kern="1200" cap="none" spc="0" normalizeH="0" baseline="0" noProof="0" dirty="0">
+              <a:ln>
+                <a:noFill/>
+              </a:ln>
+              <a:solidFill>
+                <a:prstClr val="black">
+                  <a:tint val="75000"/>
+                </a:prstClr>
+              </a:solidFill>
+              <a:effectLst/>
+              <a:uLnTx/>
+              <a:uFillTx/>
+              <a:latin typeface="Calibri" panose="020F0502020204030204"/>
+              <a:ea typeface="+mn-ea"/>
+              <a:cs typeface="+mn-cs"/>
+            </a:endParaRPr>
           </a:p>
         </p:txBody>
       </p:sp>
@@ -4968,7 +5020,7 @@
                 <a16:creationId xmlns:a16="http://schemas.microsoft.com/office/drawing/2014/main" id="{2B566528-1B12-4246-9431-5C2D7D081168}"/>
               </a:ext>
               <a:ext uri="{C183D7F6-B498-43B3-948B-1728B52AA6E4}">
-                <adec:decorative xmlns:adec="http://schemas.microsoft.com/office/drawing/2017/decorative" val="1"/>
+                <adec:decorative xmlns:adec="http://schemas.microsoft.com/office/drawing/2017/decorative" xmlns="" val="1"/>
               </a:ext>
             </a:extLst>
           </p:cNvPr>
@@ -5216,7 +5268,7 @@
                 <a16:creationId xmlns:a16="http://schemas.microsoft.com/office/drawing/2014/main" id="{07EAA094-9CF6-4695-958A-33D9BCAA9474}"/>
               </a:ext>
               <a:ext uri="{C183D7F6-B498-43B3-948B-1728B52AA6E4}">
-                <adec:decorative xmlns:adec="http://schemas.microsoft.com/office/drawing/2017/decorative" val="1"/>
+                <adec:decorative xmlns:adec="http://schemas.microsoft.com/office/drawing/2017/decorative" xmlns="" val="1"/>
               </a:ext>
             </a:extLst>
           </p:cNvPr>
@@ -5247,7 +5299,7 @@
                   <a16:creationId xmlns:a16="http://schemas.microsoft.com/office/drawing/2014/main" id="{2E80C965-DB6D-4F81-9E9E-B027384D0BD6}"/>
                 </a:ext>
                 <a:ext uri="{C183D7F6-B498-43B3-948B-1728B52AA6E4}">
-                  <adec:decorative xmlns:adec="http://schemas.microsoft.com/office/drawing/2017/decorative" val="1"/>
+                  <adec:decorative xmlns:adec="http://schemas.microsoft.com/office/drawing/2017/decorative" xmlns="" val="1"/>
                 </a:ext>
               </a:extLst>
             </p:cNvPr>
@@ -5298,7 +5350,7 @@
             <a:lstStyle/>
             <a:p>
               <a:pPr algn="ctr"/>
-              <a:endParaRPr lang="en-US"/>
+              <a:endParaRPr lang="en-US" dirty="0"/>
             </a:p>
           </p:txBody>
         </p:sp>
@@ -5310,7 +5362,7 @@
                   <a16:creationId xmlns:a16="http://schemas.microsoft.com/office/drawing/2014/main" id="{A580F890-B085-4E95-96AA-55AEBEC5CE6E}"/>
                 </a:ext>
                 <a:ext uri="{C183D7F6-B498-43B3-948B-1728B52AA6E4}">
-                  <adec:decorative xmlns:adec="http://schemas.microsoft.com/office/drawing/2017/decorative" val="1"/>
+                  <adec:decorative xmlns:adec="http://schemas.microsoft.com/office/drawing/2017/decorative" xmlns="" val="1"/>
                 </a:ext>
               </a:extLst>
             </p:cNvPr>
@@ -5376,7 +5428,7 @@
                 <a16:creationId xmlns:a16="http://schemas.microsoft.com/office/drawing/2014/main" id="{D3F51FEB-38FB-4F6C-9F7B-2F2AFAB65463}"/>
               </a:ext>
               <a:ext uri="{C183D7F6-B498-43B3-948B-1728B52AA6E4}">
-                <adec:decorative xmlns:adec="http://schemas.microsoft.com/office/drawing/2017/decorative" val="1"/>
+                <adec:decorative xmlns:adec="http://schemas.microsoft.com/office/drawing/2017/decorative" xmlns="" val="1"/>
               </a:ext>
             </a:extLst>
           </p:cNvPr>
@@ -5431,7 +5483,7 @@
           <a:lstStyle/>
           <a:p>
             <a:pPr algn="ctr"/>
-            <a:endParaRPr lang="en-US"/>
+            <a:endParaRPr lang="en-US" dirty="0"/>
           </a:p>
         </p:txBody>
       </p:sp>
@@ -5443,7 +5495,7 @@
                 <a16:creationId xmlns:a16="http://schemas.microsoft.com/office/drawing/2014/main" id="{1E547BA6-BAE0-43BB-A7CA-60F69CE252F0}"/>
               </a:ext>
               <a:ext uri="{C183D7F6-B498-43B3-948B-1728B52AA6E4}">
-                <adec:decorative xmlns:adec="http://schemas.microsoft.com/office/drawing/2017/decorative" val="1"/>
+                <adec:decorative xmlns:adec="http://schemas.microsoft.com/office/drawing/2017/decorative" xmlns="" val="1"/>
               </a:ext>
             </a:extLst>
           </p:cNvPr>
@@ -5496,7 +5548,7 @@
           <a:lstStyle/>
           <a:p>
             <a:pPr algn="ctr"/>
-            <a:endParaRPr lang="en-US"/>
+            <a:endParaRPr lang="en-US" dirty="0"/>
           </a:p>
         </p:txBody>
       </p:sp>
@@ -5534,17 +5586,14 @@
               </a:spcAft>
               <a:defRPr/>
             </a:pPr>
-            <a:r>
-              <a:rPr lang="en-US" sz="1000" kern="1200" dirty="0">
-                <a:solidFill>
-                  <a:srgbClr val="0070C0"/>
-                </a:solidFill>
-                <a:latin typeface="Calibri" panose="020F0502020204030204"/>
-                <a:ea typeface="+mn-ea"/>
-                <a:cs typeface="+mn-cs"/>
-              </a:rPr>
-              <a:t>Created by Tayo Alebiosu</a:t>
-            </a:r>
+            <a:endParaRPr lang="en-US" sz="1000" kern="1200" dirty="0">
+              <a:solidFill>
+                <a:srgbClr val="0070C0"/>
+              </a:solidFill>
+              <a:latin typeface="Calibri" panose="020F0502020204030204"/>
+              <a:ea typeface="+mn-ea"/>
+              <a:cs typeface="+mn-cs"/>
+            </a:endParaRPr>
           </a:p>
         </p:txBody>
       </p:sp>
@@ -5604,7 +5653,7 @@
         </p:nvSpPr>
         <p:spPr>
           <a:xfrm>
-            <a:off x="3409744" y="2265807"/>
+            <a:off x="3429623" y="1888435"/>
             <a:ext cx="3759682" cy="580611"/>
           </a:xfrm>
         </p:spPr>
@@ -5655,7 +5704,7 @@
         <p:spPr bwMode="auto">
           <a:xfrm>
             <a:off x="10" y="50210"/>
-            <a:ext cx="12191980" cy="2411895"/>
+            <a:ext cx="12191980" cy="1838225"/>
           </a:xfrm>
           <a:custGeom>
             <a:avLst/>
@@ -5719,8 +5768,8 @@
         </p:nvSpPr>
         <p:spPr>
           <a:xfrm>
-            <a:off x="172278" y="3074504"/>
-            <a:ext cx="11873948" cy="3180522"/>
+            <a:off x="172278" y="2469046"/>
+            <a:ext cx="11873948" cy="4170293"/>
           </a:xfrm>
         </p:spPr>
         <p:txBody>
@@ -5741,23 +5790,230 @@
               <a:rPr lang="en-US" sz="2000" dirty="0">
                 <a:latin typeface="Tw Cen MT" panose="020B0602020104020603" pitchFamily="34" charset="0"/>
               </a:rPr>
-              <a:t>To prepare for this change the UK government developed a new Border Operating Model in 2020. From 1 January 2021, it will be implemented in three stages, which include an initial six-month window to complete declarations and pay VAT. From 1 July 2021 traders will have to make declarations at the point of entry. </a:t>
-            </a:r>
-          </a:p>
-          <a:p>
+              <a:t>To prepare for this change the UK government developed a new Border Operating Model in 2020. From 1 January 2021, it </a:t>
+            </a:r>
+            <a:r>
+              <a:rPr lang="en-US" sz="2000" dirty="0" smtClean="0">
+                <a:latin typeface="Tw Cen MT" panose="020B0602020104020603" pitchFamily="34" charset="0"/>
+              </a:rPr>
+              <a:t>was</a:t>
+            </a:r>
+            <a:r>
+              <a:rPr lang="en-US" sz="2000" dirty="0" smtClean="0">
+                <a:latin typeface="Tw Cen MT" panose="020B0602020104020603" pitchFamily="34" charset="0"/>
+              </a:rPr>
+              <a:t> </a:t>
+            </a:r>
             <a:r>
               <a:rPr lang="en-US" sz="2000" dirty="0">
                 <a:latin typeface="Tw Cen MT" panose="020B0602020104020603" pitchFamily="34" charset="0"/>
               </a:rPr>
-              <a:t>The Border Operating Model is not yet fully implemented, and the risk of supply-chain disruption remains. However, the UK government remains confident that any future disruption to the supply of medicine will be temporary. </a:t>
-            </a:r>
-          </a:p>
-          <a:p>
+              <a:t>implemented in three stages, which </a:t>
+            </a:r>
+            <a:r>
+              <a:rPr lang="en-US" sz="2000" dirty="0" smtClean="0">
+                <a:latin typeface="Tw Cen MT" panose="020B0602020104020603" pitchFamily="34" charset="0"/>
+              </a:rPr>
+              <a:t>included </a:t>
+            </a:r>
             <a:r>
               <a:rPr lang="en-US" sz="2000" dirty="0">
                 <a:latin typeface="Tw Cen MT" panose="020B0602020104020603" pitchFamily="34" charset="0"/>
               </a:rPr>
-              <a:t>This, however, depends on the new border operating systems between Great Britain and EEA nations operating effectively, particularly at either side of the short strait crossing between Dover and Calais as three-quarters of medicine imported to the UK enters via that route.</a:t>
+              <a:t>an initial six-month window to complete declarations and pay VAT. From 1 July 2021 traders </a:t>
+            </a:r>
+            <a:r>
+              <a:rPr lang="en-US" sz="2000" dirty="0" smtClean="0">
+                <a:latin typeface="Tw Cen MT" panose="020B0602020104020603" pitchFamily="34" charset="0"/>
+              </a:rPr>
+              <a:t>started</a:t>
+            </a:r>
+            <a:r>
+              <a:rPr lang="en-US" sz="2000" dirty="0" smtClean="0">
+                <a:latin typeface="Tw Cen MT" panose="020B0602020104020603" pitchFamily="34" charset="0"/>
+              </a:rPr>
+              <a:t> </a:t>
+            </a:r>
+            <a:r>
+              <a:rPr lang="en-US" sz="2000" dirty="0">
+                <a:latin typeface="Tw Cen MT" panose="020B0602020104020603" pitchFamily="34" charset="0"/>
+              </a:rPr>
+              <a:t>to make declarations at the point of </a:t>
+            </a:r>
+            <a:r>
+              <a:rPr lang="en-US" sz="2000" dirty="0" smtClean="0">
+                <a:latin typeface="Tw Cen MT" panose="020B0602020104020603" pitchFamily="34" charset="0"/>
+              </a:rPr>
+              <a:t>entry (full control – 1</a:t>
+            </a:r>
+            <a:r>
+              <a:rPr lang="en-US" sz="2000" baseline="30000" dirty="0" smtClean="0">
+                <a:latin typeface="Tw Cen MT" panose="020B0602020104020603" pitchFamily="34" charset="0"/>
+              </a:rPr>
+              <a:t>st</a:t>
+            </a:r>
+            <a:r>
+              <a:rPr lang="en-US" sz="2000" dirty="0" smtClean="0">
+                <a:latin typeface="Tw Cen MT" panose="020B0602020104020603" pitchFamily="34" charset="0"/>
+              </a:rPr>
+              <a:t> January 2020)</a:t>
+            </a:r>
+            <a:r>
+              <a:rPr lang="en-US" sz="2000" dirty="0" smtClean="0">
+                <a:latin typeface="Tw Cen MT" panose="020B0602020104020603" pitchFamily="34" charset="0"/>
+              </a:rPr>
+              <a:t>.  </a:t>
+            </a:r>
+            <a:endParaRPr lang="en-US" sz="2000" dirty="0">
+              <a:latin typeface="Tw Cen MT" panose="020B0602020104020603" pitchFamily="34" charset="0"/>
+            </a:endParaRPr>
+          </a:p>
+          <a:p>
+            <a:r>
+              <a:rPr lang="en-US" sz="2000" dirty="0" smtClean="0">
+                <a:latin typeface="Tw Cen MT" panose="020B0602020104020603" pitchFamily="34" charset="0"/>
+              </a:rPr>
+              <a:t>Initially, t</a:t>
+            </a:r>
+            <a:r>
+              <a:rPr lang="en-US" sz="2000" dirty="0" smtClean="0">
+                <a:latin typeface="Tw Cen MT" panose="020B0602020104020603" pitchFamily="34" charset="0"/>
+              </a:rPr>
+              <a:t>he </a:t>
+            </a:r>
+            <a:r>
+              <a:rPr lang="en-US" sz="2000" dirty="0">
+                <a:latin typeface="Tw Cen MT" panose="020B0602020104020603" pitchFamily="34" charset="0"/>
+              </a:rPr>
+              <a:t>Border Operating Model </a:t>
+            </a:r>
+            <a:r>
+              <a:rPr lang="en-US" sz="2000" dirty="0" smtClean="0">
+                <a:latin typeface="Tw Cen MT" panose="020B0602020104020603" pitchFamily="34" charset="0"/>
+              </a:rPr>
+              <a:t>was</a:t>
+            </a:r>
+            <a:r>
+              <a:rPr lang="en-US" sz="2000" dirty="0" smtClean="0">
+                <a:latin typeface="Tw Cen MT" panose="020B0602020104020603" pitchFamily="34" charset="0"/>
+              </a:rPr>
+              <a:t> not </a:t>
+            </a:r>
+            <a:r>
+              <a:rPr lang="en-US" sz="2000" dirty="0">
+                <a:latin typeface="Tw Cen MT" panose="020B0602020104020603" pitchFamily="34" charset="0"/>
+              </a:rPr>
+              <a:t>fully implemented, </a:t>
+            </a:r>
+            <a:r>
+              <a:rPr lang="en-US" sz="2000" dirty="0" smtClean="0">
+                <a:latin typeface="Tw Cen MT" panose="020B0602020104020603" pitchFamily="34" charset="0"/>
+              </a:rPr>
+              <a:t>which led to</a:t>
+            </a:r>
+            <a:r>
+              <a:rPr lang="en-US" sz="2000" dirty="0" smtClean="0">
+                <a:latin typeface="Tw Cen MT" panose="020B0602020104020603" pitchFamily="34" charset="0"/>
+              </a:rPr>
+              <a:t> </a:t>
+            </a:r>
+            <a:r>
+              <a:rPr lang="en-US" sz="2000" dirty="0">
+                <a:latin typeface="Tw Cen MT" panose="020B0602020104020603" pitchFamily="34" charset="0"/>
+              </a:rPr>
+              <a:t>supply-chain </a:t>
+            </a:r>
+            <a:r>
+              <a:rPr lang="en-US" sz="2000" dirty="0" smtClean="0">
+                <a:latin typeface="Tw Cen MT" panose="020B0602020104020603" pitchFamily="34" charset="0"/>
+              </a:rPr>
+              <a:t>disruptions. </a:t>
+            </a:r>
+            <a:r>
+              <a:rPr lang="en-US" sz="2000" dirty="0">
+                <a:latin typeface="Tw Cen MT" panose="020B0602020104020603" pitchFamily="34" charset="0"/>
+              </a:rPr>
+              <a:t>However, the UK government </a:t>
+            </a:r>
+            <a:r>
+              <a:rPr lang="en-US" sz="2000" dirty="0" smtClean="0">
+                <a:latin typeface="Tw Cen MT" panose="020B0602020104020603" pitchFamily="34" charset="0"/>
+              </a:rPr>
+              <a:t>remained </a:t>
+            </a:r>
+            <a:r>
+              <a:rPr lang="en-US" sz="2000" dirty="0">
+                <a:latin typeface="Tw Cen MT" panose="020B0602020104020603" pitchFamily="34" charset="0"/>
+              </a:rPr>
+              <a:t>confident that any future disruption to the supply of </a:t>
+            </a:r>
+            <a:r>
+              <a:rPr lang="en-US" sz="2000" dirty="0" smtClean="0">
+                <a:latin typeface="Tw Cen MT" panose="020B0602020104020603" pitchFamily="34" charset="0"/>
+              </a:rPr>
+              <a:t>medicines </a:t>
+            </a:r>
+            <a:r>
+              <a:rPr lang="en-US" sz="2000" dirty="0">
+                <a:latin typeface="Tw Cen MT" panose="020B0602020104020603" pitchFamily="34" charset="0"/>
+              </a:rPr>
+              <a:t>will be temporary. </a:t>
+            </a:r>
+          </a:p>
+          <a:p>
+            <a:r>
+              <a:rPr lang="en-US" sz="2000" dirty="0">
+                <a:latin typeface="Tw Cen MT" panose="020B0602020104020603" pitchFamily="34" charset="0"/>
+              </a:rPr>
+              <a:t>This, however, </a:t>
+            </a:r>
+            <a:r>
+              <a:rPr lang="en-US" sz="2000" dirty="0" smtClean="0">
+                <a:latin typeface="Tw Cen MT" panose="020B0602020104020603" pitchFamily="34" charset="0"/>
+              </a:rPr>
+              <a:t>depended </a:t>
+            </a:r>
+            <a:r>
+              <a:rPr lang="en-US" sz="2000" dirty="0">
+                <a:latin typeface="Tw Cen MT" panose="020B0602020104020603" pitchFamily="34" charset="0"/>
+              </a:rPr>
+              <a:t>on the new border operating systems between Great Britain and EEA nations operating effectively, particularly at either side of the short strait crossing between Dover and </a:t>
+            </a:r>
+            <a:r>
+              <a:rPr lang="en-US" sz="2000" dirty="0" smtClean="0">
+                <a:latin typeface="Tw Cen MT" panose="020B0602020104020603" pitchFamily="34" charset="0"/>
+              </a:rPr>
+              <a:t>Calais, </a:t>
+            </a:r>
+            <a:r>
+              <a:rPr lang="en-US" sz="2000" dirty="0">
+                <a:latin typeface="Tw Cen MT" panose="020B0602020104020603" pitchFamily="34" charset="0"/>
+              </a:rPr>
+              <a:t>as three-quarters of </a:t>
+            </a:r>
+            <a:r>
+              <a:rPr lang="en-US" sz="2000" dirty="0" smtClean="0">
+                <a:latin typeface="Tw Cen MT" panose="020B0602020104020603" pitchFamily="34" charset="0"/>
+              </a:rPr>
+              <a:t>medicines </a:t>
+            </a:r>
+            <a:r>
+              <a:rPr lang="en-US" sz="2000" dirty="0">
+                <a:latin typeface="Tw Cen MT" panose="020B0602020104020603" pitchFamily="34" charset="0"/>
+              </a:rPr>
+              <a:t>imported to the UK </a:t>
+            </a:r>
+            <a:r>
+              <a:rPr lang="en-US" sz="2000" dirty="0" smtClean="0">
+                <a:latin typeface="Tw Cen MT" panose="020B0602020104020603" pitchFamily="34" charset="0"/>
+              </a:rPr>
+              <a:t>enter </a:t>
+            </a:r>
+            <a:r>
+              <a:rPr lang="en-US" sz="2000" dirty="0">
+                <a:latin typeface="Tw Cen MT" panose="020B0602020104020603" pitchFamily="34" charset="0"/>
+              </a:rPr>
+              <a:t>via that route.</a:t>
             </a:r>
             <a:endParaRPr lang="en-GB" sz="2000" dirty="0">
               <a:latin typeface="Tw Cen MT" panose="020B0602020104020603" pitchFamily="34" charset="0"/>
@@ -5799,17 +6055,14 @@
               </a:spcAft>
               <a:defRPr/>
             </a:pPr>
-            <a:r>
-              <a:rPr lang="en-US" dirty="0">
-                <a:solidFill>
-                  <a:schemeClr val="tx1">
-                    <a:lumMod val="75000"/>
-                    <a:lumOff val="25000"/>
-                  </a:schemeClr>
-                </a:solidFill>
-              </a:rPr>
-              <a:t>Created by Tayo Alebiosu</a:t>
-            </a:r>
+            <a:endParaRPr lang="en-US" dirty="0">
+              <a:solidFill>
+                <a:schemeClr val="tx1">
+                  <a:lumMod val="75000"/>
+                  <a:lumOff val="25000"/>
+                </a:schemeClr>
+              </a:solidFill>
+            </a:endParaRPr>
           </a:p>
         </p:txBody>
       </p:sp>
@@ -5859,7 +6112,7 @@
                 <a16:creationId xmlns:a16="http://schemas.microsoft.com/office/drawing/2014/main" id="{8FC9BE17-9A7B-462D-AE50-3D8777387304}"/>
               </a:ext>
               <a:ext uri="{C183D7F6-B498-43B3-948B-1728B52AA6E4}">
-                <adec:decorative xmlns:adec="http://schemas.microsoft.com/office/drawing/2017/decorative" val="1"/>
+                <adec:decorative xmlns:adec="http://schemas.microsoft.com/office/drawing/2017/decorative" xmlns="" val="1"/>
               </a:ext>
             </a:extLst>
           </p:cNvPr>
@@ -5907,7 +6160,7 @@
           <a:lstStyle/>
           <a:p>
             <a:pPr algn="ctr"/>
-            <a:endParaRPr lang="en-US"/>
+            <a:endParaRPr lang="en-US" dirty="0"/>
           </a:p>
         </p:txBody>
       </p:sp>
@@ -5948,7 +6201,7 @@
                 <a16:creationId xmlns:a16="http://schemas.microsoft.com/office/drawing/2014/main" id="{3EBE8569-6AEC-4B8C-8D53-2DE337CDBA65}"/>
               </a:ext>
               <a:ext uri="{C183D7F6-B498-43B3-948B-1728B52AA6E4}">
-                <adec:decorative xmlns:adec="http://schemas.microsoft.com/office/drawing/2017/decorative" val="1"/>
+                <adec:decorative xmlns:adec="http://schemas.microsoft.com/office/drawing/2017/decorative" xmlns="" val="1"/>
               </a:ext>
             </a:extLst>
           </p:cNvPr>
@@ -6070,7 +6323,7 @@
                 <a16:creationId xmlns:a16="http://schemas.microsoft.com/office/drawing/2014/main" id="{55D4142C-5077-457F-A6AD-3FECFDB39685}"/>
               </a:ext>
               <a:ext uri="{C183D7F6-B498-43B3-948B-1728B52AA6E4}">
-                <adec:decorative xmlns:adec="http://schemas.microsoft.com/office/drawing/2017/decorative" val="1"/>
+                <adec:decorative xmlns:adec="http://schemas.microsoft.com/office/drawing/2017/decorative" xmlns="" val="1"/>
               </a:ext>
             </a:extLst>
           </p:cNvPr>
@@ -6121,7 +6374,7 @@
           <a:lstStyle/>
           <a:p>
             <a:pPr algn="ctr"/>
-            <a:endParaRPr lang="en-US">
+            <a:endParaRPr lang="en-US" dirty="0">
               <a:solidFill>
                 <a:prstClr val="white"/>
               </a:solidFill>
@@ -6138,7 +6391,7 @@
                 <a16:creationId xmlns:a16="http://schemas.microsoft.com/office/drawing/2014/main" id="{7A5F0580-5EE9-419F-96EE-B6529EF6E7D0}"/>
               </a:ext>
               <a:ext uri="{C183D7F6-B498-43B3-948B-1728B52AA6E4}">
-                <adec:decorative xmlns:adec="http://schemas.microsoft.com/office/drawing/2017/decorative" val="1"/>
+                <adec:decorative xmlns:adec="http://schemas.microsoft.com/office/drawing/2017/decorative" xmlns="" val="1"/>
               </a:ext>
             </a:extLst>
           </p:cNvPr>
@@ -6208,7 +6461,7 @@
               <a:tabLst/>
               <a:defRPr/>
             </a:pPr>
-            <a:endParaRPr kumimoji="0" lang="en-US" sz="1800" b="0" i="0" u="none" strike="noStrike" kern="1200" cap="none" spc="0" normalizeH="0" baseline="0" noProof="0">
+            <a:endParaRPr kumimoji="0" lang="en-US" sz="1800" b="0" i="0" u="none" strike="noStrike" kern="1200" cap="none" spc="0" normalizeH="0" baseline="0" noProof="0" dirty="0">
               <a:ln>
                 <a:noFill/>
               </a:ln>
@@ -6346,20 +6599,17 @@
               </a:spcAft>
               <a:defRPr/>
             </a:pPr>
-            <a:r>
-              <a:rPr lang="en-US" kern="1200">
-                <a:solidFill>
-                  <a:schemeClr val="tx1">
-                    <a:lumMod val="50000"/>
-                    <a:lumOff val="50000"/>
-                  </a:schemeClr>
-                </a:solidFill>
-                <a:latin typeface="Calibri" panose="020F0502020204030204"/>
-                <a:ea typeface="+mn-ea"/>
-                <a:cs typeface="+mn-cs"/>
-              </a:rPr>
-              <a:t>Created by Tayo Alebiosu</a:t>
-            </a:r>
+            <a:endParaRPr lang="en-US" kern="1200" dirty="0">
+              <a:solidFill>
+                <a:schemeClr val="tx1">
+                  <a:lumMod val="50000"/>
+                  <a:lumOff val="50000"/>
+                </a:schemeClr>
+              </a:solidFill>
+              <a:latin typeface="Calibri" panose="020F0502020204030204"/>
+              <a:ea typeface="+mn-ea"/>
+              <a:cs typeface="+mn-cs"/>
+            </a:endParaRPr>
           </a:p>
         </p:txBody>
       </p:sp>
@@ -6455,7 +6705,7 @@
         </p:spPr>
         <p:txBody>
           <a:bodyPr>
-            <a:normAutofit fontScale="92500" lnSpcReduction="20000"/>
+            <a:normAutofit fontScale="85000" lnSpcReduction="20000"/>
           </a:bodyPr>
           <a:lstStyle/>
           <a:p>
@@ -6482,31 +6732,122 @@
           </a:p>
           <a:p>
             <a:r>
+              <a:rPr lang="en-GB" sz="3000" dirty="0" smtClean="0">
+                <a:latin typeface="Tw Cen MT" panose="020B0602020104020603" pitchFamily="34" charset="0"/>
+              </a:rPr>
+              <a:t>Before the pandemic, the</a:t>
+            </a:r>
+            <a:r>
+              <a:rPr lang="en-GB" sz="3000" dirty="0" smtClean="0">
+                <a:latin typeface="Tw Cen MT" panose="020B0602020104020603" pitchFamily="34" charset="0"/>
+              </a:rPr>
+              <a:t> </a:t>
+            </a:r>
+            <a:r>
               <a:rPr lang="en-GB" sz="3000" dirty="0">
                 <a:latin typeface="Tw Cen MT" panose="020B0602020104020603" pitchFamily="34" charset="0"/>
               </a:rPr>
-              <a:t>In the short term, the current workforce shortfall in the NHS is so severe that it will require at least </a:t>
+              <a:t>workforce shortfall in the NHS </a:t>
+            </a:r>
+            <a:r>
+              <a:rPr lang="en-GB" sz="3000" dirty="0" smtClean="0">
+                <a:latin typeface="Tw Cen MT" panose="020B0602020104020603" pitchFamily="34" charset="0"/>
+              </a:rPr>
+              <a:t>was</a:t>
+            </a:r>
+            <a:r>
+              <a:rPr lang="en-GB" sz="3000" dirty="0" smtClean="0">
+                <a:latin typeface="Tw Cen MT" panose="020B0602020104020603" pitchFamily="34" charset="0"/>
+              </a:rPr>
+              <a:t> </a:t>
+            </a:r>
+            <a:r>
+              <a:rPr lang="en-GB" sz="3000" dirty="0">
+                <a:latin typeface="Tw Cen MT" panose="020B0602020104020603" pitchFamily="34" charset="0"/>
+              </a:rPr>
+              <a:t>so severe that </a:t>
+            </a:r>
+            <a:r>
+              <a:rPr lang="en-GB" sz="3000" dirty="0" smtClean="0">
+                <a:latin typeface="Tw Cen MT" panose="020B0602020104020603" pitchFamily="34" charset="0"/>
+              </a:rPr>
+              <a:t>it required </a:t>
+            </a:r>
+            <a:r>
+              <a:rPr lang="en-GB" sz="3000" dirty="0">
+                <a:latin typeface="Tw Cen MT" panose="020B0602020104020603" pitchFamily="34" charset="0"/>
+              </a:rPr>
+              <a:t>at least </a:t>
             </a:r>
             <a:r>
               <a:rPr lang="en-GB" sz="3000" dirty="0">
                 <a:latin typeface="Tw Cen MT" panose="020B0602020104020603" pitchFamily="34" charset="0"/>
                 <a:hlinkClick r:id="rId2"/>
               </a:rPr>
-              <a:t>5,000 more nurses a year to be recruited from overseas</a:t>
+              <a:t>5,000 more nurses a year to be recruited from </a:t>
+            </a:r>
+            <a:r>
+              <a:rPr lang="en-GB" sz="3000" dirty="0" smtClean="0">
+                <a:latin typeface="Tw Cen MT" panose="020B0602020104020603" pitchFamily="34" charset="0"/>
+                <a:hlinkClick r:id="rId2"/>
+              </a:rPr>
+              <a:t>overseas</a:t>
+            </a:r>
+            <a:r>
+              <a:rPr lang="en-GB" sz="3000" dirty="0" smtClean="0">
+                <a:latin typeface="Tw Cen MT" panose="020B0602020104020603" pitchFamily="34" charset="0"/>
+              </a:rPr>
+              <a:t>,</a:t>
             </a:r>
             <a:r>
               <a:rPr lang="en-GB" sz="3000" dirty="0">
                 <a:latin typeface="Tw Cen MT" panose="020B0602020104020603" pitchFamily="34" charset="0"/>
               </a:rPr>
-              <a:t> while measures to increase domestic training capacity take effect. </a:t>
-            </a:r>
-          </a:p>
-          <a:p>
+              <a:t> while measures to increase domestic training capacity </a:t>
+            </a:r>
+            <a:r>
+              <a:rPr lang="en-GB" sz="3000" dirty="0" smtClean="0">
+                <a:latin typeface="Tw Cen MT" panose="020B0602020104020603" pitchFamily="34" charset="0"/>
+              </a:rPr>
+              <a:t>took </a:t>
+            </a:r>
             <a:r>
               <a:rPr lang="en-GB" sz="3000" dirty="0">
                 <a:latin typeface="Tw Cen MT" panose="020B0602020104020603" pitchFamily="34" charset="0"/>
               </a:rPr>
-              <a:t>The government recognises that international recruitment is key to increasing NHS staff headcount and has </a:t>
+              <a:t>effect. </a:t>
+            </a:r>
+          </a:p>
+          <a:p>
+            <a:r>
+              <a:rPr lang="en-GB" sz="3000" dirty="0">
+                <a:latin typeface="Tw Cen MT" panose="020B0602020104020603" pitchFamily="34" charset="0"/>
+              </a:rPr>
+              <a:t>The government </a:t>
+            </a:r>
+            <a:r>
+              <a:rPr lang="en-GB" sz="3000" dirty="0" smtClean="0">
+                <a:latin typeface="Tw Cen MT" panose="020B0602020104020603" pitchFamily="34" charset="0"/>
+              </a:rPr>
+              <a:t>recognises </a:t>
+            </a:r>
+            <a:r>
+              <a:rPr lang="en-GB" sz="3000" dirty="0">
+                <a:latin typeface="Tw Cen MT" panose="020B0602020104020603" pitchFamily="34" charset="0"/>
+              </a:rPr>
+              <a:t>that international recruitment is key to increasing NHS staff headcount and </a:t>
+            </a:r>
+            <a:r>
+              <a:rPr lang="en-GB" sz="3000" dirty="0" smtClean="0">
+                <a:latin typeface="Tw Cen MT" panose="020B0602020104020603" pitchFamily="34" charset="0"/>
+              </a:rPr>
+              <a:t>had</a:t>
+            </a:r>
+            <a:r>
+              <a:rPr lang="en-GB" sz="3000" dirty="0">
+                <a:latin typeface="Tw Cen MT" panose="020B0602020104020603" pitchFamily="34" charset="0"/>
+              </a:rPr>
+              <a:t> </a:t>
             </a:r>
             <a:r>
               <a:rPr lang="en-GB" sz="3000" dirty="0">
@@ -6618,10 +6959,7 @@
           <a:bodyPr/>
           <a:lstStyle/>
           <a:p>
-            <a:r>
-              <a:rPr lang="en-GB"/>
-              <a:t>Created by Tayo Alebiosu</a:t>
-            </a:r>
+            <a:endParaRPr lang="en-GB" dirty="0"/>
           </a:p>
         </p:txBody>
       </p:sp>
@@ -6716,7 +7054,7 @@
                 <a16:creationId xmlns:a16="http://schemas.microsoft.com/office/drawing/2014/main" id="{2B566528-1B12-4246-9431-5C2D7D081168}"/>
               </a:ext>
               <a:ext uri="{C183D7F6-B498-43B3-948B-1728B52AA6E4}">
-                <adec:decorative xmlns:adec="http://schemas.microsoft.com/office/drawing/2017/decorative" val="1"/>
+                <adec:decorative xmlns:adec="http://schemas.microsoft.com/office/drawing/2017/decorative" xmlns="" val="1"/>
               </a:ext>
             </a:extLst>
           </p:cNvPr>
@@ -6855,7 +7193,7 @@
         </p:spPr>
         <p:txBody>
           <a:bodyPr>
-            <a:normAutofit/>
+            <a:normAutofit lnSpcReduction="10000"/>
           </a:bodyPr>
           <a:lstStyle/>
           <a:p>
@@ -6887,7 +7225,7 @@
                 <a16:creationId xmlns:a16="http://schemas.microsoft.com/office/drawing/2014/main" id="{07EAA094-9CF6-4695-958A-33D9BCAA9474}"/>
               </a:ext>
               <a:ext uri="{C183D7F6-B498-43B3-948B-1728B52AA6E4}">
-                <adec:decorative xmlns:adec="http://schemas.microsoft.com/office/drawing/2017/decorative" val="1"/>
+                <adec:decorative xmlns:adec="http://schemas.microsoft.com/office/drawing/2017/decorative" xmlns="" val="1"/>
               </a:ext>
             </a:extLst>
           </p:cNvPr>
@@ -6918,7 +7256,7 @@
                   <a16:creationId xmlns:a16="http://schemas.microsoft.com/office/drawing/2014/main" id="{2E80C965-DB6D-4F81-9E9E-B027384D0BD6}"/>
                 </a:ext>
                 <a:ext uri="{C183D7F6-B498-43B3-948B-1728B52AA6E4}">
-                  <adec:decorative xmlns:adec="http://schemas.microsoft.com/office/drawing/2017/decorative" val="1"/>
+                  <adec:decorative xmlns:adec="http://schemas.microsoft.com/office/drawing/2017/decorative" xmlns="" val="1"/>
                 </a:ext>
               </a:extLst>
             </p:cNvPr>
@@ -6969,7 +7307,7 @@
             <a:lstStyle/>
             <a:p>
               <a:pPr algn="ctr"/>
-              <a:endParaRPr lang="en-US"/>
+              <a:endParaRPr lang="en-US" dirty="0"/>
             </a:p>
           </p:txBody>
         </p:sp>
@@ -6981,7 +7319,7 @@
                   <a16:creationId xmlns:a16="http://schemas.microsoft.com/office/drawing/2014/main" id="{A580F890-B085-4E95-96AA-55AEBEC5CE6E}"/>
                 </a:ext>
                 <a:ext uri="{C183D7F6-B498-43B3-948B-1728B52AA6E4}">
-                  <adec:decorative xmlns:adec="http://schemas.microsoft.com/office/drawing/2017/decorative" val="1"/>
+                  <adec:decorative xmlns:adec="http://schemas.microsoft.com/office/drawing/2017/decorative" xmlns="" val="1"/>
                 </a:ext>
               </a:extLst>
             </p:cNvPr>
@@ -7047,7 +7385,7 @@
                 <a16:creationId xmlns:a16="http://schemas.microsoft.com/office/drawing/2014/main" id="{D3F51FEB-38FB-4F6C-9F7B-2F2AFAB65463}"/>
               </a:ext>
               <a:ext uri="{C183D7F6-B498-43B3-948B-1728B52AA6E4}">
-                <adec:decorative xmlns:adec="http://schemas.microsoft.com/office/drawing/2017/decorative" val="1"/>
+                <adec:decorative xmlns:adec="http://schemas.microsoft.com/office/drawing/2017/decorative" xmlns="" val="1"/>
               </a:ext>
             </a:extLst>
           </p:cNvPr>
@@ -7102,7 +7440,7 @@
           <a:lstStyle/>
           <a:p>
             <a:pPr algn="ctr"/>
-            <a:endParaRPr lang="en-US"/>
+            <a:endParaRPr lang="en-US" dirty="0"/>
           </a:p>
         </p:txBody>
       </p:sp>
@@ -7114,7 +7452,7 @@
                 <a16:creationId xmlns:a16="http://schemas.microsoft.com/office/drawing/2014/main" id="{1E547BA6-BAE0-43BB-A7CA-60F69CE252F0}"/>
               </a:ext>
               <a:ext uri="{C183D7F6-B498-43B3-948B-1728B52AA6E4}">
-                <adec:decorative xmlns:adec="http://schemas.microsoft.com/office/drawing/2017/decorative" val="1"/>
+                <adec:decorative xmlns:adec="http://schemas.microsoft.com/office/drawing/2017/decorative" xmlns="" val="1"/>
               </a:ext>
             </a:extLst>
           </p:cNvPr>
@@ -7167,7 +7505,7 @@
           <a:lstStyle/>
           <a:p>
             <a:pPr algn="ctr"/>
-            <a:endParaRPr lang="en-US"/>
+            <a:endParaRPr lang="en-US" dirty="0"/>
           </a:p>
         </p:txBody>
       </p:sp>
@@ -7204,10 +7542,7 @@
                 <a:spcPts val="600"/>
               </a:spcAft>
             </a:pPr>
-            <a:r>
-              <a:rPr lang="en-GB"/>
-              <a:t>Created by Tayo Alebiosu</a:t>
-            </a:r>
+            <a:endParaRPr lang="en-GB" dirty="0"/>
           </a:p>
         </p:txBody>
       </p:sp>
@@ -7257,7 +7592,7 @@
                 <a16:creationId xmlns:a16="http://schemas.microsoft.com/office/drawing/2014/main" id="{D009D6D5-DAC2-4A8B-A17A-E206B9012D09}"/>
               </a:ext>
               <a:ext uri="{C183D7F6-B498-43B3-948B-1728B52AA6E4}">
-                <adec:decorative xmlns:adec="http://schemas.microsoft.com/office/drawing/2017/decorative" val="1"/>
+                <adec:decorative xmlns:adec="http://schemas.microsoft.com/office/drawing/2017/decorative" xmlns="" val="1"/>
               </a:ext>
             </a:extLst>
           </p:cNvPr>
@@ -7305,7 +7640,7 @@
           <a:lstStyle/>
           <a:p>
             <a:pPr algn="ctr"/>
-            <a:endParaRPr lang="en-US"/>
+            <a:endParaRPr lang="en-US" dirty="0"/>
           </a:p>
         </p:txBody>
       </p:sp>
@@ -7380,7 +7715,7 @@
         </p:spPr>
         <p:txBody>
           <a:bodyPr>
-            <a:normAutofit fontScale="92500" lnSpcReduction="10000"/>
+            <a:normAutofit fontScale="92500" lnSpcReduction="20000"/>
           </a:bodyPr>
           <a:lstStyle/>
           <a:p>
@@ -7978,10 +8313,7 @@
                 <a:spcPts val="600"/>
               </a:spcAft>
             </a:pPr>
-            <a:r>
-              <a:rPr lang="en-GB"/>
-              <a:t>Created by Tayo Alebiosu</a:t>
-            </a:r>
+            <a:endParaRPr lang="en-GB" dirty="0"/>
           </a:p>
         </p:txBody>
       </p:sp>
@@ -8031,7 +8363,7 @@
                 <a16:creationId xmlns:a16="http://schemas.microsoft.com/office/drawing/2014/main" id="{327D73B4-9F5C-4A64-A179-51B9500CB8B5}"/>
               </a:ext>
               <a:ext uri="{C183D7F6-B498-43B3-948B-1728B52AA6E4}">
-                <adec:decorative xmlns:adec="http://schemas.microsoft.com/office/drawing/2017/decorative" val="1"/>
+                <adec:decorative xmlns:adec="http://schemas.microsoft.com/office/drawing/2017/decorative" xmlns="" val="1"/>
               </a:ext>
             </a:extLst>
           </p:cNvPr>
@@ -8120,7 +8452,7 @@
                 <a16:creationId xmlns:a16="http://schemas.microsoft.com/office/drawing/2014/main" id="{05BBA018-FA75-43BF-99E6-1F5245727D29}"/>
               </a:ext>
               <a:ext uri="{C183D7F6-B498-43B3-948B-1728B52AA6E4}">
-                <adec:decorative xmlns:adec="http://schemas.microsoft.com/office/drawing/2017/decorative" val="1"/>
+                <adec:decorative xmlns:adec="http://schemas.microsoft.com/office/drawing/2017/decorative" xmlns="" val="1"/>
               </a:ext>
             </a:extLst>
           </p:cNvPr>
@@ -8151,7 +8483,7 @@
                   <a16:creationId xmlns:a16="http://schemas.microsoft.com/office/drawing/2014/main" id="{6CB927A4-E432-4310-9CD5-E89FF5063179}"/>
                 </a:ext>
                 <a:ext uri="{C183D7F6-B498-43B3-948B-1728B52AA6E4}">
-                  <adec:decorative xmlns:adec="http://schemas.microsoft.com/office/drawing/2017/decorative" val="1"/>
+                  <adec:decorative xmlns:adec="http://schemas.microsoft.com/office/drawing/2017/decorative" xmlns="" val="1"/>
                 </a:ext>
               </a:extLst>
             </p:cNvPr>
@@ -8365,7 +8697,7 @@
                 <a:tabLst/>
                 <a:defRPr/>
               </a:pPr>
-              <a:endParaRPr kumimoji="0" lang="en-US" sz="1800" b="0" i="0" u="none" strike="noStrike" kern="1200" cap="none" spc="0" normalizeH="0" baseline="0" noProof="0">
+              <a:endParaRPr kumimoji="0" lang="en-US" sz="1800" b="0" i="0" u="none" strike="noStrike" kern="1200" cap="none" spc="0" normalizeH="0" baseline="0" noProof="0" dirty="0">
                 <a:ln>
                   <a:noFill/>
                 </a:ln>
@@ -8390,7 +8722,7 @@
                   <a16:creationId xmlns:a16="http://schemas.microsoft.com/office/drawing/2014/main" id="{1453BF6C-B012-48B7-B4E8-6D7AC7C27D02}"/>
                 </a:ext>
                 <a:ext uri="{C183D7F6-B498-43B3-948B-1728B52AA6E4}">
-                  <adec:decorative xmlns:adec="http://schemas.microsoft.com/office/drawing/2017/decorative" val="1"/>
+                  <adec:decorative xmlns:adec="http://schemas.microsoft.com/office/drawing/2017/decorative" xmlns="" val="1"/>
                 </a:ext>
               </a:extLst>
             </p:cNvPr>
@@ -8548,7 +8880,7 @@
                 <a:tabLst/>
                 <a:defRPr/>
               </a:pPr>
-              <a:endParaRPr kumimoji="0" lang="en-US" sz="1800" b="0" i="0" u="none" strike="noStrike" kern="1200" cap="none" spc="0" normalizeH="0" baseline="0" noProof="0">
+              <a:endParaRPr kumimoji="0" lang="en-US" sz="1800" b="0" i="0" u="none" strike="noStrike" kern="1200" cap="none" spc="0" normalizeH="0" baseline="0" noProof="0" dirty="0">
                 <a:ln>
                   <a:noFill/>
                 </a:ln>
@@ -8574,7 +8906,7 @@
                 <a16:creationId xmlns:a16="http://schemas.microsoft.com/office/drawing/2014/main" id="{AB673405-BF85-493E-8558-0DCBEDB2BB49}"/>
               </a:ext>
               <a:ext uri="{C183D7F6-B498-43B3-948B-1728B52AA6E4}">
-                <adec:decorative xmlns:adec="http://schemas.microsoft.com/office/drawing/2017/decorative" val="1"/>
+                <adec:decorative xmlns:adec="http://schemas.microsoft.com/office/drawing/2017/decorative" xmlns="" val="1"/>
               </a:ext>
             </a:extLst>
           </p:cNvPr>
@@ -8731,7 +9063,7 @@
               <a:tabLst/>
               <a:defRPr/>
             </a:pPr>
-            <a:endParaRPr kumimoji="0" lang="en-US" sz="1800" b="0" i="0" u="none" strike="noStrike" kern="1200" cap="none" spc="0" normalizeH="0" baseline="0" noProof="0">
+            <a:endParaRPr kumimoji="0" lang="en-US" sz="1800" b="0" i="0" u="none" strike="noStrike" kern="1200" cap="none" spc="0" normalizeH="0" baseline="0" noProof="0" dirty="0">
               <a:ln>
                 <a:noFill/>
               </a:ln>
@@ -8756,7 +9088,7 @@
                 <a16:creationId xmlns:a16="http://schemas.microsoft.com/office/drawing/2014/main" id="{C64EAE84-A813-4501-BC71-DBD14BA0265E}"/>
               </a:ext>
               <a:ext uri="{C183D7F6-B498-43B3-948B-1728B52AA6E4}">
-                <adec:decorative xmlns:adec="http://schemas.microsoft.com/office/drawing/2017/decorative" val="1"/>
+                <adec:decorative xmlns:adec="http://schemas.microsoft.com/office/drawing/2017/decorative" xmlns="" val="1"/>
               </a:ext>
             </a:extLst>
           </p:cNvPr>
@@ -8907,7 +9239,7 @@
               <a:tabLst/>
               <a:defRPr/>
             </a:pPr>
-            <a:endParaRPr kumimoji="0" lang="en-US" sz="1800" b="0" i="0" u="none" strike="noStrike" kern="1200" cap="none" spc="0" normalizeH="0" baseline="0" noProof="0">
+            <a:endParaRPr kumimoji="0" lang="en-US" sz="1800" b="0" i="0" u="none" strike="noStrike" kern="1200" cap="none" spc="0" normalizeH="0" baseline="0" noProof="0" dirty="0">
               <a:ln>
                 <a:noFill/>
               </a:ln>
@@ -8945,7 +9277,7 @@
                 <a14:useLocalDpi xmlns:a14="http://schemas.microsoft.com/office/drawing/2010/main" val="0"/>
               </a:ext>
               <a:ext uri="{96DAC541-7B7A-43D3-8B79-37D633B846F1}">
-                <asvg:svgBlip xmlns:asvg="http://schemas.microsoft.com/office/drawing/2016/SVG/main" r:embed="rId3"/>
+                <asvg:svgBlip xmlns:asvg="http://schemas.microsoft.com/office/drawing/2016/SVG/main" xmlns="" r:embed="rId3"/>
               </a:ext>
             </a:extLst>
           </a:blip>
@@ -9052,25 +9384,22 @@
               <a:tabLst/>
               <a:defRPr/>
             </a:pPr>
-            <a:r>
-              <a:rPr kumimoji="0" lang="en-GB" sz="1200" b="0" i="0" u="none" strike="noStrike" kern="1200" cap="none" spc="0" normalizeH="0" baseline="0" noProof="0">
-                <a:ln>
-                  <a:noFill/>
-                </a:ln>
-                <a:solidFill>
-                  <a:prstClr val="black">
-                    <a:alpha val="60000"/>
-                  </a:prstClr>
-                </a:solidFill>
-                <a:effectLst/>
-                <a:uLnTx/>
-                <a:uFillTx/>
-                <a:latin typeface="Calibri" panose="020F0502020204030204"/>
-                <a:ea typeface="+mn-ea"/>
-                <a:cs typeface="+mn-cs"/>
-              </a:rPr>
-              <a:t>Created by Tayo Alebiosu</a:t>
-            </a:r>
+            <a:endParaRPr kumimoji="0" lang="en-GB" sz="1200" b="0" i="0" u="none" strike="noStrike" kern="1200" cap="none" spc="0" normalizeH="0" baseline="0" noProof="0" dirty="0">
+              <a:ln>
+                <a:noFill/>
+              </a:ln>
+              <a:solidFill>
+                <a:prstClr val="black">
+                  <a:alpha val="60000"/>
+                </a:prstClr>
+              </a:solidFill>
+              <a:effectLst/>
+              <a:uLnTx/>
+              <a:uFillTx/>
+              <a:latin typeface="Calibri" panose="020F0502020204030204"/>
+              <a:ea typeface="+mn-ea"/>
+              <a:cs typeface="+mn-cs"/>
+            </a:endParaRPr>
           </a:p>
         </p:txBody>
       </p:sp>
@@ -9128,7 +9457,7 @@
                 <a16:creationId xmlns:a16="http://schemas.microsoft.com/office/drawing/2014/main" id="{E3020543-B24B-4EC4-8FFC-8DD88EEA91A8}"/>
               </a:ext>
               <a:ext uri="{C183D7F6-B498-43B3-948B-1728B52AA6E4}">
-                <adec:decorative xmlns:adec="http://schemas.microsoft.com/office/drawing/2017/decorative" val="1"/>
+                <adec:decorative xmlns:adec="http://schemas.microsoft.com/office/drawing/2017/decorative" xmlns="" val="1"/>
               </a:ext>
             </a:extLst>
           </p:cNvPr>
@@ -9240,7 +9569,7 @@
               <a:tabLst/>
               <a:defRPr/>
             </a:pPr>
-            <a:endParaRPr kumimoji="0" lang="en-US" sz="1800" b="0" i="0" u="none" strike="noStrike" kern="1200" cap="none" spc="0" normalizeH="0" baseline="0" noProof="0">
+            <a:endParaRPr kumimoji="0" lang="en-US" sz="1800" b="0" i="0" u="none" strike="noStrike" kern="1200" cap="none" spc="0" normalizeH="0" baseline="0" noProof="0" dirty="0">
               <a:ln>
                 <a:noFill/>
               </a:ln>
@@ -9265,7 +9594,7 @@
                 <a16:creationId xmlns:a16="http://schemas.microsoft.com/office/drawing/2014/main" id="{C49DA8F6-BCC1-4447-B54C-57856834B94B}"/>
               </a:ext>
               <a:ext uri="{C183D7F6-B498-43B3-948B-1728B52AA6E4}">
-                <adec:decorative xmlns:adec="http://schemas.microsoft.com/office/drawing/2017/decorative" val="1"/>
+                <adec:decorative xmlns:adec="http://schemas.microsoft.com/office/drawing/2017/decorative" xmlns="" val="1"/>
               </a:ext>
             </a:extLst>
           </p:cNvPr>
@@ -9525,15 +9854,87 @@
               <a:rPr lang="en-GB" sz="8800" dirty="0">
                 <a:latin typeface="Tw Cen MT" panose="020B0602020104020603" pitchFamily="34" charset="0"/>
               </a:rPr>
-              <a:t>With current transitional arrangements set to remain in place, little will change for UK-based employers until new arrangements are decided and implemented in 2023. This uncertainty may hinder the government’s efforts to attract more international staff to work in health and care.</a:t>
-            </a:r>
-          </a:p>
-          <a:p>
+              <a:t>With </a:t>
+            </a:r>
+            <a:r>
+              <a:rPr lang="en-GB" sz="8800" dirty="0" smtClean="0">
+                <a:latin typeface="Tw Cen MT" panose="020B0602020104020603" pitchFamily="34" charset="0"/>
+              </a:rPr>
+              <a:t>the</a:t>
+            </a:r>
+            <a:r>
+              <a:rPr lang="en-GB" sz="8800" dirty="0" smtClean="0">
+                <a:latin typeface="Tw Cen MT" panose="020B0602020104020603" pitchFamily="34" charset="0"/>
+              </a:rPr>
+              <a:t> </a:t>
+            </a:r>
             <a:r>
               <a:rPr lang="en-GB" sz="8800" dirty="0">
                 <a:latin typeface="Tw Cen MT" panose="020B0602020104020603" pitchFamily="34" charset="0"/>
               </a:rPr>
-              <a:t>The greater change is for those with health and care professional qualifications gained in the UK. They will no longer be automatically accepted on EEA states’ professional registers and therefore will face new barriers to taking up roles in those nations. Arrangements and processes for those with UK qualifications being accepted onto professional registers will differ between member states.</a:t>
+              <a:t>transitional arrangements set </a:t>
+            </a:r>
+            <a:r>
+              <a:rPr lang="en-GB" sz="8800" dirty="0" smtClean="0">
+                <a:latin typeface="Tw Cen MT" panose="020B0602020104020603" pitchFamily="34" charset="0"/>
+              </a:rPr>
+              <a:t>in </a:t>
+            </a:r>
+            <a:r>
+              <a:rPr lang="en-GB" sz="8800" dirty="0">
+                <a:latin typeface="Tw Cen MT" panose="020B0602020104020603" pitchFamily="34" charset="0"/>
+              </a:rPr>
+              <a:t>place, little </a:t>
+            </a:r>
+            <a:r>
+              <a:rPr lang="en-GB" sz="8800" dirty="0" smtClean="0">
+                <a:latin typeface="Tw Cen MT" panose="020B0602020104020603" pitchFamily="34" charset="0"/>
+              </a:rPr>
+              <a:t>was expected to </a:t>
+            </a:r>
+            <a:r>
+              <a:rPr lang="en-GB" sz="8800" dirty="0">
+                <a:latin typeface="Tw Cen MT" panose="020B0602020104020603" pitchFamily="34" charset="0"/>
+              </a:rPr>
+              <a:t>change for UK-based employers until new arrangements are decided and implemented in 2023. This </a:t>
+            </a:r>
+            <a:r>
+              <a:rPr lang="en-GB" sz="8800" dirty="0" smtClean="0">
+                <a:latin typeface="Tw Cen MT" panose="020B0602020104020603" pitchFamily="34" charset="0"/>
+              </a:rPr>
+              <a:t>uncertainty did hinder </a:t>
+            </a:r>
+            <a:r>
+              <a:rPr lang="en-GB" sz="8800" dirty="0">
+                <a:latin typeface="Tw Cen MT" panose="020B0602020104020603" pitchFamily="34" charset="0"/>
+              </a:rPr>
+              <a:t>the government’s efforts to attract more international staff to work in health and care.</a:t>
+            </a:r>
+          </a:p>
+          <a:p>
+            <a:r>
+              <a:rPr lang="en-GB" sz="8800" dirty="0">
+                <a:latin typeface="Tw Cen MT" panose="020B0602020104020603" pitchFamily="34" charset="0"/>
+              </a:rPr>
+              <a:t>The greater change </a:t>
+            </a:r>
+            <a:r>
+              <a:rPr lang="en-GB" sz="8800" dirty="0" smtClean="0">
+                <a:latin typeface="Tw Cen MT" panose="020B0602020104020603" pitchFamily="34" charset="0"/>
+              </a:rPr>
+              <a:t>was</a:t>
+            </a:r>
+            <a:r>
+              <a:rPr lang="en-GB" sz="8800" dirty="0" smtClean="0">
+                <a:latin typeface="Tw Cen MT" panose="020B0602020104020603" pitchFamily="34" charset="0"/>
+              </a:rPr>
+              <a:t> </a:t>
+            </a:r>
+            <a:r>
+              <a:rPr lang="en-GB" sz="8800" dirty="0">
+                <a:latin typeface="Tw Cen MT" panose="020B0602020104020603" pitchFamily="34" charset="0"/>
+              </a:rPr>
+              <a:t>for those with health and care professional qualifications gained in the UK. They will no longer be automatically accepted on EEA states’ professional registers and therefore will face new barriers to taking up roles in those nations. Arrangements and processes for those with UK qualifications being accepted onto professional registers will differ between member states.</a:t>
             </a:r>
           </a:p>
           <a:p>
@@ -9601,17 +10002,14 @@
                 <a:spcPts val="600"/>
               </a:spcAft>
             </a:pPr>
-            <a:r>
-              <a:rPr lang="en-GB" sz="1000" dirty="0">
-                <a:solidFill>
-                  <a:schemeClr val="tx1">
-                    <a:lumMod val="75000"/>
-                    <a:lumOff val="25000"/>
-                  </a:schemeClr>
-                </a:solidFill>
-              </a:rPr>
-              <a:t>Created by Tayo Alebiosu</a:t>
-            </a:r>
+            <a:endParaRPr lang="en-GB" sz="1000" dirty="0">
+              <a:solidFill>
+                <a:schemeClr val="tx1">
+                  <a:lumMod val="75000"/>
+                  <a:lumOff val="25000"/>
+                </a:schemeClr>
+              </a:solidFill>
+            </a:endParaRPr>
           </a:p>
         </p:txBody>
       </p:sp>
@@ -9750,7 +10148,7 @@
                 <a16:creationId xmlns:a16="http://schemas.microsoft.com/office/drawing/2014/main" id="{257363FD-7E77-4145-9483-331A807ADF0E}"/>
               </a:ext>
               <a:ext uri="{C183D7F6-B498-43B3-948B-1728B52AA6E4}">
-                <adec:decorative xmlns:adec="http://schemas.microsoft.com/office/drawing/2017/decorative" val="1"/>
+                <adec:decorative xmlns:adec="http://schemas.microsoft.com/office/drawing/2017/decorative" xmlns="" val="1"/>
               </a:ext>
             </a:extLst>
           </p:cNvPr>
@@ -9830,7 +10228,7 @@
               <a:tabLst/>
               <a:defRPr/>
             </a:pPr>
-            <a:endParaRPr kumimoji="0" lang="en-US" sz="1800" b="0" i="0" u="none" strike="noStrike" kern="1200" cap="none" spc="0" normalizeH="0" baseline="0" noProof="0">
+            <a:endParaRPr kumimoji="0" lang="en-US" sz="1800" b="0" i="0" u="none" strike="noStrike" kern="1200" cap="none" spc="0" normalizeH="0" baseline="0" noProof="0" dirty="0">
               <a:ln>
                 <a:noFill/>
               </a:ln>
@@ -9932,7 +10330,37 @@
               <a:rPr lang="en-GB" sz="2400" dirty="0">
                 <a:latin typeface="Tw Cen MT" panose="020B0602020104020603" pitchFamily="34" charset="0"/>
               </a:rPr>
-              <a:t>EEA citizens are entitled to a </a:t>
+              <a:t>EEA citizens </a:t>
+            </a:r>
+            <a:r>
+              <a:rPr lang="en-GB" sz="2400" dirty="0" smtClean="0">
+                <a:latin typeface="Tw Cen MT" panose="020B0602020104020603" pitchFamily="34" charset="0"/>
+              </a:rPr>
+              <a:t>were</a:t>
+            </a:r>
+            <a:r>
+              <a:rPr lang="en-GB" sz="2400" dirty="0" smtClean="0">
+                <a:latin typeface="Tw Cen MT" panose="020B0602020104020603" pitchFamily="34" charset="0"/>
+              </a:rPr>
+              <a:t> </a:t>
+            </a:r>
+            <a:r>
+              <a:rPr lang="en-GB" sz="2400" dirty="0">
+                <a:latin typeface="Tw Cen MT" panose="020B0602020104020603" pitchFamily="34" charset="0"/>
+              </a:rPr>
+              <a:t>entitled to </a:t>
+            </a:r>
+            <a:r>
+              <a:rPr lang="en-GB" sz="2400" dirty="0" smtClean="0">
+                <a:latin typeface="Tw Cen MT" panose="020B0602020104020603" pitchFamily="34" charset="0"/>
+              </a:rPr>
+              <a:t>the</a:t>
+            </a:r>
+            <a:r>
+              <a:rPr lang="en-GB" sz="2400" dirty="0">
+                <a:latin typeface="Tw Cen MT" panose="020B0602020104020603" pitchFamily="34" charset="0"/>
+              </a:rPr>
+              <a:t> </a:t>
             </a:r>
             <a:r>
               <a:rPr lang="en-GB" sz="2400" dirty="0">
@@ -9940,7 +10368,7 @@
                 <a:hlinkClick r:id="rId3">
                   <a:extLst>
                     <a:ext uri="{A12FA001-AC4F-418D-AE19-62706E023703}">
-                      <ahyp:hlinkClr xmlns:ahyp="http://schemas.microsoft.com/office/drawing/2018/hyperlinkcolor" val="tx"/>
+                      <ahyp:hlinkClr xmlns:ahyp="http://schemas.microsoft.com/office/drawing/2018/hyperlinkcolor" xmlns="" val="tx"/>
                     </a:ext>
                   </a:extLst>
                 </a:hlinkClick>
@@ -9951,7 +10379,61 @@
               <a:rPr lang="en-GB" sz="2400" dirty="0">
                 <a:latin typeface="Tw Cen MT" panose="020B0602020104020603" pitchFamily="34" charset="0"/>
               </a:rPr>
-              <a:t> (EHIC) that provides them with access to medically necessary, state-provided health care during a temporary stay in any EEA country. While under current EU rules, people who move from one EEA country to live in another are given access to health care on the same basis as nationals of that country.</a:t>
+              <a:t> (EHIC) that </a:t>
+            </a:r>
+            <a:r>
+              <a:rPr lang="en-GB" sz="2400" dirty="0" smtClean="0">
+                <a:latin typeface="Tw Cen MT" panose="020B0602020104020603" pitchFamily="34" charset="0"/>
+              </a:rPr>
+              <a:t>provided </a:t>
+            </a:r>
+            <a:r>
+              <a:rPr lang="en-GB" sz="2400" dirty="0">
+                <a:latin typeface="Tw Cen MT" panose="020B0602020104020603" pitchFamily="34" charset="0"/>
+              </a:rPr>
+              <a:t>them with access to medically necessary, state-provided health care during a temporary stay in any EEA country. </a:t>
+            </a:r>
+            <a:r>
+              <a:rPr lang="en-GB" sz="2400" dirty="0">
+                <a:latin typeface="Tw Cen MT" panose="020B0602020104020603" pitchFamily="34" charset="0"/>
+              </a:rPr>
+              <a:t>U</a:t>
+            </a:r>
+            <a:r>
+              <a:rPr lang="en-GB" sz="2400" dirty="0" smtClean="0">
+                <a:latin typeface="Tw Cen MT" panose="020B0602020104020603" pitchFamily="34" charset="0"/>
+              </a:rPr>
+              <a:t>nder the previous </a:t>
+            </a:r>
+            <a:r>
+              <a:rPr lang="en-GB" sz="2400" dirty="0">
+                <a:latin typeface="Tw Cen MT" panose="020B0602020104020603" pitchFamily="34" charset="0"/>
+              </a:rPr>
+              <a:t>EU rules, people who </a:t>
+            </a:r>
+            <a:r>
+              <a:rPr lang="en-GB" sz="2400" dirty="0" smtClean="0">
+                <a:latin typeface="Tw Cen MT" panose="020B0602020104020603" pitchFamily="34" charset="0"/>
+              </a:rPr>
+              <a:t>moved </a:t>
+            </a:r>
+            <a:r>
+              <a:rPr lang="en-GB" sz="2400" dirty="0">
+                <a:latin typeface="Tw Cen MT" panose="020B0602020104020603" pitchFamily="34" charset="0"/>
+              </a:rPr>
+              <a:t>from one EEA country to live in another </a:t>
+            </a:r>
+            <a:r>
+              <a:rPr lang="en-GB" sz="2400" dirty="0" smtClean="0">
+                <a:latin typeface="Tw Cen MT" panose="020B0602020104020603" pitchFamily="34" charset="0"/>
+              </a:rPr>
+              <a:t>were </a:t>
+            </a:r>
+            <a:r>
+              <a:rPr lang="en-GB" sz="2400" dirty="0">
+                <a:latin typeface="Tw Cen MT" panose="020B0602020104020603" pitchFamily="34" charset="0"/>
+              </a:rPr>
+              <a:t>given access to health care on the same basis as nationals of that country.</a:t>
             </a:r>
           </a:p>
           <a:p>
@@ -9974,7 +10456,37 @@
               <a:rPr lang="en-GB" sz="2400" dirty="0">
                 <a:latin typeface="Tw Cen MT" panose="020B0602020104020603" pitchFamily="34" charset="0"/>
               </a:rPr>
-              <a:t>The arrangements for access to health care for people who move from the UK to live in an EEA state, or for EEA nationals who move to the UK, will differ between each member state. In many cases it is likely that additional requirements and bureaucracy, such as providing proof of residency, will be in place for UK citizens resident in the EEA.</a:t>
+              <a:t>The arrangements for access to health care for people who move from the UK to live in an EEA state, or for EEA nationals who move to the UK, will differ between each member state. In many cases it </a:t>
+            </a:r>
+            <a:r>
+              <a:rPr lang="en-GB" sz="2400" dirty="0" smtClean="0">
+                <a:latin typeface="Tw Cen MT" panose="020B0602020104020603" pitchFamily="34" charset="0"/>
+              </a:rPr>
+              <a:t>means</a:t>
+            </a:r>
+            <a:r>
+              <a:rPr lang="en-GB" sz="2400" dirty="0" smtClean="0">
+                <a:latin typeface="Tw Cen MT" panose="020B0602020104020603" pitchFamily="34" charset="0"/>
+              </a:rPr>
+              <a:t> </a:t>
+            </a:r>
+            <a:r>
+              <a:rPr lang="en-GB" sz="2400" dirty="0">
+                <a:latin typeface="Tw Cen MT" panose="020B0602020104020603" pitchFamily="34" charset="0"/>
+              </a:rPr>
+              <a:t>additional requirements and bureaucracy, such as providing proof of </a:t>
+            </a:r>
+            <a:r>
+              <a:rPr lang="en-GB" sz="2400" dirty="0" smtClean="0">
+                <a:latin typeface="Tw Cen MT" panose="020B0602020104020603" pitchFamily="34" charset="0"/>
+              </a:rPr>
+              <a:t>residency </a:t>
+            </a:r>
+            <a:r>
+              <a:rPr lang="en-GB" sz="2400" dirty="0">
+                <a:latin typeface="Tw Cen MT" panose="020B0602020104020603" pitchFamily="34" charset="0"/>
+              </a:rPr>
+              <a:t>for UK citizens resident in the EEA.</a:t>
             </a:r>
           </a:p>
           <a:p>
@@ -10037,17 +10549,14 @@
                 <a:spcPts val="600"/>
               </a:spcAft>
             </a:pPr>
-            <a:r>
-              <a:rPr lang="en-GB">
-                <a:solidFill>
-                  <a:schemeClr val="tx1">
-                    <a:lumMod val="50000"/>
-                    <a:lumOff val="50000"/>
-                  </a:schemeClr>
-                </a:solidFill>
-              </a:rPr>
-              <a:t>Created by Tayo Alebiosu</a:t>
-            </a:r>
+            <a:endParaRPr lang="en-GB" dirty="0">
+              <a:solidFill>
+                <a:schemeClr val="tx1">
+                  <a:lumMod val="50000"/>
+                  <a:lumOff val="50000"/>
+                </a:schemeClr>
+              </a:solidFill>
+            </a:endParaRPr>
           </a:p>
         </p:txBody>
       </p:sp>
@@ -10126,7 +10635,7 @@
                 <a16:creationId xmlns:a16="http://schemas.microsoft.com/office/drawing/2014/main" id="{2B566528-1B12-4246-9431-5C2D7D081168}"/>
               </a:ext>
               <a:ext uri="{C183D7F6-B498-43B3-948B-1728B52AA6E4}">
-                <adec:decorative xmlns:adec="http://schemas.microsoft.com/office/drawing/2017/decorative" val="1"/>
+                <adec:decorative xmlns:adec="http://schemas.microsoft.com/office/drawing/2017/decorative" xmlns="" val="1"/>
               </a:ext>
             </a:extLst>
           </p:cNvPr>
@@ -10218,6 +10727,10 @@
               </a:rPr>
               <a:t>Supply of medicines and medical devices</a:t>
             </a:r>
+            <a:r>
+              <a:rPr lang="en-GB" sz="2800" dirty="0"/>
+              <a:t/>
+            </a:r>
             <a:br>
               <a:rPr lang="en-GB" sz="2800" dirty="0"/>
             </a:br>
@@ -10233,7 +10746,7 @@
                 <a16:creationId xmlns:a16="http://schemas.microsoft.com/office/drawing/2014/main" id="{07EAA094-9CF6-4695-958A-33D9BCAA9474}"/>
               </a:ext>
               <a:ext uri="{C183D7F6-B498-43B3-948B-1728B52AA6E4}">
-                <adec:decorative xmlns:adec="http://schemas.microsoft.com/office/drawing/2017/decorative" val="1"/>
+                <adec:decorative xmlns:adec="http://schemas.microsoft.com/office/drawing/2017/decorative" xmlns="" val="1"/>
               </a:ext>
             </a:extLst>
           </p:cNvPr>
@@ -10264,7 +10777,7 @@
                   <a16:creationId xmlns:a16="http://schemas.microsoft.com/office/drawing/2014/main" id="{2E80C965-DB6D-4F81-9E9E-B027384D0BD6}"/>
                 </a:ext>
                 <a:ext uri="{C183D7F6-B498-43B3-948B-1728B52AA6E4}">
-                  <adec:decorative xmlns:adec="http://schemas.microsoft.com/office/drawing/2017/decorative" val="1"/>
+                  <adec:decorative xmlns:adec="http://schemas.microsoft.com/office/drawing/2017/decorative" xmlns="" val="1"/>
                 </a:ext>
               </a:extLst>
             </p:cNvPr>
@@ -10315,7 +10828,7 @@
             <a:lstStyle/>
             <a:p>
               <a:pPr algn="ctr"/>
-              <a:endParaRPr lang="en-US"/>
+              <a:endParaRPr lang="en-US" dirty="0"/>
             </a:p>
           </p:txBody>
         </p:sp>
@@ -10327,7 +10840,7 @@
                   <a16:creationId xmlns:a16="http://schemas.microsoft.com/office/drawing/2014/main" id="{A580F890-B085-4E95-96AA-55AEBEC5CE6E}"/>
                 </a:ext>
                 <a:ext uri="{C183D7F6-B498-43B3-948B-1728B52AA6E4}">
-                  <adec:decorative xmlns:adec="http://schemas.microsoft.com/office/drawing/2017/decorative" val="1"/>
+                  <adec:decorative xmlns:adec="http://schemas.microsoft.com/office/drawing/2017/decorative" xmlns="" val="1"/>
                 </a:ext>
               </a:extLst>
             </p:cNvPr>
@@ -10409,7 +10922,7 @@
         </p:spPr>
         <p:txBody>
           <a:bodyPr>
-            <a:normAutofit fontScale="92500" lnSpcReduction="10000"/>
+            <a:normAutofit fontScale="92500" lnSpcReduction="20000"/>
           </a:bodyPr>
           <a:lstStyle/>
           <a:p>
@@ -10481,8 +10994,17 @@
               <a:rPr lang="en-GB" sz="2600" dirty="0">
                 <a:latin typeface="Tw Cen MT" panose="020B0602020104020603" pitchFamily="34" charset="0"/>
               </a:rPr>
-              <a:t> to explain what manufacturers must do to register and market their products in Great Britain and how the requirements differ in Northern Ireland..</a:t>
-            </a:r>
+              <a:t> to explain what manufacturers must do to register and market their products in Great Britain and how the requirements differ in Northern Ireland</a:t>
+            </a:r>
+            <a:r>
+              <a:rPr lang="en-GB" sz="2600" dirty="0" smtClean="0">
+                <a:latin typeface="Tw Cen MT" panose="020B0602020104020603" pitchFamily="34" charset="0"/>
+              </a:rPr>
+              <a:t>.</a:t>
+            </a:r>
+            <a:endParaRPr lang="en-GB" sz="2600" dirty="0">
+              <a:latin typeface="Tw Cen MT" panose="020B0602020104020603" pitchFamily="34" charset="0"/>
+            </a:endParaRPr>
           </a:p>
           <a:p>
             <a:pPr marL="0" indent="0">
@@ -10540,10 +11062,7 @@
                 <a:spcPts val="600"/>
               </a:spcAft>
             </a:pPr>
-            <a:r>
-              <a:rPr lang="en-GB" dirty="0"/>
-              <a:t>Created by Tayo Alebiosu</a:t>
-            </a:r>
+            <a:endParaRPr lang="en-GB" dirty="0"/>
           </a:p>
         </p:txBody>
       </p:sp>
@@ -10555,7 +11074,7 @@
                 <a16:creationId xmlns:a16="http://schemas.microsoft.com/office/drawing/2014/main" id="{D3F51FEB-38FB-4F6C-9F7B-2F2AFAB65463}"/>
               </a:ext>
               <a:ext uri="{C183D7F6-B498-43B3-948B-1728B52AA6E4}">
-                <adec:decorative xmlns:adec="http://schemas.microsoft.com/office/drawing/2017/decorative" val="1"/>
+                <adec:decorative xmlns:adec="http://schemas.microsoft.com/office/drawing/2017/decorative" xmlns="" val="1"/>
               </a:ext>
             </a:extLst>
           </p:cNvPr>
@@ -10610,7 +11129,7 @@
           <a:lstStyle/>
           <a:p>
             <a:pPr algn="ctr"/>
-            <a:endParaRPr lang="en-US"/>
+            <a:endParaRPr lang="en-US" dirty="0"/>
           </a:p>
         </p:txBody>
       </p:sp>
@@ -10622,7 +11141,7 @@
                 <a16:creationId xmlns:a16="http://schemas.microsoft.com/office/drawing/2014/main" id="{1E547BA6-BAE0-43BB-A7CA-60F69CE252F0}"/>
               </a:ext>
               <a:ext uri="{C183D7F6-B498-43B3-948B-1728B52AA6E4}">
-                <adec:decorative xmlns:adec="http://schemas.microsoft.com/office/drawing/2017/decorative" val="1"/>
+                <adec:decorative xmlns:adec="http://schemas.microsoft.com/office/drawing/2017/decorative" xmlns="" val="1"/>
               </a:ext>
             </a:extLst>
           </p:cNvPr>
@@ -10675,7 +11194,7 @@
           <a:lstStyle/>
           <a:p>
             <a:pPr algn="ctr"/>
-            <a:endParaRPr lang="en-US"/>
+            <a:endParaRPr lang="en-US" dirty="0"/>
           </a:p>
         </p:txBody>
       </p:sp>
@@ -10725,7 +11244,7 @@
                 <a16:creationId xmlns:a16="http://schemas.microsoft.com/office/drawing/2014/main" id="{8FC9BE17-9A7B-462D-AE50-3D8777387304}"/>
               </a:ext>
               <a:ext uri="{C183D7F6-B498-43B3-948B-1728B52AA6E4}">
-                <adec:decorative xmlns:adec="http://schemas.microsoft.com/office/drawing/2017/decorative" val="1"/>
+                <adec:decorative xmlns:adec="http://schemas.microsoft.com/office/drawing/2017/decorative" xmlns="" val="1"/>
               </a:ext>
             </a:extLst>
           </p:cNvPr>
@@ -10789,7 +11308,7 @@
               <a:tabLst/>
               <a:defRPr/>
             </a:pPr>
-            <a:endParaRPr kumimoji="0" lang="en-US" sz="1800" b="0" i="0" u="none" strike="noStrike" kern="1200" cap="none" spc="0" normalizeH="0" baseline="0" noProof="0">
+            <a:endParaRPr kumimoji="0" lang="en-US" sz="1800" b="0" i="0" u="none" strike="noStrike" kern="1200" cap="none" spc="0" normalizeH="0" baseline="0" noProof="0" dirty="0">
               <a:ln>
                 <a:noFill/>
               </a:ln>
@@ -10843,7 +11362,7 @@
                 <a16:creationId xmlns:a16="http://schemas.microsoft.com/office/drawing/2014/main" id="{3EBE8569-6AEC-4B8C-8D53-2DE337CDBA65}"/>
               </a:ext>
               <a:ext uri="{C183D7F6-B498-43B3-948B-1728B52AA6E4}">
-                <adec:decorative xmlns:adec="http://schemas.microsoft.com/office/drawing/2017/decorative" val="1"/>
+                <adec:decorative xmlns:adec="http://schemas.microsoft.com/office/drawing/2017/decorative" xmlns="" val="1"/>
               </a:ext>
             </a:extLst>
           </p:cNvPr>
@@ -10958,7 +11477,7 @@
                 <a16:creationId xmlns:a16="http://schemas.microsoft.com/office/drawing/2014/main" id="{55D4142C-5077-457F-A6AD-3FECFDB39685}"/>
               </a:ext>
               <a:ext uri="{C183D7F6-B498-43B3-948B-1728B52AA6E4}">
-                <adec:decorative xmlns:adec="http://schemas.microsoft.com/office/drawing/2017/decorative" val="1"/>
+                <adec:decorative xmlns:adec="http://schemas.microsoft.com/office/drawing/2017/decorative" xmlns="" val="1"/>
               </a:ext>
             </a:extLst>
           </p:cNvPr>
@@ -11025,7 +11544,7 @@
               <a:tabLst/>
               <a:defRPr/>
             </a:pPr>
-            <a:endParaRPr kumimoji="0" lang="en-US" sz="1800" b="0" i="0" u="none" strike="noStrike" kern="1200" cap="none" spc="0" normalizeH="0" baseline="0" noProof="0">
+            <a:endParaRPr kumimoji="0" lang="en-US" sz="1800" b="0" i="0" u="none" strike="noStrike" kern="1200" cap="none" spc="0" normalizeH="0" baseline="0" noProof="0" dirty="0">
               <a:ln>
                 <a:noFill/>
               </a:ln>
@@ -11050,7 +11569,7 @@
                 <a16:creationId xmlns:a16="http://schemas.microsoft.com/office/drawing/2014/main" id="{7A5F0580-5EE9-419F-96EE-B6529EF6E7D0}"/>
               </a:ext>
               <a:ext uri="{C183D7F6-B498-43B3-948B-1728B52AA6E4}">
-                <adec:decorative xmlns:adec="http://schemas.microsoft.com/office/drawing/2017/decorative" val="1"/>
+                <adec:decorative xmlns:adec="http://schemas.microsoft.com/office/drawing/2017/decorative" xmlns="" val="1"/>
               </a:ext>
             </a:extLst>
           </p:cNvPr>
@@ -11120,7 +11639,7 @@
               <a:tabLst/>
               <a:defRPr/>
             </a:pPr>
-            <a:endParaRPr kumimoji="0" lang="en-US" sz="1800" b="0" i="0" u="none" strike="noStrike" kern="1200" cap="none" spc="0" normalizeH="0" baseline="0" noProof="0">
+            <a:endParaRPr kumimoji="0" lang="en-US" sz="1800" b="0" i="0" u="none" strike="noStrike" kern="1200" cap="none" spc="0" normalizeH="0" baseline="0" noProof="0" dirty="0">
               <a:ln>
                 <a:noFill/>
               </a:ln>
@@ -11196,8 +11715,56 @@
                 <a:ea typeface="+mn-ea"/>
                 <a:cs typeface="+mn-cs"/>
               </a:rPr>
-              <a:t>Module lecturer-Tayo Alebiosu</a:t>
-            </a:r>
+              <a:t>Module </a:t>
+            </a:r>
+            <a:r>
+              <a:rPr kumimoji="0" lang="en-US" sz="2800" b="0" i="0" u="none" strike="noStrike" kern="1200" cap="none" spc="0" normalizeH="0" baseline="0" noProof="0" dirty="0" smtClean="0">
+                <a:ln>
+                  <a:noFill/>
+                </a:ln>
+                <a:solidFill>
+                  <a:prstClr val="black"/>
+                </a:solidFill>
+                <a:effectLst/>
+                <a:uLnTx/>
+                <a:uFillTx/>
+                <a:latin typeface="Calibri" panose="020F0502020204030204"/>
+                <a:ea typeface="+mn-ea"/>
+                <a:cs typeface="+mn-cs"/>
+              </a:rPr>
+              <a:t>lecturer-</a:t>
+            </a:r>
+            <a:r>
+              <a:rPr kumimoji="0" lang="en-US" sz="2800" b="0" i="0" u="none" strike="noStrike" kern="1200" cap="none" spc="0" normalizeH="0" noProof="0" dirty="0" smtClean="0">
+                <a:ln>
+                  <a:noFill/>
+                </a:ln>
+                <a:solidFill>
+                  <a:prstClr val="black"/>
+                </a:solidFill>
+                <a:effectLst/>
+                <a:uLnTx/>
+                <a:uFillTx/>
+                <a:latin typeface="Calibri" panose="020F0502020204030204"/>
+                <a:ea typeface="+mn-ea"/>
+                <a:cs typeface="+mn-cs"/>
+              </a:rPr>
+              <a:t> Dr Chijioke Agomo</a:t>
+            </a:r>
+            <a:endParaRPr kumimoji="0" lang="en-US" sz="2800" b="0" i="0" u="none" strike="noStrike" kern="1200" cap="none" spc="0" normalizeH="0" baseline="0" noProof="0" dirty="0">
+              <a:ln>
+                <a:noFill/>
+              </a:ln>
+              <a:solidFill>
+                <a:prstClr val="black"/>
+              </a:solidFill>
+              <a:effectLst/>
+              <a:uLnTx/>
+              <a:uFillTx/>
+              <a:latin typeface="Calibri" panose="020F0502020204030204"/>
+              <a:ea typeface="+mn-ea"/>
+              <a:cs typeface="+mn-cs"/>
+            </a:endParaRPr>
           </a:p>
           <a:p>
             <a:pPr marL="0" marR="0" lvl="0" indent="-228600" algn="l" defTabSz="914400" rtl="0" eaLnBrk="1" fontAlgn="auto" latinLnBrk="0" hangingPunct="1">
@@ -11271,7 +11838,33 @@
               <a:t>Contact me: </a:t>
             </a:r>
             <a:r>
-              <a:rPr kumimoji="0" lang="en-US" sz="2800" b="0" i="0" u="none" strike="noStrike" kern="1200" cap="none" spc="0" normalizeH="0" baseline="0" noProof="0" dirty="0">
+              <a:rPr lang="en-US" sz="2800" dirty="0" smtClean="0">
+                <a:solidFill>
+                  <a:prstClr val="black"/>
+                </a:solidFill>
+                <a:latin typeface="Calibri" panose="020F0502020204030204"/>
+                <a:hlinkClick r:id="rId3"/>
+              </a:rPr>
+              <a:t>chijioke.agomo</a:t>
+            </a:r>
+            <a:r>
+              <a:rPr kumimoji="0" lang="en-US" sz="2800" b="0" i="0" u="none" strike="noStrike" kern="1200" cap="none" spc="0" normalizeH="0" baseline="0" noProof="0" dirty="0" smtClean="0">
+                <a:ln>
+                  <a:noFill/>
+                </a:ln>
+                <a:solidFill>
+                  <a:prstClr val="black"/>
+                </a:solidFill>
+                <a:effectLst/>
+                <a:uLnTx/>
+                <a:uFillTx/>
+                <a:latin typeface="Calibri" panose="020F0502020204030204"/>
+                <a:hlinkClick r:id="rId3"/>
+              </a:rPr>
+              <a:t>@lsclondon.co.uk</a:t>
+            </a:r>
+            <a:r>
+              <a:rPr kumimoji="0" lang="en-US" sz="2800" b="0" i="0" u="none" strike="noStrike" kern="1200" cap="none" spc="0" normalizeH="0" baseline="0" noProof="0" dirty="0" smtClean="0">
                 <a:ln>
                   <a:noFill/>
                 </a:ln>
@@ -11284,9 +11877,8 @@
                 <a:latin typeface="Calibri" panose="020F0502020204030204"/>
                 <a:ea typeface="+mn-ea"/>
                 <a:cs typeface="+mn-cs"/>
-                <a:hlinkClick r:id="rId3"/>
-              </a:rPr>
-              <a:t>tayo.alebiosu@lsclondon.co.uk</a:t>
+              </a:rPr>
+              <a:t> </a:t>
             </a:r>
             <a:endParaRPr kumimoji="0" lang="en-US" sz="2800" b="0" i="0" u="none" strike="noStrike" kern="1200" cap="none" spc="0" normalizeH="0" baseline="0" noProof="0" dirty="0">
               <a:ln>
@@ -11377,7 +11969,7 @@
               <a:defRPr/>
             </a:pPr>
             <a:r>
-              <a:rPr kumimoji="0" lang="en-GB" sz="1200" b="0" i="0" u="none" strike="noStrike" kern="1200" cap="none" spc="0" normalizeH="0" baseline="0" noProof="0">
+              <a:rPr kumimoji="0" lang="en-GB" sz="1200" b="0" i="0" u="none" strike="noStrike" kern="1200" cap="none" spc="0" normalizeH="0" baseline="0" noProof="0" dirty="0" smtClean="0">
                 <a:ln>
                   <a:noFill/>
                 </a:ln>
@@ -11393,8 +11985,24 @@
                 <a:ea typeface="+mn-ea"/>
                 <a:cs typeface="+mn-cs"/>
               </a:rPr>
-              <a:t>Created by Tayo Alebiosu</a:t>
-            </a:r>
+              <a:t>Edited by Dr Chijioke Agomo</a:t>
+            </a:r>
+            <a:endParaRPr kumimoji="0" lang="en-GB" sz="1200" b="0" i="0" u="none" strike="noStrike" kern="1200" cap="none" spc="0" normalizeH="0" baseline="0" noProof="0" dirty="0">
+              <a:ln>
+                <a:noFill/>
+              </a:ln>
+              <a:solidFill>
+                <a:prstClr val="black">
+                  <a:tint val="75000"/>
+                </a:prstClr>
+              </a:solidFill>
+              <a:effectLst/>
+              <a:uLnTx/>
+              <a:uFillTx/>
+              <a:latin typeface="Calibri" panose="020F0502020204030204"/>
+              <a:ea typeface="+mn-ea"/>
+              <a:cs typeface="+mn-cs"/>
+            </a:endParaRPr>
           </a:p>
         </p:txBody>
       </p:sp>
@@ -11436,12 +12044,85 @@
           <a:chExt cx="0" cy="0"/>
         </a:xfrm>
       </p:grpSpPr>
+      <p:sp>
+        <p:nvSpPr>
+          <p:cNvPr id="2" name="Title 1">
+            <a:extLst>
+              <a:ext uri="{FF2B5EF4-FFF2-40B4-BE49-F238E27FC236}">
+                <a16:creationId xmlns:a16="http://schemas.microsoft.com/office/drawing/2014/main" id="{C764D752-826F-4F76-B7AE-EFA64894DFC6}"/>
+              </a:ext>
+            </a:extLst>
+          </p:cNvPr>
+          <p:cNvSpPr>
+            <a:spLocks noGrp="1"/>
+          </p:cNvSpPr>
+          <p:nvPr>
+            <p:ph type="title"/>
+          </p:nvPr>
+        </p:nvSpPr>
+        <p:spPr>
+          <a:xfrm>
+            <a:off x="1961322" y="2452698"/>
+            <a:ext cx="8786191" cy="976302"/>
+          </a:xfrm>
+        </p:spPr>
+        <p:txBody>
+          <a:bodyPr anchor="ctr">
+            <a:normAutofit fontScale="90000"/>
+          </a:bodyPr>
+          <a:lstStyle/>
+          <a:p>
+            <a:r>
+              <a:rPr lang="en-GB" sz="2800" b="1" i="1" dirty="0">
+                <a:latin typeface="Corbel" panose="020B0503020204020204" pitchFamily="34" charset="0"/>
+              </a:rPr>
+              <a:t/>
+            </a:r>
+            <a:br>
+              <a:rPr lang="en-GB" sz="2800" b="1" i="1" dirty="0">
+                <a:latin typeface="Corbel" panose="020B0503020204020204" pitchFamily="34" charset="0"/>
+              </a:rPr>
+            </a:br>
+            <a:r>
+              <a:rPr lang="en-GB" sz="2800" b="1" i="1" dirty="0">
+                <a:latin typeface="Corbel" panose="020B0503020204020204" pitchFamily="34" charset="0"/>
+              </a:rPr>
+              <a:t>NHS finances outside the EU: </a:t>
+            </a:r>
+            <a:r>
+              <a:rPr lang="en-GB" sz="2800" b="1" i="1" dirty="0">
+                <a:solidFill>
+                  <a:srgbClr val="0070C0"/>
+                </a:solidFill>
+                <a:latin typeface="Corbel" panose="020B0503020204020204" pitchFamily="34" charset="0"/>
+              </a:rPr>
+              <a:t>Analysis of the impact on NHS finances of the UK leaving the European Union</a:t>
+            </a:r>
+            <a:br>
+              <a:rPr lang="en-GB" sz="2800" b="1" i="1" dirty="0">
+                <a:solidFill>
+                  <a:srgbClr val="0070C0"/>
+                </a:solidFill>
+                <a:latin typeface="Corbel" panose="020B0503020204020204" pitchFamily="34" charset="0"/>
+              </a:rPr>
+            </a:br>
+            <a:r>
+              <a:rPr lang="en-GB" sz="2000" i="1" dirty="0"/>
+              <a:t/>
+            </a:r>
+            <a:br>
+              <a:rPr lang="en-GB" sz="2000" i="1" dirty="0"/>
+            </a:br>
+            <a:endParaRPr lang="en-GB" sz="2000" i="1" dirty="0"/>
+          </a:p>
+        </p:txBody>
+      </p:sp>
       <p:pic>
         <p:nvPicPr>
-          <p:cNvPr id="8194" name="Picture 2" descr="MEDICAL DEVICES-DIAGNOSTIC KITS | Invex Healthcare">
+          <p:cNvPr id="9218" name="Picture 2" descr="Save the NHS money - our Top tips - Lose Weight with WAISTAWAY">
             <a:extLst>
               <a:ext uri="{FF2B5EF4-FFF2-40B4-BE49-F238E27FC236}">
-                <a16:creationId xmlns:a16="http://schemas.microsoft.com/office/drawing/2014/main" id="{A0CE47AE-0841-4B5F-AE39-4E834C60185E}"/>
+                <a16:creationId xmlns:a16="http://schemas.microsoft.com/office/drawing/2014/main" id="{B68958FF-A2B0-485A-B369-99D3C9298C04}"/>
               </a:ext>
             </a:extLst>
           </p:cNvPr>
@@ -11458,17 +12139,46 @@
               </a:ext>
             </a:extLst>
           </a:blip>
-          <a:srcRect t="24808" r="1" b="20404"/>
+          <a:srcRect t="46035" b="8199"/>
           <a:stretch/>
         </p:blipFill>
         <p:spPr bwMode="auto">
           <a:xfrm>
             <a:off x="20" y="10"/>
-            <a:ext cx="12191981" cy="6857990"/>
+            <a:ext cx="12191980" cy="2452687"/>
           </a:xfrm>
-          <a:prstGeom prst="rect">
+          <a:custGeom>
             <a:avLst/>
-          </a:prstGeom>
+            <a:gdLst/>
+            <a:ahLst/>
+            <a:cxnLst/>
+            <a:rect l="l" t="t" r="r" b="b"/>
+            <a:pathLst>
+              <a:path w="12192000" h="3692092">
+                <a:moveTo>
+                  <a:pt x="0" y="0"/>
+                </a:moveTo>
+                <a:lnTo>
+                  <a:pt x="12192000" y="0"/>
+                </a:lnTo>
+                <a:lnTo>
+                  <a:pt x="12192000" y="3504824"/>
+                </a:lnTo>
+                <a:lnTo>
+                  <a:pt x="12024691" y="3517794"/>
+                </a:lnTo>
+                <a:cubicBezTo>
+                  <a:pt x="8077523" y="3783195"/>
+                  <a:pt x="4094678" y="3026959"/>
+                  <a:pt x="160485" y="3663863"/>
+                </a:cubicBezTo>
+                <a:lnTo>
+                  <a:pt x="0" y="3692092"/>
+                </a:lnTo>
+                <a:close/>
+              </a:path>
+            </a:pathLst>
+          </a:custGeom>
           <a:noFill/>
           <a:extLst>
             <a:ext uri="{909E8E84-426E-40DD-AFC4-6F175D3DCCD1}">
@@ -11483,130 +12193,10 @@
       </p:pic>
       <p:sp>
         <p:nvSpPr>
-          <p:cNvPr id="71" name="Rectangle 70">
-            <a:extLst>
-              <a:ext uri="{FF2B5EF4-FFF2-40B4-BE49-F238E27FC236}">
-                <a16:creationId xmlns:a16="http://schemas.microsoft.com/office/drawing/2014/main" id="{2B566528-1B12-4246-9431-5C2D7D081168}"/>
-              </a:ext>
-              <a:ext uri="{C183D7F6-B498-43B3-948B-1728B52AA6E4}">
-                <adec:decorative xmlns:adec="http://schemas.microsoft.com/office/drawing/2017/decorative" val="1"/>
-              </a:ext>
-            </a:extLst>
-          </p:cNvPr>
-          <p:cNvSpPr>
-            <a:spLocks noGrp="1" noRot="1" noChangeAspect="1" noMove="1" noResize="1" noEditPoints="1" noAdjustHandles="1" noChangeArrowheads="1" noChangeShapeType="1" noTextEdit="1"/>
-          </p:cNvSpPr>
-          <p:nvPr>
-            <p:extLst>
-              <p:ext uri="{386F3935-93C4-4BCD-93E2-E3B085C9AB24}">
-                <p16:designElem xmlns:p16="http://schemas.microsoft.com/office/powerpoint/2015/main" val="1"/>
-              </p:ext>
-            </p:extLst>
-          </p:nvPr>
-        </p:nvSpPr>
-        <p:spPr>
-          <a:xfrm>
-            <a:off x="0" y="0"/>
-            <a:ext cx="8129873" cy="6858000"/>
-          </a:xfrm>
-          <a:prstGeom prst="rect">
-            <a:avLst/>
-          </a:prstGeom>
-          <a:solidFill>
-            <a:schemeClr val="bg1">
-              <a:alpha val="80000"/>
-            </a:schemeClr>
-          </a:solidFill>
-          <a:ln>
-            <a:noFill/>
-          </a:ln>
-        </p:spPr>
-        <p:style>
-          <a:lnRef idx="2">
-            <a:schemeClr val="accent1">
-              <a:shade val="50000"/>
-            </a:schemeClr>
-          </a:lnRef>
-          <a:fillRef idx="1">
-            <a:schemeClr val="accent1"/>
-          </a:fillRef>
-          <a:effectRef idx="0">
-            <a:schemeClr val="accent1"/>
-          </a:effectRef>
-          <a:fontRef idx="minor">
-            <a:schemeClr val="lt1"/>
-          </a:fontRef>
-        </p:style>
-        <p:txBody>
-          <a:bodyPr rtlCol="0" anchor="ctr"/>
-          <a:lstStyle/>
-          <a:p>
-            <a:pPr algn="ctr"/>
-            <a:endParaRPr lang="en-US" dirty="0"/>
-          </a:p>
-        </p:txBody>
-      </p:sp>
-      <p:sp>
-        <p:nvSpPr>
-          <p:cNvPr id="2" name="Title 1">
-            <a:extLst>
-              <a:ext uri="{FF2B5EF4-FFF2-40B4-BE49-F238E27FC236}">
-                <a16:creationId xmlns:a16="http://schemas.microsoft.com/office/drawing/2014/main" id="{9A673102-505B-4CE5-8D39-7C237EE76216}"/>
-              </a:ext>
-            </a:extLst>
-          </p:cNvPr>
-          <p:cNvSpPr>
-            <a:spLocks noGrp="1"/>
-          </p:cNvSpPr>
-          <p:nvPr>
-            <p:ph type="title"/>
-          </p:nvPr>
-        </p:nvSpPr>
-        <p:spPr>
-          <a:xfrm>
-            <a:off x="643467" y="321734"/>
-            <a:ext cx="6891186" cy="1135737"/>
-          </a:xfrm>
-        </p:spPr>
-        <p:txBody>
-          <a:bodyPr>
-            <a:noAutofit/>
-          </a:bodyPr>
-          <a:lstStyle/>
-          <a:p>
-            <a:pPr algn="ctr"/>
-            <a:r>
-              <a:rPr lang="en-GB" sz="3600" b="1" i="1" dirty="0">
-                <a:solidFill>
-                  <a:srgbClr val="0070C0"/>
-                </a:solidFill>
-                <a:latin typeface="Corbel" panose="020B0503020204020204" pitchFamily="34" charset="0"/>
-              </a:rPr>
-              <a:t>Supply of medicines and medical devices</a:t>
-            </a:r>
-            <a:br>
-              <a:rPr lang="en-GB" sz="3600" b="1" i="1" dirty="0">
-                <a:solidFill>
-                  <a:srgbClr val="0070C0"/>
-                </a:solidFill>
-                <a:latin typeface="Corbel" panose="020B0503020204020204" pitchFamily="34" charset="0"/>
-              </a:rPr>
-            </a:br>
-            <a:endParaRPr lang="en-GB" sz="3600" b="1" i="1" dirty="0">
-              <a:solidFill>
-                <a:srgbClr val="0070C0"/>
-              </a:solidFill>
-              <a:latin typeface="Corbel" panose="020B0503020204020204" pitchFamily="34" charset="0"/>
-            </a:endParaRPr>
-          </a:p>
-        </p:txBody>
-      </p:sp>
-      <p:sp>
-        <p:nvSpPr>
           <p:cNvPr id="3" name="Content Placeholder 2">
             <a:extLst>
               <a:ext uri="{FF2B5EF4-FFF2-40B4-BE49-F238E27FC236}">
-                <a16:creationId xmlns:a16="http://schemas.microsoft.com/office/drawing/2014/main" id="{5864A018-5BCF-4402-AEEC-D57E1E5DFC34}"/>
+                <a16:creationId xmlns:a16="http://schemas.microsoft.com/office/drawing/2014/main" id="{2B23B66B-B08F-44C9-93AC-CD85D52670BF}"/>
               </a:ext>
             </a:extLst>
           </p:cNvPr>
@@ -11619,12 +12209,12 @@
         </p:nvSpPr>
         <p:spPr>
           <a:xfrm>
-            <a:off x="0" y="1782980"/>
-            <a:ext cx="8129873" cy="5075009"/>
+            <a:off x="172278" y="3428999"/>
+            <a:ext cx="11537117" cy="3292475"/>
           </a:xfrm>
         </p:spPr>
         <p:txBody>
-          <a:bodyPr>
+          <a:bodyPr anchor="ctr">
             <a:normAutofit/>
           </a:bodyPr>
           <a:lstStyle/>
@@ -11633,385 +12223,65 @@
               <a:rPr lang="en-GB" sz="2400" dirty="0">
                 <a:latin typeface="Tw Cen MT" panose="020B0602020104020603" pitchFamily="34" charset="0"/>
               </a:rPr>
-              <a:t>The United Kingdom is a </a:t>
+              <a:t>The NHS in England is already facing its worst ever financial challenge, following an unprecedented squeeze on funding for health and social care. At the end of the </a:t>
+            </a:r>
+            <a:r>
+              <a:rPr lang="en-GB" sz="2400" dirty="0" smtClean="0">
+                <a:latin typeface="Tw Cen MT" panose="020B0602020104020603" pitchFamily="34" charset="0"/>
+              </a:rPr>
+              <a:t>2015</a:t>
+            </a:r>
+            <a:r>
+              <a:rPr lang="en-GB" sz="2400" dirty="0" smtClean="0">
+                <a:latin typeface="Tw Cen MT" panose="020B0602020104020603" pitchFamily="34" charset="0"/>
+              </a:rPr>
+              <a:t> </a:t>
             </a:r>
             <a:r>
               <a:rPr lang="en-GB" sz="2400" dirty="0">
                 <a:latin typeface="Tw Cen MT" panose="020B0602020104020603" pitchFamily="34" charset="0"/>
-                <a:hlinkClick r:id="rId3"/>
-              </a:rPr>
-              <a:t>net importer of medicines and medical devices from the EEA</a:t>
-            </a:r>
+              </a:rPr>
+              <a:t>financial year, health care providers reported a £2.5bn deficit, as 65% struggled to balance their books</a:t>
+            </a:r>
+            <a:r>
+              <a:rPr lang="en-GB" sz="2400" dirty="0" smtClean="0">
+                <a:latin typeface="Tw Cen MT" panose="020B0602020104020603" pitchFamily="34" charset="0"/>
+              </a:rPr>
+              <a:t>. </a:t>
+            </a:r>
+            <a:endParaRPr lang="en-GB" sz="2400" dirty="0">
+              <a:latin typeface="Tw Cen MT" panose="020B0602020104020603" pitchFamily="34" charset="0"/>
+            </a:endParaRPr>
+          </a:p>
+          <a:p>
             <a:r>
               <a:rPr lang="en-GB" sz="2400" dirty="0">
                 <a:latin typeface="Tw Cen MT" panose="020B0602020104020603" pitchFamily="34" charset="0"/>
               </a:rPr>
-              <a:t>.</a:t>
-            </a:r>
-          </a:p>
-          <a:p>
-            <a:pPr marL="0" indent="0">
-              <a:buNone/>
-            </a:pPr>
-            <a:r>
-              <a:rPr lang="en-GB" sz="2400" i="1" dirty="0">
+              <a:t>Factors including an ageing population and an increase in prevalence of chronic conditions mean that funding pressures are set to rise by around 4% a year over the next decade. </a:t>
+            </a:r>
+          </a:p>
+          <a:p>
+            <a:r>
+              <a:rPr lang="en-GB" sz="2400" dirty="0" smtClean="0">
                 <a:latin typeface="Tw Cen MT" panose="020B0602020104020603" pitchFamily="34" charset="0"/>
               </a:rPr>
-              <a:t>Implications</a:t>
-            </a:r>
-          </a:p>
-          <a:p>
+              <a:t>This </a:t>
+            </a:r>
             <a:r>
               <a:rPr lang="en-GB" sz="2400" dirty="0">
                 <a:latin typeface="Tw Cen MT" panose="020B0602020104020603" pitchFamily="34" charset="0"/>
               </a:rPr>
-              <a:t>In principle the key change for traders of medical products is that, from 1 January 2021, manufacturers will need to get a licence from the MHRA rather than the EMA to sell a medicine or medical device in the United Kingdom. </a:t>
-            </a:r>
-          </a:p>
-          <a:p>
-            <a:r>
-              <a:rPr lang="en-GB" sz="2400" dirty="0">
+              <a:t>pose significant risks to NHS funding.</a:t>
+            </a:r>
+          </a:p>
+          <a:p>
+            <a:r>
+              <a:rPr lang="en-GB" sz="1000" dirty="0">
                 <a:latin typeface="Tw Cen MT" panose="020B0602020104020603" pitchFamily="34" charset="0"/>
               </a:rPr>
-              <a:t>The government and the MHRA have prepared </a:t>
-            </a:r>
-            <a:r>
-              <a:rPr lang="en-GB" sz="2400" dirty="0">
-                <a:latin typeface="Tw Cen MT" panose="020B0602020104020603" pitchFamily="34" charset="0"/>
-                <a:hlinkClick r:id="rId4"/>
-              </a:rPr>
-              <a:t>guidance</a:t>
-            </a:r>
-            <a:r>
-              <a:rPr lang="en-GB" sz="2400" dirty="0">
-                <a:latin typeface="Tw Cen MT" panose="020B0602020104020603" pitchFamily="34" charset="0"/>
-              </a:rPr>
-              <a:t> to explain what manufacturers must do to register and market their products</a:t>
-            </a:r>
-          </a:p>
-          <a:p>
-            <a:pPr marL="0" indent="0">
-              <a:buNone/>
-            </a:pPr>
-            <a:r>
-              <a:rPr lang="en-GB" sz="2400" dirty="0">
-                <a:latin typeface="Tw Cen MT" panose="020B0602020104020603" pitchFamily="34" charset="0"/>
-              </a:rPr>
-              <a:t>in Great Britain and how the requirements differ in Northern Ireland..</a:t>
-            </a:r>
-          </a:p>
-          <a:p>
-            <a:pPr marL="0" indent="0">
-              <a:buNone/>
-            </a:pPr>
-            <a:r>
-              <a:rPr lang="en-GB" sz="1400" dirty="0"/>
-              <a:t>(Brexit and the end of the transition period, 2021)</a:t>
-            </a:r>
-            <a:endParaRPr lang="en-GB" sz="1400" b="1" dirty="0"/>
-          </a:p>
-          <a:p>
-            <a:pPr marL="0" indent="0">
-              <a:buNone/>
-            </a:pPr>
-            <a:endParaRPr lang="en-GB" sz="1400" dirty="0">
-              <a:latin typeface="Tw Cen MT" panose="020B0602020104020603" pitchFamily="34" charset="0"/>
-            </a:endParaRPr>
-          </a:p>
-          <a:p>
-            <a:endParaRPr lang="en-GB" sz="2000" dirty="0"/>
-          </a:p>
-        </p:txBody>
-      </p:sp>
-      <p:grpSp>
-        <p:nvGrpSpPr>
-          <p:cNvPr id="73" name="Group 72">
-            <a:extLst>
-              <a:ext uri="{FF2B5EF4-FFF2-40B4-BE49-F238E27FC236}">
-                <a16:creationId xmlns:a16="http://schemas.microsoft.com/office/drawing/2014/main" id="{07EAA094-9CF6-4695-958A-33D9BCAA9474}"/>
-              </a:ext>
-              <a:ext uri="{C183D7F6-B498-43B3-948B-1728B52AA6E4}">
-                <adec:decorative xmlns:adec="http://schemas.microsoft.com/office/drawing/2017/decorative" val="1"/>
-              </a:ext>
-            </a:extLst>
-          </p:cNvPr>
-          <p:cNvGrpSpPr>
-            <a:grpSpLocks noGrp="1" noUngrp="1" noRot="1" noChangeAspect="1" noMove="1" noResize="1"/>
-          </p:cNvGrpSpPr>
-          <p:nvPr>
-            <p:extLst>
-              <p:ext uri="{386F3935-93C4-4BCD-93E2-E3B085C9AB24}">
-                <p16:designElem xmlns:p16="http://schemas.microsoft.com/office/powerpoint/2015/main" val="1"/>
-              </p:ext>
-            </p:extLst>
-          </p:nvPr>
-        </p:nvGrpSpPr>
-        <p:grpSpPr>
-          <a:xfrm>
-            <a:off x="11123132" y="713128"/>
-            <a:ext cx="1068867" cy="2126625"/>
-            <a:chOff x="10918968" y="713127"/>
-            <a:chExt cx="1273032" cy="2532832"/>
-          </a:xfrm>
-        </p:grpSpPr>
-        <p:sp>
-          <p:nvSpPr>
-            <p:cNvPr id="74" name="Rectangle 73">
-              <a:extLst>
-                <a:ext uri="{FF2B5EF4-FFF2-40B4-BE49-F238E27FC236}">
-                  <a16:creationId xmlns:a16="http://schemas.microsoft.com/office/drawing/2014/main" id="{2E80C965-DB6D-4F81-9E9E-B027384D0BD6}"/>
-                </a:ext>
-                <a:ext uri="{C183D7F6-B498-43B3-948B-1728B52AA6E4}">
-                  <adec:decorative xmlns:adec="http://schemas.microsoft.com/office/drawing/2017/decorative" val="1"/>
-                </a:ext>
-              </a:extLst>
-            </p:cNvPr>
-            <p:cNvSpPr/>
-            <p:nvPr>
-              <p:extLst>
-                <p:ext uri="{386F3935-93C4-4BCD-93E2-E3B085C9AB24}">
-                  <p16:designElem xmlns:p16="http://schemas.microsoft.com/office/powerpoint/2015/main" val="1"/>
-                </p:ext>
-              </p:extLst>
-            </p:nvPr>
-          </p:nvSpPr>
-          <p:spPr>
-            <a:xfrm rot="2700000">
-              <a:off x="11052629" y="2120024"/>
-              <a:ext cx="645368" cy="645368"/>
-            </a:xfrm>
-            <a:prstGeom prst="rect">
-              <a:avLst/>
-            </a:prstGeom>
-            <a:solidFill>
-              <a:schemeClr val="accent4">
-                <a:alpha val="30000"/>
-              </a:schemeClr>
-            </a:solidFill>
-            <a:ln>
-              <a:noFill/>
-            </a:ln>
-          </p:spPr>
-          <p:style>
-            <a:lnRef idx="2">
-              <a:schemeClr val="accent1">
-                <a:shade val="50000"/>
-              </a:schemeClr>
-            </a:lnRef>
-            <a:fillRef idx="1">
-              <a:schemeClr val="accent1"/>
-            </a:fillRef>
-            <a:effectRef idx="0">
-              <a:schemeClr val="accent1"/>
-            </a:effectRef>
-            <a:fontRef idx="minor">
-              <a:schemeClr val="lt1"/>
-            </a:fontRef>
-          </p:style>
-          <p:txBody>
-            <a:bodyPr rtlCol="0" anchor="ctr"/>
-            <a:lstStyle/>
-            <a:p>
-              <a:pPr algn="ctr"/>
-              <a:endParaRPr lang="en-US"/>
-            </a:p>
-          </p:txBody>
-        </p:sp>
-        <p:sp>
-          <p:nvSpPr>
-            <p:cNvPr id="75" name="Isosceles Triangle 74">
-              <a:extLst>
-                <a:ext uri="{FF2B5EF4-FFF2-40B4-BE49-F238E27FC236}">
-                  <a16:creationId xmlns:a16="http://schemas.microsoft.com/office/drawing/2014/main" id="{A580F890-B085-4E95-96AA-55AEBEC5CE6E}"/>
-                </a:ext>
-                <a:ext uri="{C183D7F6-B498-43B3-948B-1728B52AA6E4}">
-                  <adec:decorative xmlns:adec="http://schemas.microsoft.com/office/drawing/2017/decorative" val="1"/>
-                </a:ext>
-              </a:extLst>
-            </p:cNvPr>
-            <p:cNvSpPr/>
-            <p:nvPr>
-              <p:extLst>
-                <p:ext uri="{386F3935-93C4-4BCD-93E2-E3B085C9AB24}">
-                  <p16:designElem xmlns:p16="http://schemas.microsoft.com/office/powerpoint/2015/main" val="1"/>
-                </p:ext>
-              </p:extLst>
-            </p:nvPr>
-          </p:nvSpPr>
-          <p:spPr>
-            <a:xfrm rot="16200000">
-              <a:off x="10289068" y="1343027"/>
-              <a:ext cx="2532832" cy="1273032"/>
-            </a:xfrm>
-            <a:prstGeom prst="triangle">
-              <a:avLst>
-                <a:gd name="adj" fmla="val 50000"/>
-              </a:avLst>
-            </a:prstGeom>
-            <a:solidFill>
-              <a:schemeClr val="accent4">
-                <a:alpha val="30000"/>
-              </a:schemeClr>
-            </a:solidFill>
-            <a:ln>
-              <a:noFill/>
-            </a:ln>
-          </p:spPr>
-          <p:style>
-            <a:lnRef idx="2">
-              <a:schemeClr val="accent1">
-                <a:shade val="50000"/>
-              </a:schemeClr>
-            </a:lnRef>
-            <a:fillRef idx="1">
-              <a:schemeClr val="accent1"/>
-            </a:fillRef>
-            <a:effectRef idx="0">
-              <a:schemeClr val="accent1"/>
-            </a:effectRef>
-            <a:fontRef idx="minor">
-              <a:schemeClr val="lt1"/>
-            </a:fontRef>
-          </p:style>
-          <p:txBody>
-            <a:bodyPr rtlCol="0" anchor="ctr"/>
-            <a:lstStyle/>
-            <a:p>
-              <a:pPr algn="ctr"/>
-              <a:endParaRPr lang="en-US" dirty="0"/>
-            </a:p>
-          </p:txBody>
-        </p:sp>
-      </p:grpSp>
-      <p:sp>
-        <p:nvSpPr>
-          <p:cNvPr id="77" name="Isosceles Triangle 76">
-            <a:extLst>
-              <a:ext uri="{FF2B5EF4-FFF2-40B4-BE49-F238E27FC236}">
-                <a16:creationId xmlns:a16="http://schemas.microsoft.com/office/drawing/2014/main" id="{D3F51FEB-38FB-4F6C-9F7B-2F2AFAB65463}"/>
-              </a:ext>
-              <a:ext uri="{C183D7F6-B498-43B3-948B-1728B52AA6E4}">
-                <adec:decorative xmlns:adec="http://schemas.microsoft.com/office/drawing/2017/decorative" val="1"/>
-              </a:ext>
-            </a:extLst>
-          </p:cNvPr>
-          <p:cNvSpPr>
-            <a:spLocks noGrp="1" noRot="1" noChangeAspect="1" noMove="1" noResize="1" noEditPoints="1" noAdjustHandles="1" noChangeArrowheads="1" noChangeShapeType="1" noTextEdit="1"/>
-          </p:cNvSpPr>
-          <p:nvPr>
-            <p:extLst>
-              <p:ext uri="{386F3935-93C4-4BCD-93E2-E3B085C9AB24}">
-                <p16:designElem xmlns:p16="http://schemas.microsoft.com/office/powerpoint/2015/main" val="1"/>
-              </p:ext>
-            </p:extLst>
-          </p:nvPr>
-        </p:nvSpPr>
-        <p:spPr>
-          <a:xfrm rot="5400000">
-            <a:off x="-501760" y="5103257"/>
-            <a:ext cx="2017580" cy="1014060"/>
-          </a:xfrm>
-          <a:prstGeom prst="triangle">
-            <a:avLst>
-              <a:gd name="adj" fmla="val 50000"/>
-            </a:avLst>
-          </a:prstGeom>
-          <a:solidFill>
-            <a:schemeClr val="accent1">
-              <a:alpha val="30000"/>
-            </a:schemeClr>
-          </a:solidFill>
-          <a:ln>
-            <a:noFill/>
-          </a:ln>
-        </p:spPr>
-        <p:style>
-          <a:lnRef idx="2">
-            <a:schemeClr val="accent1">
-              <a:shade val="50000"/>
-            </a:schemeClr>
-          </a:lnRef>
-          <a:fillRef idx="1">
-            <a:schemeClr val="accent1"/>
-          </a:fillRef>
-          <a:effectRef idx="0">
-            <a:schemeClr val="accent1"/>
-          </a:effectRef>
-          <a:fontRef idx="minor">
-            <a:schemeClr val="lt1"/>
-          </a:fontRef>
-        </p:style>
-        <p:txBody>
-          <a:bodyPr rtlCol="0" anchor="ctr"/>
-          <a:lstStyle/>
-          <a:p>
-            <a:pPr algn="ctr"/>
-            <a:endParaRPr lang="en-US"/>
-          </a:p>
-        </p:txBody>
-      </p:sp>
-      <p:sp>
-        <p:nvSpPr>
-          <p:cNvPr id="79" name="Rectangle 78">
-            <a:extLst>
-              <a:ext uri="{FF2B5EF4-FFF2-40B4-BE49-F238E27FC236}">
-                <a16:creationId xmlns:a16="http://schemas.microsoft.com/office/drawing/2014/main" id="{1E547BA6-BAE0-43BB-A7CA-60F69CE252F0}"/>
-              </a:ext>
-              <a:ext uri="{C183D7F6-B498-43B3-948B-1728B52AA6E4}">
-                <adec:decorative xmlns:adec="http://schemas.microsoft.com/office/drawing/2017/decorative" val="1"/>
-              </a:ext>
-            </a:extLst>
-          </p:cNvPr>
-          <p:cNvSpPr>
-            <a:spLocks noGrp="1" noRot="1" noChangeAspect="1" noMove="1" noResize="1" noEditPoints="1" noAdjustHandles="1" noChangeArrowheads="1" noChangeShapeType="1" noTextEdit="1"/>
-          </p:cNvSpPr>
-          <p:nvPr>
-            <p:extLst>
-              <p:ext uri="{386F3935-93C4-4BCD-93E2-E3B085C9AB24}">
-                <p16:designElem xmlns:p16="http://schemas.microsoft.com/office/powerpoint/2015/main" val="1"/>
-              </p:ext>
-            </p:extLst>
-          </p:nvPr>
-        </p:nvSpPr>
-        <p:spPr>
-          <a:xfrm rot="2700000">
-            <a:off x="427916" y="5728708"/>
-            <a:ext cx="485578" cy="485578"/>
-          </a:xfrm>
-          <a:prstGeom prst="rect">
-            <a:avLst/>
-          </a:prstGeom>
-          <a:solidFill>
-            <a:schemeClr val="accent1">
-              <a:alpha val="30000"/>
-            </a:schemeClr>
-          </a:solidFill>
-          <a:ln>
-            <a:noFill/>
-          </a:ln>
-        </p:spPr>
-        <p:style>
-          <a:lnRef idx="2">
-            <a:schemeClr val="accent1">
-              <a:shade val="50000"/>
-            </a:schemeClr>
-          </a:lnRef>
-          <a:fillRef idx="1">
-            <a:schemeClr val="accent1"/>
-          </a:fillRef>
-          <a:effectRef idx="0">
-            <a:schemeClr val="accent1"/>
-          </a:effectRef>
-          <a:fontRef idx="minor">
-            <a:schemeClr val="lt1"/>
-          </a:fontRef>
-        </p:style>
-        <p:txBody>
-          <a:bodyPr rtlCol="0" anchor="ctr"/>
-          <a:lstStyle/>
-          <a:p>
-            <a:pPr algn="ctr"/>
-            <a:endParaRPr lang="en-US"/>
+              <a:t>(NHS finances outside the EU | The Health Foundation, 2021)</a:t>
+            </a:r>
           </a:p>
         </p:txBody>
       </p:sp>
@@ -12020,7 +12290,7 @@
           <p:cNvPr id="4" name="Footer Placeholder 3">
             <a:extLst>
               <a:ext uri="{FF2B5EF4-FFF2-40B4-BE49-F238E27FC236}">
-                <a16:creationId xmlns:a16="http://schemas.microsoft.com/office/drawing/2014/main" id="{59A9EA78-B92E-44D3-B952-2F261F9F0F54}"/>
+                <a16:creationId xmlns:a16="http://schemas.microsoft.com/office/drawing/2014/main" id="{B716EFB2-BFA0-4365-BD5C-41E5A20F2D92}"/>
               </a:ext>
             </a:extLst>
           </p:cNvPr>
@@ -12033,51 +12303,33 @@
         </p:nvSpPr>
         <p:spPr>
           <a:xfrm rot="16200000">
-            <a:off x="10306763" y="3246437"/>
-            <a:ext cx="3016781" cy="365125"/>
+            <a:off x="10297073" y="1091483"/>
+            <a:ext cx="3094383" cy="269738"/>
           </a:xfrm>
         </p:spPr>
         <p:txBody>
           <a:bodyPr>
-            <a:normAutofit/>
+            <a:normAutofit lnSpcReduction="10000"/>
           </a:bodyPr>
           <a:lstStyle/>
           <a:p>
-            <a:pPr marL="0" marR="0" lvl="0" indent="0" defTabSz="914400" rtl="0" eaLnBrk="1" fontAlgn="auto" latinLnBrk="0" hangingPunct="1">
-              <a:spcBef>
-                <a:spcPts val="0"/>
-              </a:spcBef>
+            <a:pPr>
               <a:spcAft>
                 <a:spcPts val="600"/>
               </a:spcAft>
-              <a:buClrTx/>
-              <a:buSzTx/>
-              <a:buFontTx/>
-              <a:buNone/>
-              <a:tabLst/>
-              <a:defRPr/>
             </a:pPr>
-            <a:r>
-              <a:rPr kumimoji="0" lang="en-GB" b="0" i="0" u="none" strike="noStrike" kern="1200" cap="none" spc="0" normalizeH="0" baseline="0" noProof="0" dirty="0">
-                <a:ln>
-                  <a:noFill/>
-                </a:ln>
-                <a:effectLst/>
-                <a:uLnTx/>
-                <a:uFillTx/>
-                <a:latin typeface="Calibri" panose="020F0502020204030204"/>
-                <a:ea typeface="+mn-ea"/>
-                <a:cs typeface="+mn-cs"/>
-              </a:rPr>
-              <a:t>Created by Tayo Alebiosu</a:t>
-            </a:r>
+            <a:endParaRPr lang="en-GB" dirty="0">
+              <a:solidFill>
+                <a:schemeClr val="bg1"/>
+              </a:solidFill>
+            </a:endParaRPr>
           </a:p>
         </p:txBody>
       </p:sp>
     </p:spTree>
     <p:extLst>
       <p:ext uri="{BB962C8B-B14F-4D97-AF65-F5344CB8AC3E}">
-        <p14:creationId xmlns:p14="http://schemas.microsoft.com/office/powerpoint/2010/main" val="698236168"/>
+        <p14:creationId xmlns:p14="http://schemas.microsoft.com/office/powerpoint/2010/main" val="3142056149"/>
       </p:ext>
     </p:extLst>
   </p:cSld>
@@ -12112,302 +12364,6 @@
           <a:chExt cx="0" cy="0"/>
         </a:xfrm>
       </p:grpSpPr>
-      <p:sp>
-        <p:nvSpPr>
-          <p:cNvPr id="2" name="Title 1">
-            <a:extLst>
-              <a:ext uri="{FF2B5EF4-FFF2-40B4-BE49-F238E27FC236}">
-                <a16:creationId xmlns:a16="http://schemas.microsoft.com/office/drawing/2014/main" id="{C764D752-826F-4F76-B7AE-EFA64894DFC6}"/>
-              </a:ext>
-            </a:extLst>
-          </p:cNvPr>
-          <p:cNvSpPr>
-            <a:spLocks noGrp="1"/>
-          </p:cNvSpPr>
-          <p:nvPr>
-            <p:ph type="title"/>
-          </p:nvPr>
-        </p:nvSpPr>
-        <p:spPr>
-          <a:xfrm>
-            <a:off x="1961322" y="2452698"/>
-            <a:ext cx="8786191" cy="976302"/>
-          </a:xfrm>
-        </p:spPr>
-        <p:txBody>
-          <a:bodyPr anchor="ctr">
-            <a:normAutofit fontScale="90000"/>
-          </a:bodyPr>
-          <a:lstStyle/>
-          <a:p>
-            <a:br>
-              <a:rPr lang="en-GB" sz="2800" b="1" i="1" dirty="0">
-                <a:latin typeface="Corbel" panose="020B0503020204020204" pitchFamily="34" charset="0"/>
-              </a:rPr>
-            </a:br>
-            <a:r>
-              <a:rPr lang="en-GB" sz="2800" b="1" i="1" dirty="0">
-                <a:latin typeface="Corbel" panose="020B0503020204020204" pitchFamily="34" charset="0"/>
-              </a:rPr>
-              <a:t>NHS finances outside the EU: </a:t>
-            </a:r>
-            <a:r>
-              <a:rPr lang="en-GB" sz="2800" b="1" i="1" dirty="0">
-                <a:solidFill>
-                  <a:srgbClr val="0070C0"/>
-                </a:solidFill>
-                <a:latin typeface="Corbel" panose="020B0503020204020204" pitchFamily="34" charset="0"/>
-              </a:rPr>
-              <a:t>Analysis of the impact on NHS finances of the UK leaving the European Union</a:t>
-            </a:r>
-            <a:br>
-              <a:rPr lang="en-GB" sz="2800" b="1" i="1" dirty="0">
-                <a:solidFill>
-                  <a:srgbClr val="0070C0"/>
-                </a:solidFill>
-                <a:latin typeface="Corbel" panose="020B0503020204020204" pitchFamily="34" charset="0"/>
-              </a:rPr>
-            </a:br>
-            <a:br>
-              <a:rPr lang="en-GB" sz="2000" i="1" dirty="0"/>
-            </a:br>
-            <a:endParaRPr lang="en-GB" sz="2000" i="1" dirty="0"/>
-          </a:p>
-        </p:txBody>
-      </p:sp>
-      <p:pic>
-        <p:nvPicPr>
-          <p:cNvPr id="9218" name="Picture 2" descr="Save the NHS money - our Top tips - Lose Weight with WAISTAWAY">
-            <a:extLst>
-              <a:ext uri="{FF2B5EF4-FFF2-40B4-BE49-F238E27FC236}">
-                <a16:creationId xmlns:a16="http://schemas.microsoft.com/office/drawing/2014/main" id="{B68958FF-A2B0-485A-B369-99D3C9298C04}"/>
-              </a:ext>
-            </a:extLst>
-          </p:cNvPr>
-          <p:cNvPicPr>
-            <a:picLocks noChangeAspect="1" noChangeArrowheads="1"/>
-          </p:cNvPicPr>
-          <p:nvPr/>
-        </p:nvPicPr>
-        <p:blipFill rotWithShape="1">
-          <a:blip r:embed="rId2">
-            <a:extLst>
-              <a:ext uri="{28A0092B-C50C-407E-A947-70E740481C1C}">
-                <a14:useLocalDpi xmlns:a14="http://schemas.microsoft.com/office/drawing/2010/main" val="0"/>
-              </a:ext>
-            </a:extLst>
-          </a:blip>
-          <a:srcRect t="46035" b="8199"/>
-          <a:stretch/>
-        </p:blipFill>
-        <p:spPr bwMode="auto">
-          <a:xfrm>
-            <a:off x="20" y="10"/>
-            <a:ext cx="12191980" cy="2452687"/>
-          </a:xfrm>
-          <a:custGeom>
-            <a:avLst/>
-            <a:gdLst/>
-            <a:ahLst/>
-            <a:cxnLst/>
-            <a:rect l="l" t="t" r="r" b="b"/>
-            <a:pathLst>
-              <a:path w="12192000" h="3692092">
-                <a:moveTo>
-                  <a:pt x="0" y="0"/>
-                </a:moveTo>
-                <a:lnTo>
-                  <a:pt x="12192000" y="0"/>
-                </a:lnTo>
-                <a:lnTo>
-                  <a:pt x="12192000" y="3504824"/>
-                </a:lnTo>
-                <a:lnTo>
-                  <a:pt x="12024691" y="3517794"/>
-                </a:lnTo>
-                <a:cubicBezTo>
-                  <a:pt x="8077523" y="3783195"/>
-                  <a:pt x="4094678" y="3026959"/>
-                  <a:pt x="160485" y="3663863"/>
-                </a:cubicBezTo>
-                <a:lnTo>
-                  <a:pt x="0" y="3692092"/>
-                </a:lnTo>
-                <a:close/>
-              </a:path>
-            </a:pathLst>
-          </a:custGeom>
-          <a:noFill/>
-          <a:extLst>
-            <a:ext uri="{909E8E84-426E-40DD-AFC4-6F175D3DCCD1}">
-              <a14:hiddenFill xmlns:a14="http://schemas.microsoft.com/office/drawing/2010/main">
-                <a:solidFill>
-                  <a:srgbClr val="FFFFFF"/>
-                </a:solidFill>
-              </a14:hiddenFill>
-            </a:ext>
-          </a:extLst>
-        </p:spPr>
-      </p:pic>
-      <p:sp>
-        <p:nvSpPr>
-          <p:cNvPr id="3" name="Content Placeholder 2">
-            <a:extLst>
-              <a:ext uri="{FF2B5EF4-FFF2-40B4-BE49-F238E27FC236}">
-                <a16:creationId xmlns:a16="http://schemas.microsoft.com/office/drawing/2014/main" id="{2B23B66B-B08F-44C9-93AC-CD85D52670BF}"/>
-              </a:ext>
-            </a:extLst>
-          </p:cNvPr>
-          <p:cNvSpPr>
-            <a:spLocks noGrp="1"/>
-          </p:cNvSpPr>
-          <p:nvPr>
-            <p:ph idx="1"/>
-          </p:nvPr>
-        </p:nvSpPr>
-        <p:spPr>
-          <a:xfrm>
-            <a:off x="172278" y="3428999"/>
-            <a:ext cx="11537117" cy="3292475"/>
-          </a:xfrm>
-        </p:spPr>
-        <p:txBody>
-          <a:bodyPr anchor="ctr">
-            <a:normAutofit fontScale="92500" lnSpcReduction="10000"/>
-          </a:bodyPr>
-          <a:lstStyle/>
-          <a:p>
-            <a:r>
-              <a:rPr lang="en-GB" sz="2400" dirty="0">
-                <a:latin typeface="Tw Cen MT" panose="020B0602020104020603" pitchFamily="34" charset="0"/>
-              </a:rPr>
-              <a:t>The NHS in England is already facing its worst ever financial challenge, following an unprecedented squeeze on funding for health and social care. At the end of the last financial year, health care providers reported a £2.5bn deficit, as 65% struggled to balance their books.</a:t>
-            </a:r>
-          </a:p>
-          <a:p>
-            <a:pPr marL="0" indent="0">
-              <a:buNone/>
-            </a:pPr>
-            <a:endParaRPr lang="en-GB" sz="2400" dirty="0">
-              <a:latin typeface="Tw Cen MT" panose="020B0602020104020603" pitchFamily="34" charset="0"/>
-            </a:endParaRPr>
-          </a:p>
-          <a:p>
-            <a:r>
-              <a:rPr lang="en-GB" sz="2400" dirty="0">
-                <a:latin typeface="Tw Cen MT" panose="020B0602020104020603" pitchFamily="34" charset="0"/>
-              </a:rPr>
-              <a:t>Factors including an ageing population and an increase in prevalence of chronic conditions mean that funding pressures are set to rise by around 4% a year over the next decade. </a:t>
-            </a:r>
-          </a:p>
-          <a:p>
-            <a:r>
-              <a:rPr lang="en-GB" sz="2400" dirty="0">
-                <a:latin typeface="Tw Cen MT" panose="020B0602020104020603" pitchFamily="34" charset="0"/>
-              </a:rPr>
-              <a:t>The Health Foundation projects that the NHS will face a funding shortfall of at least £16bn by 2030/31, even before considering the impact of leaving the EU.</a:t>
-            </a:r>
-          </a:p>
-          <a:p>
-            <a:r>
-              <a:rPr lang="en-GB" sz="2400" dirty="0">
-                <a:latin typeface="Tw Cen MT" panose="020B0602020104020603" pitchFamily="34" charset="0"/>
-              </a:rPr>
-              <a:t>This pose significant risks to NHS funding.</a:t>
-            </a:r>
-          </a:p>
-          <a:p>
-            <a:r>
-              <a:rPr lang="en-GB" sz="1000" dirty="0">
-                <a:latin typeface="Tw Cen MT" panose="020B0602020104020603" pitchFamily="34" charset="0"/>
-              </a:rPr>
-              <a:t>(NHS finances outside the EU | The Health Foundation, 2021)</a:t>
-            </a:r>
-          </a:p>
-        </p:txBody>
-      </p:sp>
-      <p:sp>
-        <p:nvSpPr>
-          <p:cNvPr id="4" name="Footer Placeholder 3">
-            <a:extLst>
-              <a:ext uri="{FF2B5EF4-FFF2-40B4-BE49-F238E27FC236}">
-                <a16:creationId xmlns:a16="http://schemas.microsoft.com/office/drawing/2014/main" id="{B716EFB2-BFA0-4365-BD5C-41E5A20F2D92}"/>
-              </a:ext>
-            </a:extLst>
-          </p:cNvPr>
-          <p:cNvSpPr>
-            <a:spLocks noGrp="1"/>
-          </p:cNvSpPr>
-          <p:nvPr>
-            <p:ph type="ftr" sz="quarter" idx="11"/>
-          </p:nvPr>
-        </p:nvSpPr>
-        <p:spPr>
-          <a:xfrm rot="16200000">
-            <a:off x="10297073" y="1091483"/>
-            <a:ext cx="3094383" cy="269738"/>
-          </a:xfrm>
-        </p:spPr>
-        <p:txBody>
-          <a:bodyPr>
-            <a:normAutofit lnSpcReduction="10000"/>
-          </a:bodyPr>
-          <a:lstStyle/>
-          <a:p>
-            <a:pPr>
-              <a:spcAft>
-                <a:spcPts val="600"/>
-              </a:spcAft>
-            </a:pPr>
-            <a:r>
-              <a:rPr lang="en-GB" dirty="0">
-                <a:solidFill>
-                  <a:schemeClr val="bg1"/>
-                </a:solidFill>
-              </a:rPr>
-              <a:t>Created by Tayo Alebiosu</a:t>
-            </a:r>
-          </a:p>
-        </p:txBody>
-      </p:sp>
-    </p:spTree>
-    <p:extLst>
-      <p:ext uri="{BB962C8B-B14F-4D97-AF65-F5344CB8AC3E}">
-        <p14:creationId xmlns:p14="http://schemas.microsoft.com/office/powerpoint/2010/main" val="3142056149"/>
-      </p:ext>
-    </p:extLst>
-  </p:cSld>
-  <p:clrMapOvr>
-    <a:masterClrMapping/>
-  </p:clrMapOvr>
-</p:sld>
-</file>
-
-<file path=ppt/slides/slide22.xml><?xml version="1.0" encoding="utf-8"?>
-<p:sld xmlns:a="http://schemas.openxmlformats.org/drawingml/2006/main" xmlns:r="http://schemas.openxmlformats.org/officeDocument/2006/relationships" xmlns:p="http://schemas.openxmlformats.org/presentationml/2006/main">
-  <p:cSld>
-    <p:bg>
-      <p:bgPr>
-        <a:solidFill>
-          <a:schemeClr val="bg1"/>
-        </a:solidFill>
-        <a:effectLst/>
-      </p:bgPr>
-    </p:bg>
-    <p:spTree>
-      <p:nvGrpSpPr>
-        <p:cNvPr id="1" name=""/>
-        <p:cNvGrpSpPr/>
-        <p:nvPr/>
-      </p:nvGrpSpPr>
-      <p:grpSpPr>
-        <a:xfrm>
-          <a:off x="0" y="0"/>
-          <a:ext cx="0" cy="0"/>
-          <a:chOff x="0" y="0"/>
-          <a:chExt cx="0" cy="0"/>
-        </a:xfrm>
-      </p:grpSpPr>
       <p:sp useBgFill="1">
         <p:nvSpPr>
           <p:cNvPr id="79" name="Rectangle 78">
@@ -12416,7 +12372,7 @@
                 <a16:creationId xmlns:a16="http://schemas.microsoft.com/office/drawing/2014/main" id="{D009D6D5-DAC2-4A8B-A17A-E206B9012D09}"/>
               </a:ext>
               <a:ext uri="{C183D7F6-B498-43B3-948B-1728B52AA6E4}">
-                <adec:decorative xmlns:adec="http://schemas.microsoft.com/office/drawing/2017/decorative" val="1"/>
+                <adec:decorative xmlns:adec="http://schemas.microsoft.com/office/drawing/2017/decorative" xmlns="" val="1"/>
               </a:ext>
             </a:extLst>
           </p:cNvPr>
@@ -12464,7 +12420,7 @@
           <a:lstStyle/>
           <a:p>
             <a:pPr algn="ctr"/>
-            <a:endParaRPr lang="en-US"/>
+            <a:endParaRPr lang="en-US" dirty="0"/>
           </a:p>
         </p:txBody>
       </p:sp>
@@ -12506,6 +12462,10 @@
               </a:rPr>
               <a:t>UK leaving the EU what it mean for funding of the NHS in England </a:t>
             </a:r>
+            <a:r>
+              <a:rPr lang="en-GB" sz="3100" b="1" dirty="0"/>
+              <a:t/>
+            </a:r>
             <a:br>
               <a:rPr lang="en-GB" sz="3100" b="1" dirty="0"/>
             </a:br>
@@ -12537,7 +12497,7 @@
         </p:spPr>
         <p:txBody>
           <a:bodyPr>
-            <a:normAutofit fontScale="32500" lnSpcReduction="20000"/>
+            <a:normAutofit fontScale="25000" lnSpcReduction="20000"/>
           </a:bodyPr>
           <a:lstStyle/>
           <a:p>
@@ -12547,17 +12507,29 @@
           </a:p>
           <a:p>
             <a:r>
-              <a:rPr lang="en-GB" sz="6000" dirty="0">
+              <a:rPr lang="en-GB" sz="9600" dirty="0">
                 <a:latin typeface="Tw Cen MT" panose="020B0602020104020603" pitchFamily="34" charset="0"/>
               </a:rPr>
-              <a:t>Leading economists are almost unanimous in concluding that leaving the EU will have a negative effect on the UK economy, which in turn will impact on public spending. This report concludes that it is difficult to see how the NHS can escape the consequences.</a:t>
+              <a:t>Leading economists are almost unanimous in concluding that leaving the EU will have a negative effect on the UK economy, which in turn will impact on public spending. This report </a:t>
+            </a:r>
+            <a:r>
+              <a:rPr lang="en-GB" sz="9600" dirty="0" smtClean="0">
+                <a:latin typeface="Tw Cen MT" panose="020B0602020104020603" pitchFamily="34" charset="0"/>
+              </a:rPr>
+              <a:t>concluded </a:t>
+            </a:r>
+            <a:r>
+              <a:rPr lang="en-GB" sz="9600" dirty="0">
+                <a:latin typeface="Tw Cen MT" panose="020B0602020104020603" pitchFamily="34" charset="0"/>
+              </a:rPr>
+              <a:t>that it is difficult to see how the NHS can escape the consequences.</a:t>
             </a:r>
           </a:p>
           <a:p>
             <a:pPr marL="0" indent="0">
               <a:buNone/>
             </a:pPr>
-            <a:endParaRPr lang="en-GB" sz="6000" dirty="0">
+            <a:endParaRPr lang="en-GB" sz="9600" dirty="0">
               <a:latin typeface="Tw Cen MT" panose="020B0602020104020603" pitchFamily="34" charset="0"/>
             </a:endParaRPr>
           </a:p>
@@ -12565,13 +12537,13 @@
             <a:pPr marL="0" indent="0">
               <a:buNone/>
             </a:pPr>
-            <a:endParaRPr lang="en-GB" sz="6000" dirty="0">
+            <a:endParaRPr lang="en-GB" sz="9600" dirty="0">
               <a:latin typeface="Tw Cen MT" panose="020B0602020104020603" pitchFamily="34" charset="0"/>
             </a:endParaRPr>
           </a:p>
           <a:p>
             <a:r>
-              <a:rPr lang="en-GB" sz="6000" dirty="0">
+              <a:rPr lang="en-GB" sz="9600" dirty="0">
                 <a:latin typeface="Tw Cen MT" panose="020B0602020104020603" pitchFamily="34" charset="0"/>
               </a:rPr>
               <a:t>The NHS budget could be £2.8bn lower than currently planned in 2019/20, if the government aims to balance the books overall. In the longer term, the NHS funding shortfall could be at least £19bn by 2030/31– equivalent to £365m a week – assuming the UK is able to join the European Economic Area. If this is not the case, the shortfall will potentially be as high as £28bn – which is £540m a week.</a:t>
@@ -13188,10 +13160,7 @@
                 <a:spcPts val="600"/>
               </a:spcAft>
             </a:pPr>
-            <a:r>
-              <a:rPr lang="en-GB"/>
-              <a:t>Created by Tayo Alebiosu</a:t>
-            </a:r>
+            <a:endParaRPr lang="en-GB" dirty="0"/>
           </a:p>
         </p:txBody>
       </p:sp>
@@ -13208,7 +13177,7 @@
 </p:sld>
 </file>
 
-<file path=ppt/slides/slide23.xml><?xml version="1.0" encoding="utf-8"?>
+<file path=ppt/slides/slide22.xml><?xml version="1.0" encoding="utf-8"?>
 <p:sld xmlns:a="http://schemas.openxmlformats.org/drawingml/2006/main" xmlns:r="http://schemas.openxmlformats.org/officeDocument/2006/relationships" xmlns:p="http://schemas.openxmlformats.org/presentationml/2006/main">
   <p:cSld>
     <p:bg>
@@ -13286,7 +13255,7 @@
                 <a16:creationId xmlns:a16="http://schemas.microsoft.com/office/drawing/2014/main" id="{86C7B4A1-154A-4DF0-AC46-F88D75A2E0FD}"/>
               </a:ext>
               <a:ext uri="{C183D7F6-B498-43B3-948B-1728B52AA6E4}">
-                <adec:decorative xmlns:adec="http://schemas.microsoft.com/office/drawing/2017/decorative" val="1"/>
+                <adec:decorative xmlns:adec="http://schemas.microsoft.com/office/drawing/2017/decorative" xmlns="" val="1"/>
               </a:ext>
             </a:extLst>
           </p:cNvPr>
@@ -13341,7 +13310,7 @@
           <a:lstStyle/>
           <a:p>
             <a:pPr algn="ctr"/>
-            <a:endParaRPr lang="en-US"/>
+            <a:endParaRPr lang="en-US" dirty="0"/>
           </a:p>
         </p:txBody>
       </p:sp>
@@ -13409,7 +13378,7 @@
         </p:spPr>
         <p:txBody>
           <a:bodyPr>
-            <a:normAutofit fontScale="62500" lnSpcReduction="20000"/>
+            <a:normAutofit fontScale="55000" lnSpcReduction="20000"/>
           </a:bodyPr>
           <a:lstStyle/>
           <a:p>
@@ -13531,14 +13500,11 @@
                 <a:spcPts val="600"/>
               </a:spcAft>
             </a:pPr>
-            <a:r>
-              <a:rPr lang="en-GB" dirty="0">
-                <a:solidFill>
-                  <a:schemeClr val="tx1"/>
-                </a:solidFill>
-              </a:rPr>
-              <a:t>Created by Tayo Alebiosu</a:t>
-            </a:r>
+            <a:endParaRPr lang="en-GB" dirty="0">
+              <a:solidFill>
+                <a:schemeClr val="tx1"/>
+              </a:solidFill>
+            </a:endParaRPr>
           </a:p>
         </p:txBody>
       </p:sp>
@@ -13555,1137 +13521,7 @@
 </p:sld>
 </file>
 
-<file path=ppt/slides/slide24.xml><?xml version="1.0" encoding="utf-8"?>
-<p:sld xmlns:a="http://schemas.openxmlformats.org/drawingml/2006/main" xmlns:r="http://schemas.openxmlformats.org/officeDocument/2006/relationships" xmlns:p="http://schemas.openxmlformats.org/presentationml/2006/main">
-  <p:cSld>
-    <p:bg>
-      <p:bgPr>
-        <a:solidFill>
-          <a:schemeClr val="bg1"/>
-        </a:solidFill>
-        <a:effectLst/>
-      </p:bgPr>
-    </p:bg>
-    <p:spTree>
-      <p:nvGrpSpPr>
-        <p:cNvPr id="1" name=""/>
-        <p:cNvGrpSpPr/>
-        <p:nvPr/>
-      </p:nvGrpSpPr>
-      <p:grpSpPr>
-        <a:xfrm>
-          <a:off x="0" y="0"/>
-          <a:ext cx="0" cy="0"/>
-          <a:chOff x="0" y="0"/>
-          <a:chExt cx="0" cy="0"/>
-        </a:xfrm>
-      </p:grpSpPr>
-      <p:sp useBgFill="1">
-        <p:nvSpPr>
-          <p:cNvPr id="9" name="Rectangle 8">
-            <a:extLst>
-              <a:ext uri="{FF2B5EF4-FFF2-40B4-BE49-F238E27FC236}">
-                <a16:creationId xmlns:a16="http://schemas.microsoft.com/office/drawing/2014/main" id="{EF666E30-6F0A-449A-BEC2-DF59127354DF}"/>
-              </a:ext>
-              <a:ext uri="{C183D7F6-B498-43B3-948B-1728B52AA6E4}">
-                <adec:decorative xmlns:adec="http://schemas.microsoft.com/office/drawing/2017/decorative" val="1"/>
-              </a:ext>
-            </a:extLst>
-          </p:cNvPr>
-          <p:cNvSpPr>
-            <a:spLocks noGrp="1" noRot="1" noChangeAspect="1" noMove="1" noResize="1" noEditPoints="1" noAdjustHandles="1" noChangeArrowheads="1" noChangeShapeType="1" noTextEdit="1"/>
-          </p:cNvSpPr>
-          <p:nvPr>
-            <p:extLst>
-              <p:ext uri="{386F3935-93C4-4BCD-93E2-E3B085C9AB24}">
-                <p16:designElem xmlns:p16="http://schemas.microsoft.com/office/powerpoint/2015/main" val="1"/>
-              </p:ext>
-            </p:extLst>
-          </p:nvPr>
-        </p:nvSpPr>
-        <p:spPr>
-          <a:xfrm>
-            <a:off x="0" y="0"/>
-            <a:ext cx="12192000" cy="6858000"/>
-          </a:xfrm>
-          <a:prstGeom prst="rect">
-            <a:avLst/>
-          </a:prstGeom>
-          <a:ln w="12700" cap="flat" cmpd="sng" algn="ctr">
-            <a:noFill/>
-            <a:prstDash val="solid"/>
-            <a:miter lim="800000"/>
-          </a:ln>
-          <a:effectLst/>
-        </p:spPr>
-        <p:style>
-          <a:lnRef idx="2">
-            <a:schemeClr val="accent1">
-              <a:shade val="50000"/>
-            </a:schemeClr>
-          </a:lnRef>
-          <a:fillRef idx="1">
-            <a:schemeClr val="accent1"/>
-          </a:fillRef>
-          <a:effectRef idx="0">
-            <a:schemeClr val="accent1"/>
-          </a:effectRef>
-          <a:fontRef idx="minor">
-            <a:schemeClr val="lt1"/>
-          </a:fontRef>
-        </p:style>
-        <p:txBody>
-          <a:bodyPr rtlCol="0" anchor="ctr"/>
-          <a:lstStyle/>
-          <a:p>
-            <a:pPr marL="0" marR="0" lvl="0" indent="0" algn="ctr" defTabSz="914400" rtl="0" eaLnBrk="1" fontAlgn="auto" latinLnBrk="0" hangingPunct="1">
-              <a:lnSpc>
-                <a:spcPct val="100000"/>
-              </a:lnSpc>
-              <a:spcBef>
-                <a:spcPts val="0"/>
-              </a:spcBef>
-              <a:spcAft>
-                <a:spcPts val="0"/>
-              </a:spcAft>
-              <a:buClrTx/>
-              <a:buSzTx/>
-              <a:buFontTx/>
-              <a:buNone/>
-              <a:tabLst/>
-              <a:defRPr/>
-            </a:pPr>
-            <a:endParaRPr kumimoji="0" lang="en-US" sz="1800" b="0" i="0" u="none" strike="noStrike" kern="1200" cap="none" spc="0" normalizeH="0" baseline="0" noProof="0">
-              <a:ln>
-                <a:noFill/>
-              </a:ln>
-              <a:solidFill>
-                <a:prstClr val="white"/>
-              </a:solidFill>
-              <a:effectLst/>
-              <a:uLnTx/>
-              <a:uFillTx/>
-              <a:latin typeface="Calibri" panose="020F0502020204030204"/>
-              <a:ea typeface="+mn-ea"/>
-              <a:cs typeface="+mn-cs"/>
-            </a:endParaRPr>
-          </a:p>
-        </p:txBody>
-      </p:sp>
-      <p:sp>
-        <p:nvSpPr>
-          <p:cNvPr id="11" name="Rectangle 10">
-            <a:extLst>
-              <a:ext uri="{FF2B5EF4-FFF2-40B4-BE49-F238E27FC236}">
-                <a16:creationId xmlns:a16="http://schemas.microsoft.com/office/drawing/2014/main" id="{CE3C5560-7A9C-489F-9148-18C5E1D0F0B2}"/>
-              </a:ext>
-              <a:ext uri="{C183D7F6-B498-43B3-948B-1728B52AA6E4}">
-                <adec:decorative xmlns:adec="http://schemas.microsoft.com/office/drawing/2017/decorative" val="1"/>
-              </a:ext>
-            </a:extLst>
-          </p:cNvPr>
-          <p:cNvSpPr>
-            <a:spLocks noGrp="1" noRot="1" noChangeAspect="1" noMove="1" noResize="1" noEditPoints="1" noAdjustHandles="1" noChangeArrowheads="1" noChangeShapeType="1" noTextEdit="1"/>
-          </p:cNvSpPr>
-          <p:nvPr>
-            <p:extLst>
-              <p:ext uri="{386F3935-93C4-4BCD-93E2-E3B085C9AB24}">
-                <p16:designElem xmlns:p16="http://schemas.microsoft.com/office/powerpoint/2015/main" val="1"/>
-              </p:ext>
-            </p:extLst>
-          </p:nvPr>
-        </p:nvSpPr>
-        <p:spPr>
-          <a:xfrm>
-            <a:off x="0" y="0"/>
-            <a:ext cx="12192000" cy="6858000"/>
-          </a:xfrm>
-          <a:prstGeom prst="rect">
-            <a:avLst/>
-          </a:prstGeom>
-          <a:gradFill flip="none" rotWithShape="1">
-            <a:gsLst>
-              <a:gs pos="0">
-                <a:schemeClr val="accent1"/>
-              </a:gs>
-              <a:gs pos="100000">
-                <a:schemeClr val="accent2"/>
-              </a:gs>
-            </a:gsLst>
-            <a:lin ang="2700000" scaled="1"/>
-            <a:tileRect/>
-          </a:gradFill>
-          <a:ln>
-            <a:noFill/>
-          </a:ln>
-        </p:spPr>
-        <p:style>
-          <a:lnRef idx="2">
-            <a:schemeClr val="accent1">
-              <a:shade val="50000"/>
-            </a:schemeClr>
-          </a:lnRef>
-          <a:fillRef idx="1">
-            <a:schemeClr val="accent1"/>
-          </a:fillRef>
-          <a:effectRef idx="0">
-            <a:schemeClr val="accent1"/>
-          </a:effectRef>
-          <a:fontRef idx="minor">
-            <a:schemeClr val="lt1"/>
-          </a:fontRef>
-        </p:style>
-        <p:txBody>
-          <a:bodyPr rtlCol="0" anchor="ctr"/>
-          <a:lstStyle/>
-          <a:p>
-            <a:pPr marL="0" marR="0" lvl="0" indent="0" algn="ctr" defTabSz="914400" rtl="0" eaLnBrk="1" fontAlgn="auto" latinLnBrk="0" hangingPunct="1">
-              <a:lnSpc>
-                <a:spcPct val="100000"/>
-              </a:lnSpc>
-              <a:spcBef>
-                <a:spcPts val="0"/>
-              </a:spcBef>
-              <a:spcAft>
-                <a:spcPts val="0"/>
-              </a:spcAft>
-              <a:buClrTx/>
-              <a:buSzTx/>
-              <a:buFontTx/>
-              <a:buNone/>
-              <a:tabLst/>
-              <a:defRPr/>
-            </a:pPr>
-            <a:endParaRPr kumimoji="0" lang="en-US" sz="1800" b="0" i="0" u="none" strike="noStrike" kern="1200" cap="none" spc="0" normalizeH="0" baseline="0" noProof="0">
-              <a:ln>
-                <a:noFill/>
-              </a:ln>
-              <a:solidFill>
-                <a:srgbClr val="FFFFFF"/>
-              </a:solidFill>
-              <a:effectLst/>
-              <a:uLnTx/>
-              <a:uFillTx/>
-              <a:latin typeface="Calibri" panose="020F0502020204030204"/>
-              <a:ea typeface="+mn-ea"/>
-              <a:cs typeface="+mn-cs"/>
-            </a:endParaRPr>
-          </a:p>
-        </p:txBody>
-      </p:sp>
-      <p:sp>
-        <p:nvSpPr>
-          <p:cNvPr id="2" name="Title 1">
-            <a:extLst>
-              <a:ext uri="{FF2B5EF4-FFF2-40B4-BE49-F238E27FC236}">
-                <a16:creationId xmlns:a16="http://schemas.microsoft.com/office/drawing/2014/main" id="{A69B6E86-5F09-49AE-B782-9918EA775F71}"/>
-              </a:ext>
-            </a:extLst>
-          </p:cNvPr>
-          <p:cNvSpPr>
-            <a:spLocks noGrp="1"/>
-          </p:cNvSpPr>
-          <p:nvPr>
-            <p:ph type="title"/>
-          </p:nvPr>
-        </p:nvSpPr>
-        <p:spPr>
-          <a:xfrm>
-            <a:off x="2938531" y="164268"/>
-            <a:ext cx="5309140" cy="1305618"/>
-          </a:xfrm>
-        </p:spPr>
-        <p:txBody>
-          <a:bodyPr vert="horz" lIns="91440" tIns="45720" rIns="91440" bIns="45720" rtlCol="0" anchor="b">
-            <a:normAutofit fontScale="90000"/>
-          </a:bodyPr>
-          <a:lstStyle/>
-          <a:p>
-            <a:r>
-              <a:rPr lang="en-US" sz="5600" dirty="0">
-                <a:solidFill>
-                  <a:srgbClr val="FFFFFF"/>
-                </a:solidFill>
-                <a:latin typeface="Candara" panose="020E0502030303020204" pitchFamily="34" charset="0"/>
-              </a:rPr>
-              <a:t>Assessment guide</a:t>
-            </a:r>
-          </a:p>
-        </p:txBody>
-      </p:sp>
-      <p:grpSp>
-        <p:nvGrpSpPr>
-          <p:cNvPr id="13" name="Group 12">
-            <a:extLst>
-              <a:ext uri="{FF2B5EF4-FFF2-40B4-BE49-F238E27FC236}">
-                <a16:creationId xmlns:a16="http://schemas.microsoft.com/office/drawing/2014/main" id="{F922E01E-AEA7-4E04-B3AF-10DE5CF279D1}"/>
-              </a:ext>
-              <a:ext uri="{C183D7F6-B498-43B3-948B-1728B52AA6E4}">
-                <adec:decorative xmlns:adec="http://schemas.microsoft.com/office/drawing/2017/decorative" val="1"/>
-              </a:ext>
-            </a:extLst>
-          </p:cNvPr>
-          <p:cNvGrpSpPr>
-            <a:grpSpLocks noGrp="1" noUngrp="1" noRot="1" noChangeAspect="1" noMove="1" noResize="1"/>
-          </p:cNvGrpSpPr>
-          <p:nvPr>
-            <p:extLst>
-              <p:ext uri="{386F3935-93C4-4BCD-93E2-E3B085C9AB24}">
-                <p16:designElem xmlns:p16="http://schemas.microsoft.com/office/powerpoint/2015/main" val="1"/>
-              </p:ext>
-            </p:extLst>
-          </p:nvPr>
-        </p:nvGrpSpPr>
-        <p:grpSpPr>
-          <a:xfrm>
-            <a:off x="653696" y="1606411"/>
-            <a:ext cx="465456" cy="581432"/>
-            <a:chOff x="653696" y="1606411"/>
-            <a:chExt cx="465456" cy="581432"/>
-          </a:xfrm>
-          <a:solidFill>
-            <a:srgbClr val="FFFFFF"/>
-          </a:solidFill>
-        </p:grpSpPr>
-        <p:sp>
-          <p:nvSpPr>
-            <p:cNvPr id="14" name="Graphic 13">
-              <a:extLst>
-                <a:ext uri="{FF2B5EF4-FFF2-40B4-BE49-F238E27FC236}">
-                  <a16:creationId xmlns:a16="http://schemas.microsoft.com/office/drawing/2014/main" id="{C5CB530E-515E-412C-9DF1-5F8FFBD6F383}"/>
-                </a:ext>
-                <a:ext uri="{C183D7F6-B498-43B3-948B-1728B52AA6E4}">
-                  <adec:decorative xmlns:adec="http://schemas.microsoft.com/office/drawing/2017/decorative" val="1"/>
-                </a:ext>
-              </a:extLst>
-            </p:cNvPr>
-            <p:cNvSpPr/>
-            <p:nvPr>
-              <p:extLst>
-                <p:ext uri="{386F3935-93C4-4BCD-93E2-E3B085C9AB24}">
-                  <p16:designElem xmlns:p16="http://schemas.microsoft.com/office/powerpoint/2015/main" val="1"/>
-                </p:ext>
-              </p:extLst>
-            </p:nvPr>
-          </p:nvSpPr>
-          <p:spPr>
-            <a:xfrm>
-              <a:off x="669236" y="1606411"/>
-              <a:ext cx="139038" cy="139038"/>
-            </a:xfrm>
-            <a:custGeom>
-              <a:avLst/>
-              <a:gdLst>
-                <a:gd name="connsiteX0" fmla="*/ 129601 w 139038"/>
-                <a:gd name="connsiteY0" fmla="*/ 60082 h 139038"/>
-                <a:gd name="connsiteX1" fmla="*/ 78956 w 139038"/>
-                <a:gd name="connsiteY1" fmla="*/ 60082 h 139038"/>
-                <a:gd name="connsiteX2" fmla="*/ 78956 w 139038"/>
-                <a:gd name="connsiteY2" fmla="*/ 9437 h 139038"/>
-                <a:gd name="connsiteX3" fmla="*/ 69519 w 139038"/>
-                <a:gd name="connsiteY3" fmla="*/ 0 h 139038"/>
-                <a:gd name="connsiteX4" fmla="*/ 60082 w 139038"/>
-                <a:gd name="connsiteY4" fmla="*/ 9437 h 139038"/>
-                <a:gd name="connsiteX5" fmla="*/ 60082 w 139038"/>
-                <a:gd name="connsiteY5" fmla="*/ 60082 h 139038"/>
-                <a:gd name="connsiteX6" fmla="*/ 9437 w 139038"/>
-                <a:gd name="connsiteY6" fmla="*/ 60082 h 139038"/>
-                <a:gd name="connsiteX7" fmla="*/ 0 w 139038"/>
-                <a:gd name="connsiteY7" fmla="*/ 69519 h 139038"/>
-                <a:gd name="connsiteX8" fmla="*/ 9437 w 139038"/>
-                <a:gd name="connsiteY8" fmla="*/ 78956 h 139038"/>
-                <a:gd name="connsiteX9" fmla="*/ 60082 w 139038"/>
-                <a:gd name="connsiteY9" fmla="*/ 78956 h 139038"/>
-                <a:gd name="connsiteX10" fmla="*/ 60082 w 139038"/>
-                <a:gd name="connsiteY10" fmla="*/ 129601 h 139038"/>
-                <a:gd name="connsiteX11" fmla="*/ 69519 w 139038"/>
-                <a:gd name="connsiteY11" fmla="*/ 139038 h 139038"/>
-                <a:gd name="connsiteX12" fmla="*/ 78956 w 139038"/>
-                <a:gd name="connsiteY12" fmla="*/ 129601 h 139038"/>
-                <a:gd name="connsiteX13" fmla="*/ 78956 w 139038"/>
-                <a:gd name="connsiteY13" fmla="*/ 78956 h 139038"/>
-                <a:gd name="connsiteX14" fmla="*/ 129601 w 139038"/>
-                <a:gd name="connsiteY14" fmla="*/ 78956 h 139038"/>
-                <a:gd name="connsiteX15" fmla="*/ 139038 w 139038"/>
-                <a:gd name="connsiteY15" fmla="*/ 69519 h 139038"/>
-                <a:gd name="connsiteX16" fmla="*/ 129601 w 139038"/>
-                <a:gd name="connsiteY16" fmla="*/ 60082 h 139038"/>
-              </a:gdLst>
-              <a:ahLst/>
-              <a:cxnLst>
-                <a:cxn ang="0">
-                  <a:pos x="connsiteX0" y="connsiteY0"/>
-                </a:cxn>
-                <a:cxn ang="0">
-                  <a:pos x="connsiteX1" y="connsiteY1"/>
-                </a:cxn>
-                <a:cxn ang="0">
-                  <a:pos x="connsiteX2" y="connsiteY2"/>
-                </a:cxn>
-                <a:cxn ang="0">
-                  <a:pos x="connsiteX3" y="connsiteY3"/>
-                </a:cxn>
-                <a:cxn ang="0">
-                  <a:pos x="connsiteX4" y="connsiteY4"/>
-                </a:cxn>
-                <a:cxn ang="0">
-                  <a:pos x="connsiteX5" y="connsiteY5"/>
-                </a:cxn>
-                <a:cxn ang="0">
-                  <a:pos x="connsiteX6" y="connsiteY6"/>
-                </a:cxn>
-                <a:cxn ang="0">
-                  <a:pos x="connsiteX7" y="connsiteY7"/>
-                </a:cxn>
-                <a:cxn ang="0">
-                  <a:pos x="connsiteX8" y="connsiteY8"/>
-                </a:cxn>
-                <a:cxn ang="0">
-                  <a:pos x="connsiteX9" y="connsiteY9"/>
-                </a:cxn>
-                <a:cxn ang="0">
-                  <a:pos x="connsiteX10" y="connsiteY10"/>
-                </a:cxn>
-                <a:cxn ang="0">
-                  <a:pos x="connsiteX11" y="connsiteY11"/>
-                </a:cxn>
-                <a:cxn ang="0">
-                  <a:pos x="connsiteX12" y="connsiteY12"/>
-                </a:cxn>
-                <a:cxn ang="0">
-                  <a:pos x="connsiteX13" y="connsiteY13"/>
-                </a:cxn>
-                <a:cxn ang="0">
-                  <a:pos x="connsiteX14" y="connsiteY14"/>
-                </a:cxn>
-                <a:cxn ang="0">
-                  <a:pos x="connsiteX15" y="connsiteY15"/>
-                </a:cxn>
-                <a:cxn ang="0">
-                  <a:pos x="connsiteX16" y="connsiteY16"/>
-                </a:cxn>
-              </a:cxnLst>
-              <a:rect l="l" t="t" r="r" b="b"/>
-              <a:pathLst>
-                <a:path w="139038" h="139038">
-                  <a:moveTo>
-                    <a:pt x="129601" y="60082"/>
-                  </a:moveTo>
-                  <a:lnTo>
-                    <a:pt x="78956" y="60082"/>
-                  </a:lnTo>
-                  <a:lnTo>
-                    <a:pt x="78956" y="9437"/>
-                  </a:lnTo>
-                  <a:cubicBezTo>
-                    <a:pt x="78956" y="4225"/>
-                    <a:pt x="74731" y="0"/>
-                    <a:pt x="69519" y="0"/>
-                  </a:cubicBezTo>
-                  <a:cubicBezTo>
-                    <a:pt x="64307" y="0"/>
-                    <a:pt x="60082" y="4225"/>
-                    <a:pt x="60082" y="9437"/>
-                  </a:cubicBezTo>
-                  <a:lnTo>
-                    <a:pt x="60082" y="60082"/>
-                  </a:lnTo>
-                  <a:lnTo>
-                    <a:pt x="9437" y="60082"/>
-                  </a:lnTo>
-                  <a:cubicBezTo>
-                    <a:pt x="4225" y="60082"/>
-                    <a:pt x="0" y="64307"/>
-                    <a:pt x="0" y="69519"/>
-                  </a:cubicBezTo>
-                  <a:cubicBezTo>
-                    <a:pt x="0" y="74731"/>
-                    <a:pt x="4225" y="78956"/>
-                    <a:pt x="9437" y="78956"/>
-                  </a:cubicBezTo>
-                  <a:lnTo>
-                    <a:pt x="60082" y="78956"/>
-                  </a:lnTo>
-                  <a:lnTo>
-                    <a:pt x="60082" y="129601"/>
-                  </a:lnTo>
-                  <a:cubicBezTo>
-                    <a:pt x="60082" y="134813"/>
-                    <a:pt x="64307" y="139038"/>
-                    <a:pt x="69519" y="139038"/>
-                  </a:cubicBezTo>
-                  <a:cubicBezTo>
-                    <a:pt x="74731" y="139038"/>
-                    <a:pt x="78956" y="134813"/>
-                    <a:pt x="78956" y="129601"/>
-                  </a:cubicBezTo>
-                  <a:lnTo>
-                    <a:pt x="78956" y="78956"/>
-                  </a:lnTo>
-                  <a:lnTo>
-                    <a:pt x="129601" y="78956"/>
-                  </a:lnTo>
-                  <a:cubicBezTo>
-                    <a:pt x="134813" y="78956"/>
-                    <a:pt x="139038" y="74731"/>
-                    <a:pt x="139038" y="69519"/>
-                  </a:cubicBezTo>
-                  <a:cubicBezTo>
-                    <a:pt x="139038" y="64307"/>
-                    <a:pt x="134813" y="60082"/>
-                    <a:pt x="129601" y="60082"/>
-                  </a:cubicBezTo>
-                  <a:close/>
-                </a:path>
-              </a:pathLst>
-            </a:custGeom>
-            <a:grpFill/>
-            <a:ln w="603" cap="flat">
-              <a:noFill/>
-              <a:prstDash val="solid"/>
-              <a:miter/>
-            </a:ln>
-          </p:spPr>
-          <p:txBody>
-            <a:bodyPr rtlCol="0" anchor="ctr"/>
-            <a:lstStyle/>
-            <a:p>
-              <a:pPr marL="0" marR="0" lvl="0" indent="0" algn="l" defTabSz="914400" rtl="0" eaLnBrk="1" fontAlgn="auto" latinLnBrk="0" hangingPunct="1">
-                <a:lnSpc>
-                  <a:spcPct val="100000"/>
-                </a:lnSpc>
-                <a:spcBef>
-                  <a:spcPts val="0"/>
-                </a:spcBef>
-                <a:spcAft>
-                  <a:spcPts val="0"/>
-                </a:spcAft>
-                <a:buClrTx/>
-                <a:buSzTx/>
-                <a:buFontTx/>
-                <a:buNone/>
-                <a:tabLst/>
-                <a:defRPr/>
-              </a:pPr>
-              <a:endParaRPr kumimoji="0" lang="en-US" sz="1800" b="0" i="0" u="none" strike="noStrike" kern="1200" cap="none" spc="0" normalizeH="0" baseline="0" noProof="0">
-                <a:ln>
-                  <a:noFill/>
-                </a:ln>
-                <a:solidFill>
-                  <a:srgbClr val="FFFFFF"/>
-                </a:solidFill>
-                <a:effectLst/>
-                <a:uLnTx/>
-                <a:uFillTx/>
-                <a:latin typeface="Calibri" panose="020F0502020204030204"/>
-                <a:ea typeface="+mn-ea"/>
-                <a:cs typeface="+mn-cs"/>
-              </a:endParaRPr>
-            </a:p>
-          </p:txBody>
-        </p:sp>
-        <p:sp>
-          <p:nvSpPr>
-            <p:cNvPr id="15" name="Graphic 12">
-              <a:extLst>
-                <a:ext uri="{FF2B5EF4-FFF2-40B4-BE49-F238E27FC236}">
-                  <a16:creationId xmlns:a16="http://schemas.microsoft.com/office/drawing/2014/main" id="{712D4376-A578-4FF1-94FC-245E7A6A489F}"/>
-                </a:ext>
-                <a:ext uri="{C183D7F6-B498-43B3-948B-1728B52AA6E4}">
-                  <adec:decorative xmlns:adec="http://schemas.microsoft.com/office/drawing/2017/decorative" val="1"/>
-                </a:ext>
-              </a:extLst>
-            </p:cNvPr>
-            <p:cNvSpPr/>
-            <p:nvPr>
-              <p:extLst>
-                <p:ext uri="{386F3935-93C4-4BCD-93E2-E3B085C9AB24}">
-                  <p16:designElem xmlns:p16="http://schemas.microsoft.com/office/powerpoint/2015/main" val="1"/>
-                </p:ext>
-              </p:extLst>
-            </p:nvPr>
-          </p:nvSpPr>
-          <p:spPr>
-            <a:xfrm>
-              <a:off x="1028014" y="1835705"/>
-              <a:ext cx="91138" cy="91138"/>
-            </a:xfrm>
-            <a:custGeom>
-              <a:avLst/>
-              <a:gdLst>
-                <a:gd name="connsiteX0" fmla="*/ 91138 w 91138"/>
-                <a:gd name="connsiteY0" fmla="*/ 45569 h 91138"/>
-                <a:gd name="connsiteX1" fmla="*/ 45569 w 91138"/>
-                <a:gd name="connsiteY1" fmla="*/ 91138 h 91138"/>
-                <a:gd name="connsiteX2" fmla="*/ 0 w 91138"/>
-                <a:gd name="connsiteY2" fmla="*/ 45569 h 91138"/>
-                <a:gd name="connsiteX3" fmla="*/ 45569 w 91138"/>
-                <a:gd name="connsiteY3" fmla="*/ 0 h 91138"/>
-                <a:gd name="connsiteX4" fmla="*/ 91138 w 91138"/>
-                <a:gd name="connsiteY4" fmla="*/ 45569 h 91138"/>
-              </a:gdLst>
-              <a:ahLst/>
-              <a:cxnLst>
-                <a:cxn ang="0">
-                  <a:pos x="connsiteX0" y="connsiteY0"/>
-                </a:cxn>
-                <a:cxn ang="0">
-                  <a:pos x="connsiteX1" y="connsiteY1"/>
-                </a:cxn>
-                <a:cxn ang="0">
-                  <a:pos x="connsiteX2" y="connsiteY2"/>
-                </a:cxn>
-                <a:cxn ang="0">
-                  <a:pos x="connsiteX3" y="connsiteY3"/>
-                </a:cxn>
-                <a:cxn ang="0">
-                  <a:pos x="connsiteX4" y="connsiteY4"/>
-                </a:cxn>
-              </a:cxnLst>
-              <a:rect l="l" t="t" r="r" b="b"/>
-              <a:pathLst>
-                <a:path w="91138" h="91138">
-                  <a:moveTo>
-                    <a:pt x="91138" y="45569"/>
-                  </a:moveTo>
-                  <a:cubicBezTo>
-                    <a:pt x="91138" y="70736"/>
-                    <a:pt x="70736" y="91138"/>
-                    <a:pt x="45569" y="91138"/>
-                  </a:cubicBezTo>
-                  <a:cubicBezTo>
-                    <a:pt x="20402" y="91138"/>
-                    <a:pt x="0" y="70736"/>
-                    <a:pt x="0" y="45569"/>
-                  </a:cubicBezTo>
-                  <a:cubicBezTo>
-                    <a:pt x="0" y="20402"/>
-                    <a:pt x="20402" y="0"/>
-                    <a:pt x="45569" y="0"/>
-                  </a:cubicBezTo>
-                  <a:cubicBezTo>
-                    <a:pt x="70736" y="0"/>
-                    <a:pt x="91138" y="20402"/>
-                    <a:pt x="91138" y="45569"/>
-                  </a:cubicBezTo>
-                  <a:close/>
-                </a:path>
-              </a:pathLst>
-            </a:custGeom>
-            <a:grpFill/>
-            <a:ln w="422" cap="flat">
-              <a:noFill/>
-              <a:prstDash val="solid"/>
-              <a:miter/>
-            </a:ln>
-          </p:spPr>
-          <p:txBody>
-            <a:bodyPr rtlCol="0" anchor="ctr"/>
-            <a:lstStyle/>
-            <a:p>
-              <a:pPr marL="0" marR="0" lvl="0" indent="0" algn="l" defTabSz="914400" rtl="0" eaLnBrk="1" fontAlgn="auto" latinLnBrk="0" hangingPunct="1">
-                <a:lnSpc>
-                  <a:spcPct val="100000"/>
-                </a:lnSpc>
-                <a:spcBef>
-                  <a:spcPts val="0"/>
-                </a:spcBef>
-                <a:spcAft>
-                  <a:spcPts val="0"/>
-                </a:spcAft>
-                <a:buClrTx/>
-                <a:buSzTx/>
-                <a:buFontTx/>
-                <a:buNone/>
-                <a:tabLst/>
-                <a:defRPr/>
-              </a:pPr>
-              <a:endParaRPr kumimoji="0" lang="en-US" sz="1800" b="0" i="0" u="none" strike="noStrike" kern="1200" cap="none" spc="0" normalizeH="0" baseline="0" noProof="0">
-                <a:ln>
-                  <a:noFill/>
-                </a:ln>
-                <a:solidFill>
-                  <a:srgbClr val="FFFFFF"/>
-                </a:solidFill>
-                <a:effectLst/>
-                <a:uLnTx/>
-                <a:uFillTx/>
-                <a:latin typeface="Calibri" panose="020F0502020204030204"/>
-                <a:ea typeface="+mn-ea"/>
-                <a:cs typeface="+mn-cs"/>
-              </a:endParaRPr>
-            </a:p>
-          </p:txBody>
-        </p:sp>
-        <p:sp>
-          <p:nvSpPr>
-            <p:cNvPr id="16" name="Graphic 15">
-              <a:extLst>
-                <a:ext uri="{FF2B5EF4-FFF2-40B4-BE49-F238E27FC236}">
-                  <a16:creationId xmlns:a16="http://schemas.microsoft.com/office/drawing/2014/main" id="{AEA7509D-F04F-40CB-A0B3-EEF16499CC9F}"/>
-                </a:ext>
-                <a:ext uri="{C183D7F6-B498-43B3-948B-1728B52AA6E4}">
-                  <adec:decorative xmlns:adec="http://schemas.microsoft.com/office/drawing/2017/decorative" val="1"/>
-                </a:ext>
-              </a:extLst>
-            </p:cNvPr>
-            <p:cNvSpPr/>
-            <p:nvPr>
-              <p:extLst>
-                <p:ext uri="{386F3935-93C4-4BCD-93E2-E3B085C9AB24}">
-                  <p16:designElem xmlns:p16="http://schemas.microsoft.com/office/powerpoint/2015/main" val="1"/>
-                </p:ext>
-              </p:extLst>
-            </p:nvPr>
-          </p:nvSpPr>
-          <p:spPr>
-            <a:xfrm>
-              <a:off x="653696" y="2060130"/>
-              <a:ext cx="127713" cy="127713"/>
-            </a:xfrm>
-            <a:custGeom>
-              <a:avLst/>
-              <a:gdLst>
-                <a:gd name="connsiteX0" fmla="*/ 63857 w 127713"/>
-                <a:gd name="connsiteY0" fmla="*/ 18874 h 127713"/>
-                <a:gd name="connsiteX1" fmla="*/ 108839 w 127713"/>
-                <a:gd name="connsiteY1" fmla="*/ 63857 h 127713"/>
-                <a:gd name="connsiteX2" fmla="*/ 63857 w 127713"/>
-                <a:gd name="connsiteY2" fmla="*/ 108839 h 127713"/>
-                <a:gd name="connsiteX3" fmla="*/ 18874 w 127713"/>
-                <a:gd name="connsiteY3" fmla="*/ 63857 h 127713"/>
-                <a:gd name="connsiteX4" fmla="*/ 63857 w 127713"/>
-                <a:gd name="connsiteY4" fmla="*/ 18874 h 127713"/>
-                <a:gd name="connsiteX5" fmla="*/ 63857 w 127713"/>
-                <a:gd name="connsiteY5" fmla="*/ 0 h 127713"/>
-                <a:gd name="connsiteX6" fmla="*/ 0 w 127713"/>
-                <a:gd name="connsiteY6" fmla="*/ 63857 h 127713"/>
-                <a:gd name="connsiteX7" fmla="*/ 63857 w 127713"/>
-                <a:gd name="connsiteY7" fmla="*/ 127713 h 127713"/>
-                <a:gd name="connsiteX8" fmla="*/ 127713 w 127713"/>
-                <a:gd name="connsiteY8" fmla="*/ 63857 h 127713"/>
-                <a:gd name="connsiteX9" fmla="*/ 63857 w 127713"/>
-                <a:gd name="connsiteY9" fmla="*/ 0 h 127713"/>
-              </a:gdLst>
-              <a:ahLst/>
-              <a:cxnLst>
-                <a:cxn ang="0">
-                  <a:pos x="connsiteX0" y="connsiteY0"/>
-                </a:cxn>
-                <a:cxn ang="0">
-                  <a:pos x="connsiteX1" y="connsiteY1"/>
-                </a:cxn>
-                <a:cxn ang="0">
-                  <a:pos x="connsiteX2" y="connsiteY2"/>
-                </a:cxn>
-                <a:cxn ang="0">
-                  <a:pos x="connsiteX3" y="connsiteY3"/>
-                </a:cxn>
-                <a:cxn ang="0">
-                  <a:pos x="connsiteX4" y="connsiteY4"/>
-                </a:cxn>
-                <a:cxn ang="0">
-                  <a:pos x="connsiteX5" y="connsiteY5"/>
-                </a:cxn>
-                <a:cxn ang="0">
-                  <a:pos x="connsiteX6" y="connsiteY6"/>
-                </a:cxn>
-                <a:cxn ang="0">
-                  <a:pos x="connsiteX7" y="connsiteY7"/>
-                </a:cxn>
-                <a:cxn ang="0">
-                  <a:pos x="connsiteX8" y="connsiteY8"/>
-                </a:cxn>
-                <a:cxn ang="0">
-                  <a:pos x="connsiteX9" y="connsiteY9"/>
-                </a:cxn>
-              </a:cxnLst>
-              <a:rect l="l" t="t" r="r" b="b"/>
-              <a:pathLst>
-                <a:path w="127713" h="127713">
-                  <a:moveTo>
-                    <a:pt x="63857" y="18874"/>
-                  </a:moveTo>
-                  <a:cubicBezTo>
-                    <a:pt x="88700" y="18874"/>
-                    <a:pt x="108839" y="39013"/>
-                    <a:pt x="108839" y="63857"/>
-                  </a:cubicBezTo>
-                  <a:cubicBezTo>
-                    <a:pt x="108839" y="88700"/>
-                    <a:pt x="88700" y="108839"/>
-                    <a:pt x="63857" y="108839"/>
-                  </a:cubicBezTo>
-                  <a:cubicBezTo>
-                    <a:pt x="39013" y="108839"/>
-                    <a:pt x="18874" y="88700"/>
-                    <a:pt x="18874" y="63857"/>
-                  </a:cubicBezTo>
-                  <a:cubicBezTo>
-                    <a:pt x="18898" y="39023"/>
-                    <a:pt x="39023" y="18898"/>
-                    <a:pt x="63857" y="18874"/>
-                  </a:cubicBezTo>
-                  <a:moveTo>
-                    <a:pt x="63857" y="0"/>
-                  </a:moveTo>
-                  <a:cubicBezTo>
-                    <a:pt x="28590" y="0"/>
-                    <a:pt x="0" y="28590"/>
-                    <a:pt x="0" y="63857"/>
-                  </a:cubicBezTo>
-                  <a:cubicBezTo>
-                    <a:pt x="0" y="99124"/>
-                    <a:pt x="28590" y="127713"/>
-                    <a:pt x="63857" y="127713"/>
-                  </a:cubicBezTo>
-                  <a:cubicBezTo>
-                    <a:pt x="99124" y="127713"/>
-                    <a:pt x="127713" y="99124"/>
-                    <a:pt x="127713" y="63857"/>
-                  </a:cubicBezTo>
-                  <a:cubicBezTo>
-                    <a:pt x="127713" y="28590"/>
-                    <a:pt x="99124" y="0"/>
-                    <a:pt x="63857" y="0"/>
-                  </a:cubicBezTo>
-                  <a:close/>
-                </a:path>
-              </a:pathLst>
-            </a:custGeom>
-            <a:grpFill/>
-            <a:ln w="610" cap="flat">
-              <a:noFill/>
-              <a:prstDash val="solid"/>
-              <a:miter/>
-            </a:ln>
-          </p:spPr>
-          <p:txBody>
-            <a:bodyPr rtlCol="0" anchor="ctr"/>
-            <a:lstStyle/>
-            <a:p>
-              <a:pPr marL="0" marR="0" lvl="0" indent="0" algn="l" defTabSz="914400" rtl="0" eaLnBrk="1" fontAlgn="auto" latinLnBrk="0" hangingPunct="1">
-                <a:lnSpc>
-                  <a:spcPct val="100000"/>
-                </a:lnSpc>
-                <a:spcBef>
-                  <a:spcPts val="0"/>
-                </a:spcBef>
-                <a:spcAft>
-                  <a:spcPts val="0"/>
-                </a:spcAft>
-                <a:buClrTx/>
-                <a:buSzTx/>
-                <a:buFontTx/>
-                <a:buNone/>
-                <a:tabLst/>
-                <a:defRPr/>
-              </a:pPr>
-              <a:endParaRPr kumimoji="0" lang="en-US" sz="1800" b="0" i="0" u="none" strike="noStrike" kern="1200" cap="none" spc="0" normalizeH="0" baseline="0" noProof="0">
-                <a:ln>
-                  <a:noFill/>
-                </a:ln>
-                <a:solidFill>
-                  <a:srgbClr val="FFFFFF"/>
-                </a:solidFill>
-                <a:effectLst/>
-                <a:uLnTx/>
-                <a:uFillTx/>
-                <a:latin typeface="Calibri" panose="020F0502020204030204"/>
-                <a:ea typeface="+mn-ea"/>
-                <a:cs typeface="+mn-cs"/>
-              </a:endParaRPr>
-            </a:p>
-          </p:txBody>
-        </p:sp>
-      </p:grpSp>
-      <p:cxnSp>
-        <p:nvCxnSpPr>
-          <p:cNvPr id="18" name="Straight Connector 17">
-            <a:extLst>
-              <a:ext uri="{FF2B5EF4-FFF2-40B4-BE49-F238E27FC236}">
-                <a16:creationId xmlns:a16="http://schemas.microsoft.com/office/drawing/2014/main" id="{56020367-4FD5-4596-8E10-C5F095CD8DBF}"/>
-              </a:ext>
-              <a:ext uri="{C183D7F6-B498-43B3-948B-1728B52AA6E4}">
-                <adec:decorative xmlns:adec="http://schemas.microsoft.com/office/drawing/2017/decorative" val="1"/>
-              </a:ext>
-            </a:extLst>
-          </p:cNvPr>
-          <p:cNvCxnSpPr>
-            <a:cxnSpLocks noGrp="1" noRot="1" noChangeAspect="1" noMove="1" noResize="1" noEditPoints="1" noAdjustHandles="1" noChangeArrowheads="1" noChangeShapeType="1"/>
-          </p:cNvCxnSpPr>
-          <p:nvPr>
-            <p:extLst>
-              <p:ext uri="{386F3935-93C4-4BCD-93E2-E3B085C9AB24}">
-                <p16:designElem xmlns:p16="http://schemas.microsoft.com/office/powerpoint/2015/main" val="1"/>
-              </p:ext>
-            </p:extLst>
-          </p:nvPr>
-        </p:nvCxnSpPr>
-        <p:spPr>
-          <a:xfrm>
-            <a:off x="1301262" y="3505200"/>
-            <a:ext cx="0" cy="3352800"/>
-          </a:xfrm>
-          <a:prstGeom prst="line">
-            <a:avLst/>
-          </a:prstGeom>
-          <a:ln w="25400" cap="sq">
-            <a:solidFill>
-              <a:srgbClr val="FFFFFF"/>
-            </a:solidFill>
-            <a:bevel/>
-          </a:ln>
-        </p:spPr>
-        <p:style>
-          <a:lnRef idx="1">
-            <a:schemeClr val="accent1"/>
-          </a:lnRef>
-          <a:fillRef idx="0">
-            <a:schemeClr val="accent1"/>
-          </a:fillRef>
-          <a:effectRef idx="0">
-            <a:schemeClr val="accent1"/>
-          </a:effectRef>
-          <a:fontRef idx="minor">
-            <a:schemeClr val="tx1"/>
-          </a:fontRef>
-        </p:style>
-      </p:cxnSp>
-      <p:pic>
-        <p:nvPicPr>
-          <p:cNvPr id="5" name="Picture 4">
-            <a:extLst>
-              <a:ext uri="{FF2B5EF4-FFF2-40B4-BE49-F238E27FC236}">
-                <a16:creationId xmlns:a16="http://schemas.microsoft.com/office/drawing/2014/main" id="{819E0EC4-4439-4499-ACD7-FC6FEBCC03D4}"/>
-              </a:ext>
-            </a:extLst>
-          </p:cNvPr>
-          <p:cNvPicPr>
-            <a:picLocks noChangeAspect="1"/>
-          </p:cNvPicPr>
-          <p:nvPr/>
-        </p:nvPicPr>
-        <p:blipFill rotWithShape="1">
-          <a:blip r:embed="rId2"/>
-          <a:srcRect l="30707" r="1" b="1"/>
-          <a:stretch/>
-        </p:blipFill>
-        <p:spPr>
-          <a:xfrm>
-            <a:off x="6740358" y="1606411"/>
-            <a:ext cx="5451642" cy="5251590"/>
-          </a:xfrm>
-          <a:custGeom>
-            <a:avLst/>
-            <a:gdLst/>
-            <a:ahLst/>
-            <a:cxnLst/>
-            <a:rect l="l" t="t" r="r" b="b"/>
-            <a:pathLst>
-              <a:path w="5923214" h="5705857">
-                <a:moveTo>
-                  <a:pt x="3612238" y="0"/>
-                </a:moveTo>
-                <a:cubicBezTo>
-                  <a:pt x="4485043" y="0"/>
-                  <a:pt x="5285549" y="309553"/>
-                  <a:pt x="5909957" y="824860"/>
-                </a:cubicBezTo>
-                <a:lnTo>
-                  <a:pt x="5923214" y="836909"/>
-                </a:lnTo>
-                <a:lnTo>
-                  <a:pt x="5923214" y="5705857"/>
-                </a:lnTo>
-                <a:lnTo>
-                  <a:pt x="672237" y="5705857"/>
-                </a:lnTo>
-                <a:lnTo>
-                  <a:pt x="616914" y="5631875"/>
-                </a:lnTo>
-                <a:cubicBezTo>
-                  <a:pt x="227427" y="5055358"/>
-                  <a:pt x="0" y="4360357"/>
-                  <a:pt x="0" y="3612238"/>
-                </a:cubicBezTo>
-                <a:cubicBezTo>
-                  <a:pt x="0" y="1617255"/>
-                  <a:pt x="1617255" y="0"/>
-                  <a:pt x="3612238" y="0"/>
-                </a:cubicBezTo>
-                <a:close/>
-              </a:path>
-            </a:pathLst>
-          </a:custGeom>
-        </p:spPr>
-      </p:pic>
-      <p:sp>
-        <p:nvSpPr>
-          <p:cNvPr id="4" name="Rectangle 3">
-            <a:extLst>
-              <a:ext uri="{FF2B5EF4-FFF2-40B4-BE49-F238E27FC236}">
-                <a16:creationId xmlns:a16="http://schemas.microsoft.com/office/drawing/2014/main" id="{79409A39-1525-4E25-98F4-624E342B93DF}"/>
-              </a:ext>
-            </a:extLst>
-          </p:cNvPr>
-          <p:cNvSpPr/>
-          <p:nvPr/>
-        </p:nvSpPr>
-        <p:spPr>
-          <a:xfrm rot="20960473">
-            <a:off x="6892915" y="3653453"/>
-            <a:ext cx="5429686" cy="830997"/>
-          </a:xfrm>
-          <a:prstGeom prst="rect">
-            <a:avLst/>
-          </a:prstGeom>
-        </p:spPr>
-        <p:txBody>
-          <a:bodyPr wrap="square">
-            <a:spAutoFit/>
-          </a:bodyPr>
-          <a:lstStyle/>
-          <a:p>
-            <a:pPr marL="0" marR="0" lvl="0" indent="0" algn="ctr" defTabSz="914400" rtl="0" eaLnBrk="1" fontAlgn="auto" latinLnBrk="0" hangingPunct="1">
-              <a:lnSpc>
-                <a:spcPct val="100000"/>
-              </a:lnSpc>
-              <a:spcBef>
-                <a:spcPts val="0"/>
-              </a:spcBef>
-              <a:spcAft>
-                <a:spcPts val="0"/>
-              </a:spcAft>
-              <a:buClrTx/>
-              <a:buSzTx/>
-              <a:buFontTx/>
-              <a:buNone/>
-              <a:tabLst/>
-              <a:defRPr/>
-            </a:pPr>
-            <a:r>
-              <a:rPr kumimoji="0" lang="en-GB" sz="2400" b="0" i="0" u="none" strike="noStrike" kern="1200" cap="none" spc="0" normalizeH="0" baseline="0" noProof="0" dirty="0">
-                <a:ln>
-                  <a:noFill/>
-                </a:ln>
-                <a:solidFill>
-                  <a:prstClr val="black"/>
-                </a:solidFill>
-                <a:effectLst/>
-                <a:uLnTx/>
-                <a:uFillTx/>
-                <a:latin typeface="Tw Cen MT" panose="020B0602020104020603" pitchFamily="34" charset="0"/>
-                <a:ea typeface="+mn-ea"/>
-                <a:cs typeface="+mn-cs"/>
-              </a:rPr>
-              <a:t>Open the assessment guide in word document</a:t>
-            </a:r>
-          </a:p>
-        </p:txBody>
-      </p:sp>
-      <p:sp>
-        <p:nvSpPr>
-          <p:cNvPr id="6" name="Footer Placeholder 5">
-            <a:extLst>
-              <a:ext uri="{FF2B5EF4-FFF2-40B4-BE49-F238E27FC236}">
-                <a16:creationId xmlns:a16="http://schemas.microsoft.com/office/drawing/2014/main" id="{F78B1FCE-4848-43E2-B40E-66F86D6C5309}"/>
-              </a:ext>
-            </a:extLst>
-          </p:cNvPr>
-          <p:cNvSpPr>
-            <a:spLocks noGrp="1"/>
-          </p:cNvSpPr>
-          <p:nvPr>
-            <p:ph type="ftr" sz="quarter" idx="11"/>
-          </p:nvPr>
-        </p:nvSpPr>
-        <p:spPr/>
-        <p:txBody>
-          <a:bodyPr/>
-          <a:lstStyle/>
-          <a:p>
-            <a:pPr marL="0" marR="0" lvl="0" indent="0" algn="ctr" defTabSz="914400" rtl="0" eaLnBrk="1" fontAlgn="auto" latinLnBrk="0" hangingPunct="1">
-              <a:lnSpc>
-                <a:spcPct val="100000"/>
-              </a:lnSpc>
-              <a:spcBef>
-                <a:spcPts val="0"/>
-              </a:spcBef>
-              <a:spcAft>
-                <a:spcPts val="0"/>
-              </a:spcAft>
-              <a:buClrTx/>
-              <a:buSzTx/>
-              <a:buFontTx/>
-              <a:buNone/>
-              <a:tabLst/>
-              <a:defRPr/>
-            </a:pPr>
-            <a:r>
-              <a:rPr kumimoji="0" lang="en-GB" sz="1200" b="0" i="0" u="none" strike="noStrike" kern="1200" cap="none" spc="0" normalizeH="0" baseline="0" noProof="0">
-                <a:ln>
-                  <a:noFill/>
-                </a:ln>
-                <a:solidFill>
-                  <a:prstClr val="black">
-                    <a:tint val="75000"/>
-                  </a:prstClr>
-                </a:solidFill>
-                <a:effectLst/>
-                <a:uLnTx/>
-                <a:uFillTx/>
-                <a:latin typeface="Calibri" panose="020F0502020204030204"/>
-                <a:ea typeface="+mn-ea"/>
-                <a:cs typeface="+mn-cs"/>
-              </a:rPr>
-              <a:t>Created by Tayo Alebiosu</a:t>
-            </a:r>
-          </a:p>
-        </p:txBody>
-      </p:sp>
-      <p:pic>
-        <p:nvPicPr>
-          <p:cNvPr id="21" name="Picture 20">
-            <a:extLst>
-              <a:ext uri="{FF2B5EF4-FFF2-40B4-BE49-F238E27FC236}">
-                <a16:creationId xmlns:a16="http://schemas.microsoft.com/office/drawing/2014/main" id="{8B0C0653-BD05-4A2A-9CB0-6B4915F93E9A}"/>
-              </a:ext>
-            </a:extLst>
-          </p:cNvPr>
-          <p:cNvPicPr/>
-          <p:nvPr/>
-        </p:nvPicPr>
-        <p:blipFill>
-          <a:blip r:embed="rId3"/>
-          <a:stretch>
-            <a:fillRect/>
-          </a:stretch>
-        </p:blipFill>
-        <p:spPr>
-          <a:xfrm>
-            <a:off x="2270750" y="2356802"/>
-            <a:ext cx="3500120" cy="4182110"/>
-          </a:xfrm>
-          <a:prstGeom prst="rect">
-            <a:avLst/>
-          </a:prstGeom>
-        </p:spPr>
-      </p:pic>
-    </p:spTree>
-    <p:extLst>
-      <p:ext uri="{BB962C8B-B14F-4D97-AF65-F5344CB8AC3E}">
-        <p14:creationId xmlns:p14="http://schemas.microsoft.com/office/powerpoint/2010/main" val="2742650801"/>
-      </p:ext>
-    </p:extLst>
-  </p:cSld>
-  <p:clrMapOvr>
-    <a:masterClrMapping/>
-  </p:clrMapOvr>
-</p:sld>
-</file>
-
-<file path=ppt/slides/slide25.xml><?xml version="1.0" encoding="utf-8"?>
+<file path=ppt/slides/slide23.xml><?xml version="1.0" encoding="utf-8"?>
 <p:sld xmlns:a="http://schemas.openxmlformats.org/drawingml/2006/main" xmlns:r="http://schemas.openxmlformats.org/officeDocument/2006/relationships" xmlns:p="http://schemas.openxmlformats.org/presentationml/2006/main">
   <p:cSld>
     <p:bg>
@@ -14718,7 +13554,7 @@
                 <a16:creationId xmlns:a16="http://schemas.microsoft.com/office/drawing/2014/main" id="{D4906370-1564-49FA-A802-58546B3922DC}"/>
               </a:ext>
               <a:ext uri="{C183D7F6-B498-43B3-948B-1728B52AA6E4}">
-                <adec:decorative xmlns:adec="http://schemas.microsoft.com/office/drawing/2017/decorative" val="1"/>
+                <adec:decorative xmlns:adec="http://schemas.microsoft.com/office/drawing/2017/decorative" xmlns="" val="1"/>
               </a:ext>
             </a:extLst>
           </p:cNvPr>
@@ -14785,7 +13621,7 @@
               <a:tabLst/>
               <a:defRPr/>
             </a:pPr>
-            <a:endParaRPr kumimoji="0" lang="en-US" sz="1800" b="0" i="0" u="none" strike="noStrike" kern="1200" cap="none" spc="0" normalizeH="0" baseline="0" noProof="0">
+            <a:endParaRPr kumimoji="0" lang="en-US" sz="1800" b="0" i="0" u="none" strike="noStrike" kern="1200" cap="none" spc="0" normalizeH="0" baseline="0" noProof="0" dirty="0">
               <a:ln>
                 <a:noFill/>
               </a:ln>
@@ -14841,7 +13677,7 @@
                 <a16:creationId xmlns:a16="http://schemas.microsoft.com/office/drawing/2014/main" id="{EF640709-BDFD-453B-B75D-6212E7A870BA}"/>
               </a:ext>
               <a:ext uri="{C183D7F6-B498-43B3-948B-1728B52AA6E4}">
-                <adec:decorative xmlns:adec="http://schemas.microsoft.com/office/drawing/2017/decorative" val="1"/>
+                <adec:decorative xmlns:adec="http://schemas.microsoft.com/office/drawing/2017/decorative" xmlns="" val="1"/>
               </a:ext>
             </a:extLst>
           </p:cNvPr>
@@ -14910,7 +13746,7 @@
               <a:tabLst/>
               <a:defRPr/>
             </a:pPr>
-            <a:endParaRPr kumimoji="0" lang="en-US" sz="1800" b="0" i="0" u="none" strike="noStrike" kern="1200" cap="none" spc="0" normalizeH="0" baseline="0" noProof="0">
+            <a:endParaRPr kumimoji="0" lang="en-US" sz="1800" b="0" i="0" u="none" strike="noStrike" kern="1200" cap="none" spc="0" normalizeH="0" baseline="0" noProof="0" dirty="0">
               <a:ln>
                 <a:noFill/>
               </a:ln>
@@ -14970,6 +13806,15 @@
               </a:rPr>
               <a:t>Reference</a:t>
             </a:r>
+            <a:r>
+              <a:rPr lang="en-US" sz="1600" b="1" dirty="0">
+                <a:solidFill>
+                  <a:srgbClr val="0070C0"/>
+                </a:solidFill>
+                <a:latin typeface="Tw Cen MT" panose="020B0602020104020603" pitchFamily="34" charset="0"/>
+              </a:rPr>
+              <a:t/>
+            </a:r>
             <a:br>
               <a:rPr lang="en-US" sz="1600" b="1" dirty="0">
                 <a:solidFill>
@@ -15001,11 +13846,23 @@
                 <a:latin typeface="Tw Cen MT" panose="020B0602020104020603" pitchFamily="34" charset="0"/>
               </a:rPr>
             </a:br>
+            <a:r>
+              <a:rPr lang="en-US" sz="1400" dirty="0">
+                <a:latin typeface="Tw Cen MT" panose="020B0602020104020603" pitchFamily="34" charset="0"/>
+              </a:rPr>
+              <a:t/>
+            </a:r>
             <a:br>
               <a:rPr lang="en-US" sz="1400" dirty="0">
                 <a:latin typeface="Tw Cen MT" panose="020B0602020104020603" pitchFamily="34" charset="0"/>
               </a:rPr>
             </a:br>
+            <a:r>
+              <a:rPr lang="en-US" sz="1400" dirty="0">
+                <a:latin typeface="Tw Cen MT" panose="020B0602020104020603" pitchFamily="34" charset="0"/>
+              </a:rPr>
+              <a:t/>
+            </a:r>
             <a:br>
               <a:rPr lang="en-US" sz="1400" dirty="0">
                 <a:latin typeface="Tw Cen MT" panose="020B0602020104020603" pitchFamily="34" charset="0"/>
@@ -15034,6 +13891,12 @@
                 <a:latin typeface="Tw Cen MT" panose="020B0602020104020603" pitchFamily="34" charset="0"/>
               </a:rPr>
             </a:br>
+            <a:r>
+              <a:rPr lang="en-US" sz="1400" dirty="0">
+                <a:latin typeface="Tw Cen MT" panose="020B0602020104020603" pitchFamily="34" charset="0"/>
+              </a:rPr>
+              <a:t/>
+            </a:r>
             <a:br>
               <a:rPr lang="en-US" sz="1400" dirty="0">
                 <a:latin typeface="Tw Cen MT" panose="020B0602020104020603" pitchFamily="34" charset="0"/>
@@ -15068,16 +13931,34 @@
               </a:rPr>
               <a:t>. [online] Available at: &lt;https://www.health.org.uk/publications/nhs-finances-outside-the-eu&gt; [Accessed 29 January 2021].</a:t>
             </a:r>
+            <a:r>
+              <a:rPr lang="en-US" sz="1400" dirty="0">
+                <a:latin typeface="Tw Cen MT" panose="020B0602020104020603" pitchFamily="34" charset="0"/>
+              </a:rPr>
+              <a:t/>
+            </a:r>
             <a:br>
               <a:rPr lang="en-US" sz="1400" dirty="0">
                 <a:latin typeface="Tw Cen MT" panose="020B0602020104020603" pitchFamily="34" charset="0"/>
               </a:rPr>
             </a:br>
+            <a:r>
+              <a:rPr lang="en-US" sz="1600" dirty="0">
+                <a:latin typeface="Tw Cen MT" panose="020B0602020104020603" pitchFamily="34" charset="0"/>
+              </a:rPr>
+              <a:t/>
+            </a:r>
             <a:br>
               <a:rPr lang="en-US" sz="1600" dirty="0">
                 <a:latin typeface="Tw Cen MT" panose="020B0602020104020603" pitchFamily="34" charset="0"/>
               </a:rPr>
             </a:br>
+            <a:r>
+              <a:rPr lang="en-US" sz="1400" dirty="0">
+                <a:latin typeface="Tw Cen MT" panose="020B0602020104020603" pitchFamily="34" charset="0"/>
+              </a:rPr>
+              <a:t/>
+            </a:r>
             <a:br>
               <a:rPr lang="en-US" sz="1400" dirty="0">
                 <a:latin typeface="Tw Cen MT" panose="020B0602020104020603" pitchFamily="34" charset="0"/>
@@ -15097,7 +13978,7 @@
                 <a16:creationId xmlns:a16="http://schemas.microsoft.com/office/drawing/2014/main" id="{B4019478-3FDC-438C-8848-1D7DA864AFC4}"/>
               </a:ext>
               <a:ext uri="{C183D7F6-B498-43B3-948B-1728B52AA6E4}">
-                <adec:decorative xmlns:adec="http://schemas.microsoft.com/office/drawing/2017/decorative" val="1"/>
+                <adec:decorative xmlns:adec="http://schemas.microsoft.com/office/drawing/2017/decorative" xmlns="" val="1"/>
               </a:ext>
             </a:extLst>
           </p:cNvPr>
@@ -15192,7 +14073,7 @@
                 <a16:creationId xmlns:a16="http://schemas.microsoft.com/office/drawing/2014/main" id="{FE406479-1D57-4209-B128-3C81746247C6}"/>
               </a:ext>
               <a:ext uri="{C183D7F6-B498-43B3-948B-1728B52AA6E4}">
-                <adec:decorative xmlns:adec="http://schemas.microsoft.com/office/drawing/2017/decorative" val="1"/>
+                <adec:decorative xmlns:adec="http://schemas.microsoft.com/office/drawing/2017/decorative" xmlns="" val="1"/>
               </a:ext>
             </a:extLst>
           </p:cNvPr>
@@ -15259,7 +14140,7 @@
               <a:tabLst/>
               <a:defRPr/>
             </a:pPr>
-            <a:endParaRPr kumimoji="0" lang="en-US" sz="1800" b="0" i="0" u="none" strike="noStrike" kern="1200" cap="none" spc="0" normalizeH="0" baseline="0" noProof="0">
+            <a:endParaRPr kumimoji="0" lang="en-US" sz="1800" b="0" i="0" u="none" strike="noStrike" kern="1200" cap="none" spc="0" normalizeH="0" baseline="0" noProof="0" dirty="0">
               <a:ln>
                 <a:noFill/>
               </a:ln>
@@ -15314,25 +14195,22 @@
               <a:tabLst/>
               <a:defRPr/>
             </a:pPr>
-            <a:r>
-              <a:rPr kumimoji="0" lang="en-GB" sz="1200" b="0" i="0" u="none" strike="noStrike" kern="1200" cap="none" spc="0" normalizeH="0" baseline="0" noProof="0">
-                <a:ln>
-                  <a:noFill/>
-                </a:ln>
-                <a:solidFill>
-                  <a:prstClr val="black">
-                    <a:tint val="75000"/>
-                  </a:prstClr>
-                </a:solidFill>
-                <a:effectLst/>
-                <a:uLnTx/>
-                <a:uFillTx/>
-                <a:latin typeface="Calibri" panose="020F0502020204030204"/>
-                <a:ea typeface="+mn-ea"/>
-                <a:cs typeface="+mn-cs"/>
-              </a:rPr>
-              <a:t>Created by Tayo Alebiosu</a:t>
-            </a:r>
+            <a:endParaRPr kumimoji="0" lang="en-GB" sz="1200" b="0" i="0" u="none" strike="noStrike" kern="1200" cap="none" spc="0" normalizeH="0" baseline="0" noProof="0" dirty="0">
+              <a:ln>
+                <a:noFill/>
+              </a:ln>
+              <a:solidFill>
+                <a:prstClr val="black">
+                  <a:tint val="75000"/>
+                </a:prstClr>
+              </a:solidFill>
+              <a:effectLst/>
+              <a:uLnTx/>
+              <a:uFillTx/>
+              <a:latin typeface="Calibri" panose="020F0502020204030204"/>
+              <a:ea typeface="+mn-ea"/>
+              <a:cs typeface="+mn-cs"/>
+            </a:endParaRPr>
           </a:p>
         </p:txBody>
       </p:sp>
@@ -15382,7 +14260,7 @@
                 <a16:creationId xmlns:a16="http://schemas.microsoft.com/office/drawing/2014/main" id="{327D73B4-9F5C-4A64-A179-51B9500CB8B5}"/>
               </a:ext>
               <a:ext uri="{C183D7F6-B498-43B3-948B-1728B52AA6E4}">
-                <adec:decorative xmlns:adec="http://schemas.microsoft.com/office/drawing/2017/decorative" val="1"/>
+                <adec:decorative xmlns:adec="http://schemas.microsoft.com/office/drawing/2017/decorative" xmlns="" val="1"/>
               </a:ext>
             </a:extLst>
           </p:cNvPr>
@@ -15430,7 +14308,7 @@
           <a:lstStyle/>
           <a:p>
             <a:pPr algn="ctr"/>
-            <a:endParaRPr lang="en-US"/>
+            <a:endParaRPr lang="en-US" dirty="0"/>
           </a:p>
         </p:txBody>
       </p:sp>
@@ -15442,7 +14320,7 @@
                 <a16:creationId xmlns:a16="http://schemas.microsoft.com/office/drawing/2014/main" id="{C1F06963-6374-4B48-844F-071A9BAAAE02}"/>
               </a:ext>
               <a:ext uri="{C183D7F6-B498-43B3-948B-1728B52AA6E4}">
-                <adec:decorative xmlns:adec="http://schemas.microsoft.com/office/drawing/2017/decorative" val="1"/>
+                <adec:decorative xmlns:adec="http://schemas.microsoft.com/office/drawing/2017/decorative" xmlns="" val="1"/>
               </a:ext>
             </a:extLst>
           </p:cNvPr>
@@ -15502,7 +14380,7 @@
           <a:lstStyle/>
           <a:p>
             <a:pPr algn="ctr"/>
-            <a:endParaRPr lang="en-US"/>
+            <a:endParaRPr lang="en-US" dirty="0"/>
           </a:p>
         </p:txBody>
       </p:sp>
@@ -15555,7 +14433,7 @@
                 <a16:creationId xmlns:a16="http://schemas.microsoft.com/office/drawing/2014/main" id="{6CB927A4-E432-4310-9CD5-E89FF5063179}"/>
               </a:ext>
               <a:ext uri="{C183D7F6-B498-43B3-948B-1728B52AA6E4}">
-                <adec:decorative xmlns:adec="http://schemas.microsoft.com/office/drawing/2017/decorative" val="1"/>
+                <adec:decorative xmlns:adec="http://schemas.microsoft.com/office/drawing/2017/decorative" xmlns="" val="1"/>
               </a:ext>
             </a:extLst>
           </p:cNvPr>
@@ -15754,7 +14632,7 @@
           <a:bodyPr rtlCol="0" anchor="ctr"/>
           <a:lstStyle/>
           <a:p>
-            <a:endParaRPr lang="en-US"/>
+            <a:endParaRPr lang="en-US" dirty="0"/>
           </a:p>
         </p:txBody>
       </p:sp>
@@ -15766,7 +14644,7 @@
                 <a16:creationId xmlns:a16="http://schemas.microsoft.com/office/drawing/2014/main" id="{1453BF6C-B012-48B7-B4E8-6D7AC7C27D02}"/>
               </a:ext>
               <a:ext uri="{C183D7F6-B498-43B3-948B-1728B52AA6E4}">
-                <adec:decorative xmlns:adec="http://schemas.microsoft.com/office/drawing/2017/decorative" val="1"/>
+                <adec:decorative xmlns:adec="http://schemas.microsoft.com/office/drawing/2017/decorative" xmlns="" val="1"/>
               </a:ext>
             </a:extLst>
           </p:cNvPr>
@@ -15909,7 +14787,7 @@
           <a:bodyPr rtlCol="0" anchor="ctr"/>
           <a:lstStyle/>
           <a:p>
-            <a:endParaRPr lang="en-US"/>
+            <a:endParaRPr lang="en-US" dirty="0"/>
           </a:p>
         </p:txBody>
       </p:sp>
@@ -16095,16 +14973,13 @@
                 <a:spcPts val="600"/>
               </a:spcAft>
             </a:pPr>
-            <a:r>
-              <a:rPr lang="en-GB">
-                <a:solidFill>
-                  <a:schemeClr val="tx1">
-                    <a:alpha val="60000"/>
-                  </a:schemeClr>
-                </a:solidFill>
-              </a:rPr>
-              <a:t>Created by Tayo Alebiosu</a:t>
-            </a:r>
+            <a:endParaRPr lang="en-GB" dirty="0">
+              <a:solidFill>
+                <a:schemeClr val="tx1">
+                  <a:alpha val="60000"/>
+                </a:schemeClr>
+              </a:solidFill>
+            </a:endParaRPr>
           </a:p>
         </p:txBody>
       </p:sp>
@@ -16116,7 +14991,7 @@
                 <a16:creationId xmlns:a16="http://schemas.microsoft.com/office/drawing/2014/main" id="{E3020543-B24B-4EC4-8FFC-8DD88EEA91A8}"/>
               </a:ext>
               <a:ext uri="{C183D7F6-B498-43B3-948B-1728B52AA6E4}">
-                <adec:decorative xmlns:adec="http://schemas.microsoft.com/office/drawing/2017/decorative" val="1"/>
+                <adec:decorative xmlns:adec="http://schemas.microsoft.com/office/drawing/2017/decorative" xmlns="" val="1"/>
               </a:ext>
             </a:extLst>
           </p:cNvPr>
@@ -16211,7 +15086,7 @@
           <a:bodyPr rtlCol="0" anchor="ctr"/>
           <a:lstStyle/>
           <a:p>
-            <a:endParaRPr lang="en-US"/>
+            <a:endParaRPr lang="en-US" dirty="0"/>
           </a:p>
         </p:txBody>
       </p:sp>
@@ -16223,7 +15098,7 @@
                 <a16:creationId xmlns:a16="http://schemas.microsoft.com/office/drawing/2014/main" id="{C49DA8F6-BCC1-4447-B54C-57856834B94B}"/>
               </a:ext>
               <a:ext uri="{C183D7F6-B498-43B3-948B-1728B52AA6E4}">
-                <adec:decorative xmlns:adec="http://schemas.microsoft.com/office/drawing/2017/decorative" val="1"/>
+                <adec:decorative xmlns:adec="http://schemas.microsoft.com/office/drawing/2017/decorative" xmlns="" val="1"/>
               </a:ext>
             </a:extLst>
           </p:cNvPr>
@@ -16323,7 +15198,7 @@
                 <a16:creationId xmlns:a16="http://schemas.microsoft.com/office/drawing/2014/main" id="{3488F6DB-AE81-4C8D-B1F2-045AB0C89A80}"/>
               </a:ext>
               <a:ext uri="{C183D7F6-B498-43B3-948B-1728B52AA6E4}">
-                <adec:decorative xmlns:adec="http://schemas.microsoft.com/office/drawing/2017/decorative" val="1"/>
+                <adec:decorative xmlns:adec="http://schemas.microsoft.com/office/drawing/2017/decorative" xmlns="" val="1"/>
               </a:ext>
             </a:extLst>
           </p:cNvPr>
@@ -16387,7 +15262,7 @@
               <a:tabLst/>
               <a:defRPr/>
             </a:pPr>
-            <a:endParaRPr kumimoji="0" lang="en-US" sz="1800" b="0" i="0" u="none" strike="noStrike" kern="1200" cap="none" spc="0" normalizeH="0" baseline="0" noProof="0">
+            <a:endParaRPr kumimoji="0" lang="en-US" sz="1800" b="0" i="0" u="none" strike="noStrike" kern="1200" cap="none" spc="0" normalizeH="0" baseline="0" noProof="0" dirty="0">
               <a:ln>
                 <a:noFill/>
               </a:ln>
@@ -16441,7 +15316,7 @@
                 <a16:creationId xmlns:a16="http://schemas.microsoft.com/office/drawing/2014/main" id="{721F817A-BF7E-440D-B296-66D86EDB067C}"/>
               </a:ext>
               <a:ext uri="{C183D7F6-B498-43B3-948B-1728B52AA6E4}">
-                <adec:decorative xmlns:adec="http://schemas.microsoft.com/office/drawing/2017/decorative" val="1"/>
+                <adec:decorative xmlns:adec="http://schemas.microsoft.com/office/drawing/2017/decorative" xmlns="" val="1"/>
               </a:ext>
             </a:extLst>
           </p:cNvPr>
@@ -18927,23 +17802,20 @@
               <a:tabLst/>
               <a:defRPr/>
             </a:pPr>
-            <a:r>
-              <a:rPr kumimoji="0" lang="en-GB" sz="1200" b="0" i="0" u="none" strike="noStrike" kern="1200" cap="none" spc="0" normalizeH="0" baseline="0" noProof="0" dirty="0">
-                <a:ln>
-                  <a:noFill/>
-                </a:ln>
-                <a:solidFill>
-                  <a:schemeClr val="bg1"/>
-                </a:solidFill>
-                <a:effectLst/>
-                <a:uLnTx/>
-                <a:uFillTx/>
-                <a:latin typeface="Calibri" panose="020F0502020204030204"/>
-                <a:ea typeface="+mn-ea"/>
-                <a:cs typeface="+mn-cs"/>
-              </a:rPr>
-              <a:t>Created by Tayo Alebiosu</a:t>
-            </a:r>
+            <a:endParaRPr kumimoji="0" lang="en-GB" sz="1200" b="0" i="0" u="none" strike="noStrike" kern="1200" cap="none" spc="0" normalizeH="0" baseline="0" noProof="0" dirty="0">
+              <a:ln>
+                <a:noFill/>
+              </a:ln>
+              <a:solidFill>
+                <a:schemeClr val="bg1"/>
+              </a:solidFill>
+              <a:effectLst/>
+              <a:uLnTx/>
+              <a:uFillTx/>
+              <a:latin typeface="Calibri" panose="020F0502020204030204"/>
+              <a:ea typeface="+mn-ea"/>
+              <a:cs typeface="+mn-cs"/>
+            </a:endParaRPr>
           </a:p>
         </p:txBody>
       </p:sp>
@@ -18993,7 +17865,7 @@
                 <a16:creationId xmlns:a16="http://schemas.microsoft.com/office/drawing/2014/main" id="{1AF9055A-9FD0-45AC-B6E5-2029CC5D0980}"/>
               </a:ext>
               <a:ext uri="{C183D7F6-B498-43B3-948B-1728B52AA6E4}">
-                <adec:decorative xmlns:adec="http://schemas.microsoft.com/office/drawing/2017/decorative" val="1"/>
+                <adec:decorative xmlns:adec="http://schemas.microsoft.com/office/drawing/2017/decorative" xmlns="" val="1"/>
               </a:ext>
             </a:extLst>
           </p:cNvPr>
@@ -19041,7 +17913,7 @@
           <a:lstStyle/>
           <a:p>
             <a:pPr algn="ctr"/>
-            <a:endParaRPr lang="en-US"/>
+            <a:endParaRPr lang="en-US" dirty="0"/>
           </a:p>
         </p:txBody>
       </p:sp>
@@ -19053,7 +17925,7 @@
                 <a16:creationId xmlns:a16="http://schemas.microsoft.com/office/drawing/2014/main" id="{740D8E28-91B5-42B0-9D6C-B777D8AD90C2}"/>
               </a:ext>
               <a:ext uri="{C183D7F6-B498-43B3-948B-1728B52AA6E4}">
-                <adec:decorative xmlns:adec="http://schemas.microsoft.com/office/drawing/2017/decorative" val="1"/>
+                <adec:decorative xmlns:adec="http://schemas.microsoft.com/office/drawing/2017/decorative" xmlns="" val="1"/>
               </a:ext>
             </a:extLst>
           </p:cNvPr>
@@ -20254,7 +19126,7 @@
           <a:lstStyle/>
           <a:p>
             <a:pPr algn="ctr"/>
-            <a:endParaRPr lang="en-US"/>
+            <a:endParaRPr lang="en-US" dirty="0"/>
           </a:p>
         </p:txBody>
       </p:sp>
@@ -20266,7 +19138,7 @@
                 <a16:creationId xmlns:a16="http://schemas.microsoft.com/office/drawing/2014/main" id="{DC85BF5E-2BD6-4E5B-8EA3-420B45BB03FA}"/>
               </a:ext>
               <a:ext uri="{C183D7F6-B498-43B3-948B-1728B52AA6E4}">
-                <adec:decorative xmlns:adec="http://schemas.microsoft.com/office/drawing/2017/decorative" val="1"/>
+                <adec:decorative xmlns:adec="http://schemas.microsoft.com/office/drawing/2017/decorative" xmlns="" val="1"/>
               </a:ext>
             </a:extLst>
           </p:cNvPr>
@@ -21486,7 +20358,7 @@
           <a:lstStyle/>
           <a:p>
             <a:r>
-              <a:rPr lang="en-GB">
+              <a:rPr lang="en-GB" dirty="0">
                 <a:latin typeface="Candara" panose="020E0502030303020204" pitchFamily="34" charset="0"/>
               </a:rPr>
               <a:t>Assessment guide</a:t>
@@ -21494,36 +20366,6 @@
           </a:p>
         </p:txBody>
       </p:sp>
-      <p:pic>
-        <p:nvPicPr>
-          <p:cNvPr id="5" name="Picture 4">
-            <a:extLst>
-              <a:ext uri="{FF2B5EF4-FFF2-40B4-BE49-F238E27FC236}">
-                <a16:creationId xmlns:a16="http://schemas.microsoft.com/office/drawing/2014/main" id="{8B0C0653-BD05-4A2A-9CB0-6B4915F93E9A}"/>
-              </a:ext>
-            </a:extLst>
-          </p:cNvPr>
-          <p:cNvPicPr>
-            <a:picLocks noChangeAspect="1"/>
-          </p:cNvPicPr>
-          <p:nvPr/>
-        </p:nvPicPr>
-        <p:blipFill>
-          <a:blip r:embed="rId2"/>
-          <a:stretch>
-            <a:fillRect/>
-          </a:stretch>
-        </p:blipFill>
-        <p:spPr>
-          <a:xfrm>
-            <a:off x="766762" y="1190662"/>
-            <a:ext cx="2872521" cy="4476675"/>
-          </a:xfrm>
-          <a:prstGeom prst="rect">
-            <a:avLst/>
-          </a:prstGeom>
-        </p:spPr>
-      </p:pic>
       <p:pic>
         <p:nvPicPr>
           <p:cNvPr id="20" name="Picture 19">
@@ -21539,7 +20381,7 @@
           <p:nvPr/>
         </p:nvPicPr>
         <p:blipFill rotWithShape="1">
-          <a:blip r:embed="rId3"/>
+          <a:blip r:embed="rId2"/>
           <a:srcRect l="40150" r="12589" b="-1"/>
           <a:stretch/>
         </p:blipFill>
@@ -21585,7 +20427,7 @@
               <a:buNone/>
             </a:pPr>
             <a:r>
-              <a:rPr lang="en-GB" sz="2000">
+              <a:rPr lang="en-GB" sz="2000" dirty="0">
                 <a:solidFill>
                   <a:schemeClr val="tx1">
                     <a:alpha val="60000"/>
@@ -21596,7 +20438,7 @@
             </a:r>
           </a:p>
           <a:p>
-            <a:endParaRPr lang="en-GB" sz="2000">
+            <a:endParaRPr lang="en-GB" sz="2000" dirty="0">
               <a:solidFill>
                 <a:schemeClr val="tx1">
                   <a:alpha val="60000"/>
@@ -21648,25 +20490,22 @@
               <a:tabLst/>
               <a:defRPr/>
             </a:pPr>
-            <a:r>
-              <a:rPr kumimoji="0" lang="en-GB" b="0" i="0" u="none" strike="noStrike" kern="1200" cap="none" spc="0" normalizeH="0" baseline="0" noProof="0">
-                <a:ln>
-                  <a:noFill/>
-                </a:ln>
-                <a:solidFill>
-                  <a:srgbClr val="000000">
-                    <a:alpha val="60000"/>
-                  </a:srgbClr>
-                </a:solidFill>
-                <a:effectLst/>
-                <a:uLnTx/>
-                <a:uFillTx/>
-                <a:latin typeface="Calibri" panose="020F0502020204030204"/>
-                <a:ea typeface="+mn-ea"/>
-                <a:cs typeface="+mn-cs"/>
-              </a:rPr>
-              <a:t>Created by Tayo Alebiosu</a:t>
-            </a:r>
+            <a:endParaRPr kumimoji="0" lang="en-GB" b="0" i="0" u="none" strike="noStrike" kern="1200" cap="none" spc="0" normalizeH="0" baseline="0" noProof="0" dirty="0">
+              <a:ln>
+                <a:noFill/>
+              </a:ln>
+              <a:solidFill>
+                <a:srgbClr val="000000">
+                  <a:alpha val="60000"/>
+                </a:srgbClr>
+              </a:solidFill>
+              <a:effectLst/>
+              <a:uLnTx/>
+              <a:uFillTx/>
+              <a:latin typeface="Calibri" panose="020F0502020204030204"/>
+              <a:ea typeface="+mn-ea"/>
+              <a:cs typeface="+mn-cs"/>
+            </a:endParaRPr>
           </a:p>
         </p:txBody>
       </p:sp>
@@ -21716,7 +20555,7 @@
                 <a16:creationId xmlns:a16="http://schemas.microsoft.com/office/drawing/2014/main" id="{76EFD3D9-44F0-4267-BCC1-1613E79D8274}"/>
               </a:ext>
               <a:ext uri="{C183D7F6-B498-43B3-948B-1728B52AA6E4}">
-                <adec:decorative xmlns:adec="http://schemas.microsoft.com/office/drawing/2017/decorative" val="1"/>
+                <adec:decorative xmlns:adec="http://schemas.microsoft.com/office/drawing/2017/decorative" xmlns="" val="1"/>
               </a:ext>
             </a:extLst>
           </p:cNvPr>
@@ -21764,7 +20603,7 @@
           <a:lstStyle/>
           <a:p>
             <a:pPr algn="ctr"/>
-            <a:endParaRPr lang="en-US"/>
+            <a:endParaRPr lang="en-US" dirty="0"/>
           </a:p>
         </p:txBody>
       </p:sp>
@@ -21776,7 +20615,7 @@
                 <a16:creationId xmlns:a16="http://schemas.microsoft.com/office/drawing/2014/main" id="{A779A851-95D6-41AF-937A-B0E4B7F6FA8D}"/>
               </a:ext>
               <a:ext uri="{C183D7F6-B498-43B3-948B-1728B52AA6E4}">
-                <adec:decorative xmlns:adec="http://schemas.microsoft.com/office/drawing/2017/decorative" val="1"/>
+                <adec:decorative xmlns:adec="http://schemas.microsoft.com/office/drawing/2017/decorative" xmlns="" val="1"/>
               </a:ext>
             </a:extLst>
           </p:cNvPr>
@@ -21867,7 +20706,7 @@
           </a:bodyPr>
           <a:lstStyle/>
           <a:p>
-            <a:endParaRPr lang="en-US"/>
+            <a:endParaRPr lang="en-US" dirty="0"/>
           </a:p>
         </p:txBody>
       </p:sp>
@@ -21879,7 +20718,7 @@
                 <a16:creationId xmlns:a16="http://schemas.microsoft.com/office/drawing/2014/main" id="{953FB2E7-B6CB-429C-81EB-D9516D6D5C8D}"/>
               </a:ext>
               <a:ext uri="{C183D7F6-B498-43B3-948B-1728B52AA6E4}">
-                <adec:decorative xmlns:adec="http://schemas.microsoft.com/office/drawing/2017/decorative" val="1"/>
+                <adec:decorative xmlns:adec="http://schemas.microsoft.com/office/drawing/2017/decorative" xmlns="" val="1"/>
               </a:ext>
             </a:extLst>
           </p:cNvPr>
@@ -21970,7 +20809,7 @@
           </a:bodyPr>
           <a:lstStyle/>
           <a:p>
-            <a:endParaRPr lang="en-US"/>
+            <a:endParaRPr lang="en-US" dirty="0"/>
           </a:p>
         </p:txBody>
       </p:sp>
@@ -21982,7 +20821,7 @@
                 <a16:creationId xmlns:a16="http://schemas.microsoft.com/office/drawing/2014/main" id="{2EC40DB1-B719-4A13-9A4D-0966B4B27866}"/>
               </a:ext>
               <a:ext uri="{C183D7F6-B498-43B3-948B-1728B52AA6E4}">
-                <adec:decorative xmlns:adec="http://schemas.microsoft.com/office/drawing/2017/decorative" val="1"/>
+                <adec:decorative xmlns:adec="http://schemas.microsoft.com/office/drawing/2017/decorative" xmlns="" val="1"/>
               </a:ext>
             </a:extLst>
           </p:cNvPr>
@@ -22080,7 +20919,7 @@
           <a:lstStyle/>
           <a:p>
             <a:pPr algn="ctr"/>
-            <a:endParaRPr lang="en-US"/>
+            <a:endParaRPr lang="en-US" dirty="0"/>
           </a:p>
         </p:txBody>
       </p:sp>
@@ -22113,7 +20952,7 @@
           <a:lstStyle/>
           <a:p>
             <a:r>
-              <a:rPr lang="en-GB" sz="3600" b="1">
+              <a:rPr lang="en-GB" sz="3600" b="1" dirty="0">
                 <a:solidFill>
                   <a:srgbClr val="FFFFFF"/>
                 </a:solidFill>
@@ -22121,12 +20960,6 @@
               </a:rPr>
               <a:t>Learning outcomes of today’s lesson-(Week two)</a:t>
             </a:r>
-            <a:endParaRPr lang="en-GB" sz="3600" b="1" dirty="0">
-              <a:solidFill>
-                <a:srgbClr val="FFFFFF"/>
-              </a:solidFill>
-              <a:latin typeface="Candara" panose="020E0502030303020204" pitchFamily="34" charset="0"/>
-            </a:endParaRPr>
           </a:p>
         </p:txBody>
       </p:sp>
@@ -22138,7 +20971,7 @@
                 <a16:creationId xmlns:a16="http://schemas.microsoft.com/office/drawing/2014/main" id="{82211336-CFF3-412D-868A-6679C1004C45}"/>
               </a:ext>
               <a:ext uri="{C183D7F6-B498-43B3-948B-1728B52AA6E4}">
-                <adec:decorative xmlns:adec="http://schemas.microsoft.com/office/drawing/2017/decorative" val="1"/>
+                <adec:decorative xmlns:adec="http://schemas.microsoft.com/office/drawing/2017/decorative" xmlns="" val="1"/>
               </a:ext>
             </a:extLst>
           </p:cNvPr>
@@ -22176,7 +21009,7 @@
           </a:bodyPr>
           <a:lstStyle/>
           <a:p>
-            <a:endParaRPr lang="en-US"/>
+            <a:endParaRPr lang="en-US" dirty="0"/>
           </a:p>
         </p:txBody>
       </p:sp>
@@ -22204,7 +21037,7 @@
         </p:spPr>
         <p:txBody>
           <a:bodyPr anchor="ctr">
-            <a:normAutofit fontScale="92500"/>
+            <a:normAutofit fontScale="92500" lnSpcReduction="10000"/>
           </a:bodyPr>
           <a:lstStyle/>
           <a:p>
@@ -22370,20 +21203,17 @@
               <a:tabLst/>
               <a:defRPr/>
             </a:pPr>
-            <a:r>
-              <a:rPr kumimoji="0" lang="en-GB" sz="1000" b="0" i="0" u="none" strike="noStrike" kern="1200" cap="none" spc="0" normalizeH="0" baseline="0" noProof="0">
-                <a:ln>
-                  <a:noFill/>
-                </a:ln>
-                <a:effectLst/>
-                <a:uLnTx/>
-                <a:uFillTx/>
-                <a:latin typeface="Calibri" panose="020F0502020204030204"/>
-                <a:ea typeface="+mn-ea"/>
-                <a:cs typeface="+mn-cs"/>
-              </a:rPr>
-              <a:t>Created by Tayo Alebiosu</a:t>
-            </a:r>
+            <a:endParaRPr kumimoji="0" lang="en-GB" sz="1000" b="0" i="0" u="none" strike="noStrike" kern="1200" cap="none" spc="0" normalizeH="0" baseline="0" noProof="0" dirty="0">
+              <a:ln>
+                <a:noFill/>
+              </a:ln>
+              <a:effectLst/>
+              <a:uLnTx/>
+              <a:uFillTx/>
+              <a:latin typeface="Calibri" panose="020F0502020204030204"/>
+              <a:ea typeface="+mn-ea"/>
+              <a:cs typeface="+mn-cs"/>
+            </a:endParaRPr>
           </a:p>
         </p:txBody>
       </p:sp>
@@ -22433,7 +21263,7 @@
                 <a16:creationId xmlns:a16="http://schemas.microsoft.com/office/drawing/2014/main" id="{23E547B5-89CF-4EC0-96DE-25771AED0799}"/>
               </a:ext>
               <a:ext uri="{C183D7F6-B498-43B3-948B-1728B52AA6E4}">
-                <adec:decorative xmlns:adec="http://schemas.microsoft.com/office/drawing/2017/decorative" val="1"/>
+                <adec:decorative xmlns:adec="http://schemas.microsoft.com/office/drawing/2017/decorative" xmlns="" val="1"/>
               </a:ext>
             </a:extLst>
           </p:cNvPr>
@@ -22513,7 +21343,7 @@
               <a:tabLst/>
               <a:defRPr/>
             </a:pPr>
-            <a:endParaRPr kumimoji="0" lang="en-US" sz="1800" b="0" i="0" u="none" strike="noStrike" kern="1200" cap="none" spc="0" normalizeH="0" baseline="0" noProof="0">
+            <a:endParaRPr kumimoji="0" lang="en-US" sz="1800" b="0" i="0" u="none" strike="noStrike" kern="1200" cap="none" spc="0" normalizeH="0" baseline="0" noProof="0" dirty="0">
               <a:ln>
                 <a:noFill/>
               </a:ln>
@@ -22538,7 +21368,7 @@
                 <a16:creationId xmlns:a16="http://schemas.microsoft.com/office/drawing/2014/main" id="{3F0B8CEB-8279-4E5E-A0CE-1FC9F71736F2}"/>
               </a:ext>
               <a:ext uri="{C183D7F6-B498-43B3-948B-1728B52AA6E4}">
-                <adec:decorative xmlns:adec="http://schemas.microsoft.com/office/drawing/2017/decorative" val="1"/>
+                <adec:decorative xmlns:adec="http://schemas.microsoft.com/office/drawing/2017/decorative" xmlns="" val="1"/>
               </a:ext>
             </a:extLst>
           </p:cNvPr>
@@ -22607,7 +21437,7 @@
               <a:tabLst/>
               <a:defRPr/>
             </a:pPr>
-            <a:endParaRPr kumimoji="0" lang="en-US" sz="1800" b="0" i="0" u="none" strike="noStrike" kern="1200" cap="none" spc="0" normalizeH="0" baseline="0" noProof="0">
+            <a:endParaRPr kumimoji="0" lang="en-US" sz="1800" b="0" i="0" u="none" strike="noStrike" kern="1200" cap="none" spc="0" normalizeH="0" baseline="0" noProof="0" dirty="0">
               <a:ln>
                 <a:noFill/>
               </a:ln>
@@ -23159,23 +21989,20 @@
               <a:tabLst/>
               <a:defRPr/>
             </a:pPr>
-            <a:r>
-              <a:rPr kumimoji="0" lang="en-GB" sz="1000" b="0" i="0" u="none" strike="noStrike" kern="1200" cap="none" spc="0" normalizeH="0" baseline="0" noProof="0">
-                <a:ln>
-                  <a:noFill/>
-                </a:ln>
-                <a:solidFill>
-                  <a:srgbClr val="FFFFFF"/>
-                </a:solidFill>
-                <a:effectLst/>
-                <a:uLnTx/>
-                <a:uFillTx/>
-                <a:latin typeface="Calibri" panose="020F0502020204030204"/>
-                <a:ea typeface="+mn-ea"/>
-                <a:cs typeface="+mn-cs"/>
-              </a:rPr>
-              <a:t>Created by Tayo Alebiosu</a:t>
-            </a:r>
+            <a:endParaRPr kumimoji="0" lang="en-GB" sz="1000" b="0" i="0" u="none" strike="noStrike" kern="1200" cap="none" spc="0" normalizeH="0" baseline="0" noProof="0" dirty="0">
+              <a:ln>
+                <a:noFill/>
+              </a:ln>
+              <a:solidFill>
+                <a:srgbClr val="FFFFFF"/>
+              </a:solidFill>
+              <a:effectLst/>
+              <a:uLnTx/>
+              <a:uFillTx/>
+              <a:latin typeface="Calibri" panose="020F0502020204030204"/>
+              <a:ea typeface="+mn-ea"/>
+              <a:cs typeface="+mn-cs"/>
+            </a:endParaRPr>
           </a:p>
         </p:txBody>
       </p:sp>
@@ -23225,7 +22052,7 @@
                 <a16:creationId xmlns:a16="http://schemas.microsoft.com/office/drawing/2014/main" id="{E91DC736-0EF8-4F87-9146-EBF1D2EE4D3D}"/>
               </a:ext>
               <a:ext uri="{C183D7F6-B498-43B3-948B-1728B52AA6E4}">
-                <adec:decorative xmlns:adec="http://schemas.microsoft.com/office/drawing/2017/decorative" val="1"/>
+                <adec:decorative xmlns:adec="http://schemas.microsoft.com/office/drawing/2017/decorative" xmlns="" val="1"/>
               </a:ext>
             </a:extLst>
           </p:cNvPr>
@@ -23273,7 +22100,7 @@
           <a:lstStyle/>
           <a:p>
             <a:pPr algn="ctr"/>
-            <a:endParaRPr lang="en-US"/>
+            <a:endParaRPr lang="en-US" dirty="0"/>
           </a:p>
         </p:txBody>
       </p:sp>
@@ -23314,7 +22141,7 @@
                 <a16:creationId xmlns:a16="http://schemas.microsoft.com/office/drawing/2014/main" id="{097CD68E-23E3-4007-8847-CD0944C4F7BE}"/>
               </a:ext>
               <a:ext uri="{C183D7F6-B498-43B3-948B-1728B52AA6E4}">
-                <adec:decorative xmlns:adec="http://schemas.microsoft.com/office/drawing/2017/decorative" val="1"/>
+                <adec:decorative xmlns:adec="http://schemas.microsoft.com/office/drawing/2017/decorative" xmlns="" val="1"/>
               </a:ext>
             </a:extLst>
           </p:cNvPr>
@@ -23494,7 +22321,7 @@
                 <a16:creationId xmlns:a16="http://schemas.microsoft.com/office/drawing/2014/main" id="{AF2F604E-43BE-4DC3-B983-E071523364F8}"/>
               </a:ext>
               <a:ext uri="{C183D7F6-B498-43B3-948B-1728B52AA6E4}">
-                <adec:decorative xmlns:adec="http://schemas.microsoft.com/office/drawing/2017/decorative" val="1"/>
+                <adec:decorative xmlns:adec="http://schemas.microsoft.com/office/drawing/2017/decorative" xmlns="" val="1"/>
               </a:ext>
             </a:extLst>
           </p:cNvPr>
@@ -23545,7 +22372,7 @@
           <a:lstStyle/>
           <a:p>
             <a:pPr algn="ctr"/>
-            <a:endParaRPr lang="en-US">
+            <a:endParaRPr lang="en-US" dirty="0">
               <a:solidFill>
                 <a:prstClr val="white"/>
               </a:solidFill>
@@ -23562,7 +22389,7 @@
                 <a16:creationId xmlns:a16="http://schemas.microsoft.com/office/drawing/2014/main" id="{08C9B587-E65E-4B52-B37C-ABEBB6E87928}"/>
               </a:ext>
               <a:ext uri="{C183D7F6-B498-43B3-948B-1728B52AA6E4}">
-                <adec:decorative xmlns:adec="http://schemas.microsoft.com/office/drawing/2017/decorative" val="1"/>
+                <adec:decorative xmlns:adec="http://schemas.microsoft.com/office/drawing/2017/decorative" xmlns="" val="1"/>
               </a:ext>
             </a:extLst>
           </p:cNvPr>
@@ -23630,7 +22457,7 @@
               <a:tabLst/>
               <a:defRPr/>
             </a:pPr>
-            <a:endParaRPr kumimoji="0" lang="en-US" sz="1800" b="0" i="0" u="none" strike="noStrike" kern="1200" cap="none" spc="0" normalizeH="0" baseline="0" noProof="0">
+            <a:endParaRPr kumimoji="0" lang="en-US" sz="1800" b="0" i="0" u="none" strike="noStrike" kern="1200" cap="none" spc="0" normalizeH="0" baseline="0" noProof="0" dirty="0">
               <a:ln>
                 <a:noFill/>
               </a:ln>
@@ -23644,49 +22471,6 @@
               <a:ea typeface="+mn-ea"/>
               <a:cs typeface="+mn-cs"/>
             </a:endParaRPr>
-          </a:p>
-        </p:txBody>
-      </p:sp>
-      <p:sp>
-        <p:nvSpPr>
-          <p:cNvPr id="6" name="Rectangle 5">
-            <a:extLst>
-              <a:ext uri="{FF2B5EF4-FFF2-40B4-BE49-F238E27FC236}">
-                <a16:creationId xmlns:a16="http://schemas.microsoft.com/office/drawing/2014/main" id="{41A3A8CF-6ED9-4946-918F-A8934BEB8A8D}"/>
-              </a:ext>
-            </a:extLst>
-          </p:cNvPr>
-          <p:cNvSpPr/>
-          <p:nvPr/>
-        </p:nvSpPr>
-        <p:spPr>
-          <a:xfrm>
-            <a:off x="4601108" y="6258156"/>
-            <a:ext cx="1505540" cy="246221"/>
-          </a:xfrm>
-          <a:prstGeom prst="rect">
-            <a:avLst/>
-          </a:prstGeom>
-        </p:spPr>
-        <p:txBody>
-          <a:bodyPr wrap="none">
-            <a:spAutoFit/>
-          </a:bodyPr>
-          <a:lstStyle/>
-          <a:p>
-            <a:pPr lvl="0" algn="ctr">
-              <a:defRPr/>
-            </a:pPr>
-            <a:r>
-              <a:rPr lang="en-GB" sz="1000" dirty="0">
-                <a:solidFill>
-                  <a:prstClr val="black">
-                    <a:tint val="75000"/>
-                  </a:prstClr>
-                </a:solidFill>
-              </a:rPr>
-              <a:t>Created by Tayo Alebiosu</a:t>
-            </a:r>
           </a:p>
         </p:txBody>
       </p:sp>
@@ -23781,7 +22565,7 @@
                 <a16:creationId xmlns:a16="http://schemas.microsoft.com/office/drawing/2014/main" id="{2B566528-1B12-4246-9431-5C2D7D081168}"/>
               </a:ext>
               <a:ext uri="{C183D7F6-B498-43B3-948B-1728B52AA6E4}">
-                <adec:decorative xmlns:adec="http://schemas.microsoft.com/office/drawing/2017/decorative" val="1"/>
+                <adec:decorative xmlns:adec="http://schemas.microsoft.com/office/drawing/2017/decorative" xmlns="" val="1"/>
               </a:ext>
             </a:extLst>
           </p:cNvPr>
@@ -23942,7 +22726,7 @@
                 <a16:creationId xmlns:a16="http://schemas.microsoft.com/office/drawing/2014/main" id="{07EAA094-9CF6-4695-958A-33D9BCAA9474}"/>
               </a:ext>
               <a:ext uri="{C183D7F6-B498-43B3-948B-1728B52AA6E4}">
-                <adec:decorative xmlns:adec="http://schemas.microsoft.com/office/drawing/2017/decorative" val="1"/>
+                <adec:decorative xmlns:adec="http://schemas.microsoft.com/office/drawing/2017/decorative" xmlns="" val="1"/>
               </a:ext>
             </a:extLst>
           </p:cNvPr>
@@ -23973,7 +22757,7 @@
                   <a16:creationId xmlns:a16="http://schemas.microsoft.com/office/drawing/2014/main" id="{2E80C965-DB6D-4F81-9E9E-B027384D0BD6}"/>
                 </a:ext>
                 <a:ext uri="{C183D7F6-B498-43B3-948B-1728B52AA6E4}">
-                  <adec:decorative xmlns:adec="http://schemas.microsoft.com/office/drawing/2017/decorative" val="1"/>
+                  <adec:decorative xmlns:adec="http://schemas.microsoft.com/office/drawing/2017/decorative" xmlns="" val="1"/>
                 </a:ext>
               </a:extLst>
             </p:cNvPr>
@@ -24024,7 +22808,7 @@
             <a:lstStyle/>
             <a:p>
               <a:pPr algn="ctr"/>
-              <a:endParaRPr lang="en-US"/>
+              <a:endParaRPr lang="en-US" dirty="0"/>
             </a:p>
           </p:txBody>
         </p:sp>
@@ -24036,7 +22820,7 @@
                   <a16:creationId xmlns:a16="http://schemas.microsoft.com/office/drawing/2014/main" id="{A580F890-B085-4E95-96AA-55AEBEC5CE6E}"/>
                 </a:ext>
                 <a:ext uri="{C183D7F6-B498-43B3-948B-1728B52AA6E4}">
-                  <adec:decorative xmlns:adec="http://schemas.microsoft.com/office/drawing/2017/decorative" val="1"/>
+                  <adec:decorative xmlns:adec="http://schemas.microsoft.com/office/drawing/2017/decorative" xmlns="" val="1"/>
                 </a:ext>
               </a:extLst>
             </p:cNvPr>
@@ -24102,7 +22886,7 @@
                 <a16:creationId xmlns:a16="http://schemas.microsoft.com/office/drawing/2014/main" id="{D3F51FEB-38FB-4F6C-9F7B-2F2AFAB65463}"/>
               </a:ext>
               <a:ext uri="{C183D7F6-B498-43B3-948B-1728B52AA6E4}">
-                <adec:decorative xmlns:adec="http://schemas.microsoft.com/office/drawing/2017/decorative" val="1"/>
+                <adec:decorative xmlns:adec="http://schemas.microsoft.com/office/drawing/2017/decorative" xmlns="" val="1"/>
               </a:ext>
             </a:extLst>
           </p:cNvPr>
@@ -24157,7 +22941,7 @@
           <a:lstStyle/>
           <a:p>
             <a:pPr algn="ctr"/>
-            <a:endParaRPr lang="en-US"/>
+            <a:endParaRPr lang="en-US" dirty="0"/>
           </a:p>
         </p:txBody>
       </p:sp>
@@ -24169,7 +22953,7 @@
                 <a16:creationId xmlns:a16="http://schemas.microsoft.com/office/drawing/2014/main" id="{1E547BA6-BAE0-43BB-A7CA-60F69CE252F0}"/>
               </a:ext>
               <a:ext uri="{C183D7F6-B498-43B3-948B-1728B52AA6E4}">
-                <adec:decorative xmlns:adec="http://schemas.microsoft.com/office/drawing/2017/decorative" val="1"/>
+                <adec:decorative xmlns:adec="http://schemas.microsoft.com/office/drawing/2017/decorative" xmlns="" val="1"/>
               </a:ext>
             </a:extLst>
           </p:cNvPr>
@@ -24222,7 +23006,7 @@
           <a:lstStyle/>
           <a:p>
             <a:pPr algn="ctr"/>
-            <a:endParaRPr lang="en-US"/>
+            <a:endParaRPr lang="en-US" dirty="0"/>
           </a:p>
         </p:txBody>
       </p:sp>
@@ -24259,10 +23043,7 @@
                 <a:spcPts val="600"/>
               </a:spcAft>
             </a:pPr>
-            <a:r>
-              <a:rPr lang="en-GB"/>
-              <a:t>Created by Tayo Alebiosu</a:t>
-            </a:r>
+            <a:endParaRPr lang="en-GB" dirty="0"/>
           </a:p>
         </p:txBody>
       </p:sp>
